--- a/HybridPOMLFM.pptx
+++ b/HybridPOMLFM.pptx
@@ -5,16 +5,26 @@
     <p:sldMasterId id="2147483723" r:id="rId1"/>
   </p:sldMasterIdLst>
   <p:notesMasterIdLst>
-    <p:notesMasterId r:id="rId9"/>
+    <p:notesMasterId r:id="rId19"/>
   </p:notesMasterIdLst>
   <p:sldIdLst>
     <p:sldId id="256" r:id="rId2"/>
     <p:sldId id="257" r:id="rId3"/>
-    <p:sldId id="258" r:id="rId4"/>
-    <p:sldId id="259" r:id="rId5"/>
-    <p:sldId id="261" r:id="rId6"/>
-    <p:sldId id="260" r:id="rId7"/>
-    <p:sldId id="262" r:id="rId8"/>
+    <p:sldId id="259" r:id="rId4"/>
+    <p:sldId id="263" r:id="rId5"/>
+    <p:sldId id="258" r:id="rId6"/>
+    <p:sldId id="264" r:id="rId7"/>
+    <p:sldId id="261" r:id="rId8"/>
+    <p:sldId id="262" r:id="rId9"/>
+    <p:sldId id="260" r:id="rId10"/>
+    <p:sldId id="266" r:id="rId11"/>
+    <p:sldId id="267" r:id="rId12"/>
+    <p:sldId id="268" r:id="rId13"/>
+    <p:sldId id="269" r:id="rId14"/>
+    <p:sldId id="270" r:id="rId15"/>
+    <p:sldId id="271" r:id="rId16"/>
+    <p:sldId id="272" r:id="rId17"/>
+    <p:sldId id="273" r:id="rId18"/>
   </p:sldIdLst>
   <p:sldSz cx="12192000" cy="6858000"/>
   <p:notesSz cx="6858000" cy="9144000"/>
@@ -598,63 +608,7 @@
           <a:bodyPr/>
           <a:lstStyle/>
           <a:p>
-            <a:pPr algn="l"/>
-            <a:r>
-              <a:rPr lang="en-US" b="0" i="0" u="none" strike="noStrike" dirty="0">
-                <a:solidFill>
-                  <a:srgbClr val="6F757A"/>
-                </a:solidFill>
-                <a:effectLst/>
-                <a:latin typeface="Encode Sans"/>
-              </a:rPr>
-              <a:t>According to Selenium’s own documentation</a:t>
-            </a:r>
-          </a:p>
-          <a:p>
-            <a:pPr algn="l"/>
-            <a:endParaRPr lang="en-US" b="0" i="0" u="none" strike="noStrike" dirty="0">
-              <a:solidFill>
-                <a:srgbClr val="6F757A"/>
-              </a:solidFill>
-              <a:effectLst/>
-              <a:latin typeface="Encode Sans"/>
-            </a:endParaRPr>
-          </a:p>
-          <a:p>
-            <a:pPr algn="l"/>
-            <a:r>
-              <a:rPr lang="en-US" b="0" i="0" u="none" strike="noStrike" dirty="0">
-                <a:solidFill>
-                  <a:srgbClr val="6F757A"/>
-                </a:solidFill>
-                <a:effectLst/>
-                <a:latin typeface="Encode Sans"/>
-              </a:rPr>
-              <a:t>Within your web app’s UI, there are areas where your tests interact with. A Page Object only models these as objects within the test code. This reduces the amount of duplicated code and means that if the UI changes, the fix needs only to be applied in one place.</a:t>
-            </a:r>
-          </a:p>
-          <a:p>
-            <a:pPr algn="l"/>
-            <a:endParaRPr lang="en-US" b="0" i="0" u="none" strike="noStrike" dirty="0">
-              <a:solidFill>
-                <a:srgbClr val="6F757A"/>
-              </a:solidFill>
-              <a:effectLst/>
-              <a:latin typeface="Encode Sans"/>
-            </a:endParaRPr>
-          </a:p>
-          <a:p>
-            <a:pPr algn="l"/>
-            <a:r>
-              <a:rPr lang="en-US" b="0" i="0" u="none" strike="noStrike" dirty="0">
-                <a:solidFill>
-                  <a:srgbClr val="6F757A"/>
-                </a:solidFill>
-                <a:effectLst/>
-                <a:latin typeface="Encode Sans"/>
-              </a:rPr>
-              <a:t>Page Object is a Design Pattern that has become popular in test automation for enhancing test maintenance and reducing code duplication. A page object is an object-oriented class that serves as an interface to a page of your AUT. The tests then use the methods of this page object class whenever they need to interact with the UI of that page. The benefit is that if the UI changes for the page, the tests themselves don’t need to change, only the code within the page object needs to change. Subsequently, all changes to support that new UI are located in one place.</a:t>
-            </a:r>
+            <a:endParaRPr lang="en-US" dirty="0"/>
           </a:p>
         </p:txBody>
       </p:sp>
@@ -684,7 +638,7 @@
     </p:spTree>
     <p:extLst>
       <p:ext uri="{BB962C8B-B14F-4D97-AF65-F5344CB8AC3E}">
-        <p14:creationId xmlns:p14="http://schemas.microsoft.com/office/powerpoint/2010/main" val="2696771557"/>
+        <p14:creationId xmlns:p14="http://schemas.microsoft.com/office/powerpoint/2010/main" val="1452680347"/>
       </p:ext>
     </p:extLst>
   </p:cSld>
@@ -738,7 +692,63 @@
           <a:bodyPr/>
           <a:lstStyle/>
           <a:p>
-            <a:endParaRPr lang="en-US" dirty="0"/>
+            <a:pPr algn="l"/>
+            <a:r>
+              <a:rPr lang="en-US" b="0" i="0" u="none" strike="noStrike" dirty="0">
+                <a:solidFill>
+                  <a:srgbClr val="6F757A"/>
+                </a:solidFill>
+                <a:effectLst/>
+                <a:latin typeface="Encode Sans"/>
+              </a:rPr>
+              <a:t>According to Selenium’s own documentation</a:t>
+            </a:r>
+          </a:p>
+          <a:p>
+            <a:pPr algn="l"/>
+            <a:endParaRPr lang="en-US" b="0" i="0" u="none" strike="noStrike" dirty="0">
+              <a:solidFill>
+                <a:srgbClr val="6F757A"/>
+              </a:solidFill>
+              <a:effectLst/>
+              <a:latin typeface="Encode Sans"/>
+            </a:endParaRPr>
+          </a:p>
+          <a:p>
+            <a:pPr algn="l"/>
+            <a:r>
+              <a:rPr lang="en-US" b="0" i="0" u="none" strike="noStrike" dirty="0">
+                <a:solidFill>
+                  <a:srgbClr val="6F757A"/>
+                </a:solidFill>
+                <a:effectLst/>
+                <a:latin typeface="Encode Sans"/>
+              </a:rPr>
+              <a:t>Within your web app’s UI, there are areas where your tests interact with. A Page Object only models these as objects within the test code. This reduces the amount of duplicated code and means that if the UI changes, the fix needs only to be applied in one place.</a:t>
+            </a:r>
+          </a:p>
+          <a:p>
+            <a:pPr algn="l"/>
+            <a:endParaRPr lang="en-US" b="0" i="0" u="none" strike="noStrike" dirty="0">
+              <a:solidFill>
+                <a:srgbClr val="6F757A"/>
+              </a:solidFill>
+              <a:effectLst/>
+              <a:latin typeface="Encode Sans"/>
+            </a:endParaRPr>
+          </a:p>
+          <a:p>
+            <a:pPr algn="l"/>
+            <a:r>
+              <a:rPr lang="en-US" b="0" i="0" u="none" strike="noStrike" dirty="0">
+                <a:solidFill>
+                  <a:srgbClr val="6F757A"/>
+                </a:solidFill>
+                <a:effectLst/>
+                <a:latin typeface="Encode Sans"/>
+              </a:rPr>
+              <a:t>Page Object is a Design Pattern that has become popular in test automation for enhancing test maintenance and reducing code duplication. A page object is an object-oriented class that serves as an interface to a page of your AUT. The tests then use the methods of this page object class whenever they need to interact with the UI of that page. The benefit is that if the UI changes for the page, the tests themselves don’t need to change, only the code within the page object needs to change. Subsequently, all changes to support that new UI are located in one place.</a:t>
+            </a:r>
           </a:p>
         </p:txBody>
       </p:sp>
@@ -759,7 +769,7 @@
           <a:p>
             <a:fld id="{F2816F5C-343F-AD48-BF5C-AC1D04C6D29D}" type="slidenum">
               <a:rPr lang="en-US" smtClean="0"/>
-              <a:t>4</a:t>
+              <a:t>5</a:t>
             </a:fld>
             <a:endParaRPr lang="en-US"/>
           </a:p>
@@ -768,7 +778,511 @@
     </p:spTree>
     <p:extLst>
       <p:ext uri="{BB962C8B-B14F-4D97-AF65-F5344CB8AC3E}">
-        <p14:creationId xmlns:p14="http://schemas.microsoft.com/office/powerpoint/2010/main" val="1452680347"/>
+        <p14:creationId xmlns:p14="http://schemas.microsoft.com/office/powerpoint/2010/main" val="2696771557"/>
+      </p:ext>
+    </p:extLst>
+  </p:cSld>
+  <p:clrMapOvr>
+    <a:masterClrMapping/>
+  </p:clrMapOvr>
+</p:notes>
+</file>
+
+<file path=ppt/notesSlides/notesSlide4.xml><?xml version="1.0" encoding="utf-8"?>
+<p:notes xmlns:a="http://schemas.openxmlformats.org/drawingml/2006/main" xmlns:r="http://schemas.openxmlformats.org/officeDocument/2006/relationships" xmlns:p="http://schemas.openxmlformats.org/presentationml/2006/main">
+  <p:cSld>
+    <p:spTree>
+      <p:nvGrpSpPr>
+        <p:cNvPr id="1" name=""/>
+        <p:cNvGrpSpPr/>
+        <p:nvPr/>
+      </p:nvGrpSpPr>
+      <p:grpSpPr>
+        <a:xfrm>
+          <a:off x="0" y="0"/>
+          <a:ext cx="0" cy="0"/>
+          <a:chOff x="0" y="0"/>
+          <a:chExt cx="0" cy="0"/>
+        </a:xfrm>
+      </p:grpSpPr>
+      <p:sp>
+        <p:nvSpPr>
+          <p:cNvPr id="2" name="Slide Image Placeholder 1"/>
+          <p:cNvSpPr>
+            <a:spLocks noGrp="1" noRot="1" noChangeAspect="1"/>
+          </p:cNvSpPr>
+          <p:nvPr>
+            <p:ph type="sldImg"/>
+          </p:nvPr>
+        </p:nvSpPr>
+        <p:spPr/>
+      </p:sp>
+      <p:sp>
+        <p:nvSpPr>
+          <p:cNvPr id="3" name="Notes Placeholder 2"/>
+          <p:cNvSpPr>
+            <a:spLocks noGrp="1"/>
+          </p:cNvSpPr>
+          <p:nvPr>
+            <p:ph type="body" idx="1"/>
+          </p:nvPr>
+        </p:nvSpPr>
+        <p:spPr/>
+        <p:txBody>
+          <a:bodyPr/>
+          <a:lstStyle/>
+          <a:p>
+            <a:endParaRPr lang="en-US" dirty="0"/>
+          </a:p>
+        </p:txBody>
+      </p:sp>
+      <p:sp>
+        <p:nvSpPr>
+          <p:cNvPr id="4" name="Slide Number Placeholder 3"/>
+          <p:cNvSpPr>
+            <a:spLocks noGrp="1"/>
+          </p:cNvSpPr>
+          <p:nvPr>
+            <p:ph type="sldNum" sz="quarter" idx="5"/>
+          </p:nvPr>
+        </p:nvSpPr>
+        <p:spPr/>
+        <p:txBody>
+          <a:bodyPr/>
+          <a:lstStyle/>
+          <a:p>
+            <a:fld id="{F2816F5C-343F-AD48-BF5C-AC1D04C6D29D}" type="slidenum">
+              <a:rPr lang="en-US" smtClean="0"/>
+              <a:t>11</a:t>
+            </a:fld>
+            <a:endParaRPr lang="en-US"/>
+          </a:p>
+        </p:txBody>
+      </p:sp>
+    </p:spTree>
+    <p:extLst>
+      <p:ext uri="{BB962C8B-B14F-4D97-AF65-F5344CB8AC3E}">
+        <p14:creationId xmlns:p14="http://schemas.microsoft.com/office/powerpoint/2010/main" val="3889958045"/>
+      </p:ext>
+    </p:extLst>
+  </p:cSld>
+  <p:clrMapOvr>
+    <a:masterClrMapping/>
+  </p:clrMapOvr>
+</p:notes>
+</file>
+
+<file path=ppt/notesSlides/notesSlide5.xml><?xml version="1.0" encoding="utf-8"?>
+<p:notes xmlns:a="http://schemas.openxmlformats.org/drawingml/2006/main" xmlns:r="http://schemas.openxmlformats.org/officeDocument/2006/relationships" xmlns:p="http://schemas.openxmlformats.org/presentationml/2006/main">
+  <p:cSld>
+    <p:spTree>
+      <p:nvGrpSpPr>
+        <p:cNvPr id="1" name=""/>
+        <p:cNvGrpSpPr/>
+        <p:nvPr/>
+      </p:nvGrpSpPr>
+      <p:grpSpPr>
+        <a:xfrm>
+          <a:off x="0" y="0"/>
+          <a:ext cx="0" cy="0"/>
+          <a:chOff x="0" y="0"/>
+          <a:chExt cx="0" cy="0"/>
+        </a:xfrm>
+      </p:grpSpPr>
+      <p:sp>
+        <p:nvSpPr>
+          <p:cNvPr id="2" name="Slide Image Placeholder 1"/>
+          <p:cNvSpPr>
+            <a:spLocks noGrp="1" noRot="1" noChangeAspect="1"/>
+          </p:cNvSpPr>
+          <p:nvPr>
+            <p:ph type="sldImg"/>
+          </p:nvPr>
+        </p:nvSpPr>
+        <p:spPr/>
+      </p:sp>
+      <p:sp>
+        <p:nvSpPr>
+          <p:cNvPr id="3" name="Notes Placeholder 2"/>
+          <p:cNvSpPr>
+            <a:spLocks noGrp="1"/>
+          </p:cNvSpPr>
+          <p:nvPr>
+            <p:ph type="body" idx="1"/>
+          </p:nvPr>
+        </p:nvSpPr>
+        <p:spPr/>
+        <p:txBody>
+          <a:bodyPr/>
+          <a:lstStyle/>
+          <a:p>
+            <a:endParaRPr lang="en-US" dirty="0"/>
+          </a:p>
+        </p:txBody>
+      </p:sp>
+      <p:sp>
+        <p:nvSpPr>
+          <p:cNvPr id="4" name="Slide Number Placeholder 3"/>
+          <p:cNvSpPr>
+            <a:spLocks noGrp="1"/>
+          </p:cNvSpPr>
+          <p:nvPr>
+            <p:ph type="sldNum" sz="quarter" idx="5"/>
+          </p:nvPr>
+        </p:nvSpPr>
+        <p:spPr/>
+        <p:txBody>
+          <a:bodyPr/>
+          <a:lstStyle/>
+          <a:p>
+            <a:fld id="{F2816F5C-343F-AD48-BF5C-AC1D04C6D29D}" type="slidenum">
+              <a:rPr lang="en-US" smtClean="0"/>
+              <a:t>12</a:t>
+            </a:fld>
+            <a:endParaRPr lang="en-US"/>
+          </a:p>
+        </p:txBody>
+      </p:sp>
+    </p:spTree>
+    <p:extLst>
+      <p:ext uri="{BB962C8B-B14F-4D97-AF65-F5344CB8AC3E}">
+        <p14:creationId xmlns:p14="http://schemas.microsoft.com/office/powerpoint/2010/main" val="3261756787"/>
+      </p:ext>
+    </p:extLst>
+  </p:cSld>
+  <p:clrMapOvr>
+    <a:masterClrMapping/>
+  </p:clrMapOvr>
+</p:notes>
+</file>
+
+<file path=ppt/notesSlides/notesSlide6.xml><?xml version="1.0" encoding="utf-8"?>
+<p:notes xmlns:a="http://schemas.openxmlformats.org/drawingml/2006/main" xmlns:r="http://schemas.openxmlformats.org/officeDocument/2006/relationships" xmlns:p="http://schemas.openxmlformats.org/presentationml/2006/main">
+  <p:cSld>
+    <p:spTree>
+      <p:nvGrpSpPr>
+        <p:cNvPr id="1" name=""/>
+        <p:cNvGrpSpPr/>
+        <p:nvPr/>
+      </p:nvGrpSpPr>
+      <p:grpSpPr>
+        <a:xfrm>
+          <a:off x="0" y="0"/>
+          <a:ext cx="0" cy="0"/>
+          <a:chOff x="0" y="0"/>
+          <a:chExt cx="0" cy="0"/>
+        </a:xfrm>
+      </p:grpSpPr>
+      <p:sp>
+        <p:nvSpPr>
+          <p:cNvPr id="2" name="Slide Image Placeholder 1"/>
+          <p:cNvSpPr>
+            <a:spLocks noGrp="1" noRot="1" noChangeAspect="1"/>
+          </p:cNvSpPr>
+          <p:nvPr>
+            <p:ph type="sldImg"/>
+          </p:nvPr>
+        </p:nvSpPr>
+        <p:spPr/>
+      </p:sp>
+      <p:sp>
+        <p:nvSpPr>
+          <p:cNvPr id="3" name="Notes Placeholder 2"/>
+          <p:cNvSpPr>
+            <a:spLocks noGrp="1"/>
+          </p:cNvSpPr>
+          <p:nvPr>
+            <p:ph type="body" idx="1"/>
+          </p:nvPr>
+        </p:nvSpPr>
+        <p:spPr/>
+        <p:txBody>
+          <a:bodyPr/>
+          <a:lstStyle/>
+          <a:p>
+            <a:endParaRPr lang="en-US" dirty="0"/>
+          </a:p>
+        </p:txBody>
+      </p:sp>
+      <p:sp>
+        <p:nvSpPr>
+          <p:cNvPr id="4" name="Slide Number Placeholder 3"/>
+          <p:cNvSpPr>
+            <a:spLocks noGrp="1"/>
+          </p:cNvSpPr>
+          <p:nvPr>
+            <p:ph type="sldNum" sz="quarter" idx="5"/>
+          </p:nvPr>
+        </p:nvSpPr>
+        <p:spPr/>
+        <p:txBody>
+          <a:bodyPr/>
+          <a:lstStyle/>
+          <a:p>
+            <a:fld id="{F2816F5C-343F-AD48-BF5C-AC1D04C6D29D}" type="slidenum">
+              <a:rPr lang="en-US" smtClean="0"/>
+              <a:t>13</a:t>
+            </a:fld>
+            <a:endParaRPr lang="en-US"/>
+          </a:p>
+        </p:txBody>
+      </p:sp>
+    </p:spTree>
+    <p:extLst>
+      <p:ext uri="{BB962C8B-B14F-4D97-AF65-F5344CB8AC3E}">
+        <p14:creationId xmlns:p14="http://schemas.microsoft.com/office/powerpoint/2010/main" val="1732205234"/>
+      </p:ext>
+    </p:extLst>
+  </p:cSld>
+  <p:clrMapOvr>
+    <a:masterClrMapping/>
+  </p:clrMapOvr>
+</p:notes>
+</file>
+
+<file path=ppt/notesSlides/notesSlide7.xml><?xml version="1.0" encoding="utf-8"?>
+<p:notes xmlns:a="http://schemas.openxmlformats.org/drawingml/2006/main" xmlns:r="http://schemas.openxmlformats.org/officeDocument/2006/relationships" xmlns:p="http://schemas.openxmlformats.org/presentationml/2006/main">
+  <p:cSld>
+    <p:spTree>
+      <p:nvGrpSpPr>
+        <p:cNvPr id="1" name=""/>
+        <p:cNvGrpSpPr/>
+        <p:nvPr/>
+      </p:nvGrpSpPr>
+      <p:grpSpPr>
+        <a:xfrm>
+          <a:off x="0" y="0"/>
+          <a:ext cx="0" cy="0"/>
+          <a:chOff x="0" y="0"/>
+          <a:chExt cx="0" cy="0"/>
+        </a:xfrm>
+      </p:grpSpPr>
+      <p:sp>
+        <p:nvSpPr>
+          <p:cNvPr id="2" name="Slide Image Placeholder 1"/>
+          <p:cNvSpPr>
+            <a:spLocks noGrp="1" noRot="1" noChangeAspect="1"/>
+          </p:cNvSpPr>
+          <p:nvPr>
+            <p:ph type="sldImg"/>
+          </p:nvPr>
+        </p:nvSpPr>
+        <p:spPr/>
+      </p:sp>
+      <p:sp>
+        <p:nvSpPr>
+          <p:cNvPr id="3" name="Notes Placeholder 2"/>
+          <p:cNvSpPr>
+            <a:spLocks noGrp="1"/>
+          </p:cNvSpPr>
+          <p:nvPr>
+            <p:ph type="body" idx="1"/>
+          </p:nvPr>
+        </p:nvSpPr>
+        <p:spPr/>
+        <p:txBody>
+          <a:bodyPr/>
+          <a:lstStyle/>
+          <a:p>
+            <a:endParaRPr lang="en-US" dirty="0"/>
+          </a:p>
+        </p:txBody>
+      </p:sp>
+      <p:sp>
+        <p:nvSpPr>
+          <p:cNvPr id="4" name="Slide Number Placeholder 3"/>
+          <p:cNvSpPr>
+            <a:spLocks noGrp="1"/>
+          </p:cNvSpPr>
+          <p:nvPr>
+            <p:ph type="sldNum" sz="quarter" idx="5"/>
+          </p:nvPr>
+        </p:nvSpPr>
+        <p:spPr/>
+        <p:txBody>
+          <a:bodyPr/>
+          <a:lstStyle/>
+          <a:p>
+            <a:fld id="{F2816F5C-343F-AD48-BF5C-AC1D04C6D29D}" type="slidenum">
+              <a:rPr lang="en-US" smtClean="0"/>
+              <a:t>14</a:t>
+            </a:fld>
+            <a:endParaRPr lang="en-US"/>
+          </a:p>
+        </p:txBody>
+      </p:sp>
+    </p:spTree>
+    <p:extLst>
+      <p:ext uri="{BB962C8B-B14F-4D97-AF65-F5344CB8AC3E}">
+        <p14:creationId xmlns:p14="http://schemas.microsoft.com/office/powerpoint/2010/main" val="75884020"/>
+      </p:ext>
+    </p:extLst>
+  </p:cSld>
+  <p:clrMapOvr>
+    <a:masterClrMapping/>
+  </p:clrMapOvr>
+</p:notes>
+</file>
+
+<file path=ppt/notesSlides/notesSlide8.xml><?xml version="1.0" encoding="utf-8"?>
+<p:notes xmlns:a="http://schemas.openxmlformats.org/drawingml/2006/main" xmlns:r="http://schemas.openxmlformats.org/officeDocument/2006/relationships" xmlns:p="http://schemas.openxmlformats.org/presentationml/2006/main">
+  <p:cSld>
+    <p:spTree>
+      <p:nvGrpSpPr>
+        <p:cNvPr id="1" name=""/>
+        <p:cNvGrpSpPr/>
+        <p:nvPr/>
+      </p:nvGrpSpPr>
+      <p:grpSpPr>
+        <a:xfrm>
+          <a:off x="0" y="0"/>
+          <a:ext cx="0" cy="0"/>
+          <a:chOff x="0" y="0"/>
+          <a:chExt cx="0" cy="0"/>
+        </a:xfrm>
+      </p:grpSpPr>
+      <p:sp>
+        <p:nvSpPr>
+          <p:cNvPr id="2" name="Slide Image Placeholder 1"/>
+          <p:cNvSpPr>
+            <a:spLocks noGrp="1" noRot="1" noChangeAspect="1"/>
+          </p:cNvSpPr>
+          <p:nvPr>
+            <p:ph type="sldImg"/>
+          </p:nvPr>
+        </p:nvSpPr>
+        <p:spPr/>
+      </p:sp>
+      <p:sp>
+        <p:nvSpPr>
+          <p:cNvPr id="3" name="Notes Placeholder 2"/>
+          <p:cNvSpPr>
+            <a:spLocks noGrp="1"/>
+          </p:cNvSpPr>
+          <p:nvPr>
+            <p:ph type="body" idx="1"/>
+          </p:nvPr>
+        </p:nvSpPr>
+        <p:spPr/>
+        <p:txBody>
+          <a:bodyPr/>
+          <a:lstStyle/>
+          <a:p>
+            <a:endParaRPr lang="en-US" dirty="0"/>
+          </a:p>
+        </p:txBody>
+      </p:sp>
+      <p:sp>
+        <p:nvSpPr>
+          <p:cNvPr id="4" name="Slide Number Placeholder 3"/>
+          <p:cNvSpPr>
+            <a:spLocks noGrp="1"/>
+          </p:cNvSpPr>
+          <p:nvPr>
+            <p:ph type="sldNum" sz="quarter" idx="5"/>
+          </p:nvPr>
+        </p:nvSpPr>
+        <p:spPr/>
+        <p:txBody>
+          <a:bodyPr/>
+          <a:lstStyle/>
+          <a:p>
+            <a:fld id="{F2816F5C-343F-AD48-BF5C-AC1D04C6D29D}" type="slidenum">
+              <a:rPr lang="en-US" smtClean="0"/>
+              <a:t>16</a:t>
+            </a:fld>
+            <a:endParaRPr lang="en-US"/>
+          </a:p>
+        </p:txBody>
+      </p:sp>
+    </p:spTree>
+    <p:extLst>
+      <p:ext uri="{BB962C8B-B14F-4D97-AF65-F5344CB8AC3E}">
+        <p14:creationId xmlns:p14="http://schemas.microsoft.com/office/powerpoint/2010/main" val="1719191778"/>
+      </p:ext>
+    </p:extLst>
+  </p:cSld>
+  <p:clrMapOvr>
+    <a:masterClrMapping/>
+  </p:clrMapOvr>
+</p:notes>
+</file>
+
+<file path=ppt/notesSlides/notesSlide9.xml><?xml version="1.0" encoding="utf-8"?>
+<p:notes xmlns:a="http://schemas.openxmlformats.org/drawingml/2006/main" xmlns:r="http://schemas.openxmlformats.org/officeDocument/2006/relationships" xmlns:p="http://schemas.openxmlformats.org/presentationml/2006/main">
+  <p:cSld>
+    <p:spTree>
+      <p:nvGrpSpPr>
+        <p:cNvPr id="1" name=""/>
+        <p:cNvGrpSpPr/>
+        <p:nvPr/>
+      </p:nvGrpSpPr>
+      <p:grpSpPr>
+        <a:xfrm>
+          <a:off x="0" y="0"/>
+          <a:ext cx="0" cy="0"/>
+          <a:chOff x="0" y="0"/>
+          <a:chExt cx="0" cy="0"/>
+        </a:xfrm>
+      </p:grpSpPr>
+      <p:sp>
+        <p:nvSpPr>
+          <p:cNvPr id="2" name="Slide Image Placeholder 1"/>
+          <p:cNvSpPr>
+            <a:spLocks noGrp="1" noRot="1" noChangeAspect="1"/>
+          </p:cNvSpPr>
+          <p:nvPr>
+            <p:ph type="sldImg"/>
+          </p:nvPr>
+        </p:nvSpPr>
+        <p:spPr/>
+      </p:sp>
+      <p:sp>
+        <p:nvSpPr>
+          <p:cNvPr id="3" name="Notes Placeholder 2"/>
+          <p:cNvSpPr>
+            <a:spLocks noGrp="1"/>
+          </p:cNvSpPr>
+          <p:nvPr>
+            <p:ph type="body" idx="1"/>
+          </p:nvPr>
+        </p:nvSpPr>
+        <p:spPr/>
+        <p:txBody>
+          <a:bodyPr/>
+          <a:lstStyle/>
+          <a:p>
+            <a:endParaRPr lang="en-US" dirty="0"/>
+          </a:p>
+        </p:txBody>
+      </p:sp>
+      <p:sp>
+        <p:nvSpPr>
+          <p:cNvPr id="4" name="Slide Number Placeholder 3"/>
+          <p:cNvSpPr>
+            <a:spLocks noGrp="1"/>
+          </p:cNvSpPr>
+          <p:nvPr>
+            <p:ph type="sldNum" sz="quarter" idx="5"/>
+          </p:nvPr>
+        </p:nvSpPr>
+        <p:spPr/>
+        <p:txBody>
+          <a:bodyPr/>
+          <a:lstStyle/>
+          <a:p>
+            <a:fld id="{F2816F5C-343F-AD48-BF5C-AC1D04C6D29D}" type="slidenum">
+              <a:rPr lang="en-US" smtClean="0"/>
+              <a:t>17</a:t>
+            </a:fld>
+            <a:endParaRPr lang="en-US"/>
+          </a:p>
+        </p:txBody>
+      </p:sp>
+    </p:spTree>
+    <p:extLst>
+      <p:ext uri="{BB962C8B-B14F-4D97-AF65-F5344CB8AC3E}">
+        <p14:creationId xmlns:p14="http://schemas.microsoft.com/office/powerpoint/2010/main" val="3772696233"/>
       </p:ext>
     </p:extLst>
   </p:cSld>
@@ -4295,6 +4809,43 @@
               </a:rPr>
               <a:t>Hybrid POM/LFM</a:t>
             </a:r>
+            <a:br>
+              <a:rPr lang="en-US" dirty="0">
+                <a:solidFill>
+                  <a:srgbClr val="FFFFFF"/>
+                </a:solidFill>
+              </a:rPr>
+            </a:br>
+            <a:r>
+              <a:rPr lang="en-US" dirty="0">
+                <a:solidFill>
+                  <a:srgbClr val="FFFFFF"/>
+                </a:solidFill>
+              </a:rPr>
+              <a:t>Design Paradigm</a:t>
+            </a:r>
+            <a:br>
+              <a:rPr lang="en-US" dirty="0">
+                <a:solidFill>
+                  <a:srgbClr val="FFFFFF"/>
+                </a:solidFill>
+              </a:rPr>
+            </a:br>
+            <a:br>
+              <a:rPr lang="en-US" dirty="0">
+                <a:solidFill>
+                  <a:srgbClr val="FFFFFF"/>
+                </a:solidFill>
+              </a:rPr>
+            </a:br>
+            <a:r>
+              <a:rPr lang="en-US" dirty="0">
+                <a:solidFill>
+                  <a:srgbClr val="FFFFFF"/>
+                </a:solidFill>
+              </a:rPr>
+              <a:t>for UI Automation</a:t>
+            </a:r>
           </a:p>
         </p:txBody>
       </p:sp>
@@ -4333,7 +4884,7 @@
                   <a:srgbClr val="FFFFFF"/>
                 </a:solidFill>
               </a:rPr>
-              <a:t>Stability in Motion</a:t>
+              <a:t>The Automagical Marvel</a:t>
             </a:r>
           </a:p>
           <a:p>
@@ -4550,6 +5101,2974 @@
 </p:sld>
 </file>
 
+<file path=ppt/slides/slide10.xml><?xml version="1.0" encoding="utf-8"?>
+<p:sld xmlns:a="http://schemas.openxmlformats.org/drawingml/2006/main" xmlns:r="http://schemas.openxmlformats.org/officeDocument/2006/relationships" xmlns:p="http://schemas.openxmlformats.org/presentationml/2006/main">
+  <p:cSld>
+    <p:spTree>
+      <p:nvGrpSpPr>
+        <p:cNvPr id="1" name=""/>
+        <p:cNvGrpSpPr/>
+        <p:nvPr/>
+      </p:nvGrpSpPr>
+      <p:grpSpPr>
+        <a:xfrm>
+          <a:off x="0" y="0"/>
+          <a:ext cx="0" cy="0"/>
+          <a:chOff x="0" y="0"/>
+          <a:chExt cx="0" cy="0"/>
+        </a:xfrm>
+      </p:grpSpPr>
+      <p:sp>
+        <p:nvSpPr>
+          <p:cNvPr id="2" name="Title 1">
+            <a:extLst>
+              <a:ext uri="{FF2B5EF4-FFF2-40B4-BE49-F238E27FC236}">
+                <a16:creationId xmlns:a16="http://schemas.microsoft.com/office/drawing/2014/main" id="{75FCB762-2629-D2D1-F041-5CAB244E31E3}"/>
+              </a:ext>
+            </a:extLst>
+          </p:cNvPr>
+          <p:cNvSpPr>
+            <a:spLocks noGrp="1"/>
+          </p:cNvSpPr>
+          <p:nvPr>
+            <p:ph type="title"/>
+          </p:nvPr>
+        </p:nvSpPr>
+        <p:spPr/>
+        <p:txBody>
+          <a:bodyPr>
+            <a:normAutofit/>
+          </a:bodyPr>
+          <a:lstStyle/>
+          <a:p>
+            <a:r>
+              <a:rPr lang="en-US" sz="2800" dirty="0"/>
+              <a:t>Hybrid POM/LFM Test</a:t>
+            </a:r>
+          </a:p>
+        </p:txBody>
+      </p:sp>
+      <p:pic>
+        <p:nvPicPr>
+          <p:cNvPr id="6" name="Content Placeholder 5" descr="A test built with the Hybrid POM/LFM design paradigm">
+            <a:extLst>
+              <a:ext uri="{FF2B5EF4-FFF2-40B4-BE49-F238E27FC236}">
+                <a16:creationId xmlns:a16="http://schemas.microsoft.com/office/drawing/2014/main" id="{8991E86D-3AEF-FF1C-CCF6-CE4095A3003B}"/>
+              </a:ext>
+            </a:extLst>
+          </p:cNvPr>
+          <p:cNvPicPr>
+            <a:picLocks noGrp="1" noChangeAspect="1"/>
+          </p:cNvPicPr>
+          <p:nvPr>
+            <p:ph idx="1"/>
+          </p:nvPr>
+        </p:nvPicPr>
+        <p:blipFill>
+          <a:blip r:embed="rId2"/>
+          <a:stretch>
+            <a:fillRect/>
+          </a:stretch>
+        </p:blipFill>
+        <p:spPr>
+          <a:xfrm>
+            <a:off x="5183188" y="1580500"/>
+            <a:ext cx="6172200" cy="3687475"/>
+          </a:xfrm>
+        </p:spPr>
+      </p:pic>
+      <p:sp>
+        <p:nvSpPr>
+          <p:cNvPr id="4" name="Text Placeholder 3">
+            <a:extLst>
+              <a:ext uri="{FF2B5EF4-FFF2-40B4-BE49-F238E27FC236}">
+                <a16:creationId xmlns:a16="http://schemas.microsoft.com/office/drawing/2014/main" id="{3B1E55D6-587E-D04E-9928-3B5BCF0B4B41}"/>
+              </a:ext>
+            </a:extLst>
+          </p:cNvPr>
+          <p:cNvSpPr>
+            <a:spLocks noGrp="1"/>
+          </p:cNvSpPr>
+          <p:nvPr>
+            <p:ph type="body" sz="half" idx="2"/>
+          </p:nvPr>
+        </p:nvSpPr>
+        <p:spPr>
+          <a:xfrm>
+            <a:off x="912628" y="2934586"/>
+            <a:ext cx="3859397" cy="2934401"/>
+          </a:xfrm>
+        </p:spPr>
+        <p:txBody>
+          <a:bodyPr>
+            <a:normAutofit lnSpcReduction="10000"/>
+          </a:bodyPr>
+          <a:lstStyle/>
+          <a:p>
+            <a:pPr marL="285750" indent="-285750">
+              <a:buFont typeface="Arial" panose="020B0604020202020204" pitchFamily="34" charset="0"/>
+              <a:buChar char="•"/>
+            </a:pPr>
+            <a:r>
+              <a:rPr lang="en-US" dirty="0"/>
+              <a:t>Easy to read and maintain</a:t>
+            </a:r>
+          </a:p>
+          <a:p>
+            <a:pPr marL="285750" indent="-285750">
+              <a:buFont typeface="Arial" panose="020B0604020202020204" pitchFamily="34" charset="0"/>
+              <a:buChar char="•"/>
+            </a:pPr>
+            <a:r>
+              <a:rPr lang="en-US" dirty="0"/>
+              <a:t>What driver?  What web element?</a:t>
+            </a:r>
+          </a:p>
+          <a:p>
+            <a:pPr marL="285750" indent="-285750">
+              <a:buFont typeface="Arial" panose="020B0604020202020204" pitchFamily="34" charset="0"/>
+              <a:buChar char="•"/>
+            </a:pPr>
+            <a:r>
+              <a:rPr lang="en-US" dirty="0"/>
+              <a:t>Uses basic, native Data Types</a:t>
+            </a:r>
+          </a:p>
+          <a:p>
+            <a:pPr marL="285750" indent="-285750">
+              <a:buFont typeface="Arial" panose="020B0604020202020204" pitchFamily="34" charset="0"/>
+              <a:buChar char="•"/>
+            </a:pPr>
+            <a:r>
+              <a:rPr lang="en-US" dirty="0"/>
+              <a:t>Still Selenium under the hood</a:t>
+            </a:r>
+          </a:p>
+          <a:p>
+            <a:pPr marL="285750" indent="-285750">
+              <a:buFont typeface="Arial" panose="020B0604020202020204" pitchFamily="34" charset="0"/>
+              <a:buChar char="•"/>
+            </a:pPr>
+            <a:r>
+              <a:rPr lang="en-US" dirty="0"/>
+              <a:t>Values evaluated in real time</a:t>
+            </a:r>
+          </a:p>
+          <a:p>
+            <a:pPr marL="285750" indent="-285750">
+              <a:buFont typeface="Arial" panose="020B0604020202020204" pitchFamily="34" charset="0"/>
+              <a:buChar char="•"/>
+            </a:pPr>
+            <a:r>
+              <a:rPr lang="en-US" dirty="0"/>
+              <a:t>Some Drawbacks</a:t>
+            </a:r>
+          </a:p>
+          <a:p>
+            <a:pPr marL="742950" lvl="1" indent="-285750">
+              <a:buFont typeface="Arial" panose="020B0604020202020204" pitchFamily="34" charset="0"/>
+              <a:buChar char="•"/>
+            </a:pPr>
+            <a:r>
+              <a:rPr lang="en-US" dirty="0"/>
+              <a:t>Framework complexity</a:t>
+            </a:r>
+          </a:p>
+          <a:p>
+            <a:pPr marL="742950" lvl="1" indent="-285750">
+              <a:buFont typeface="Arial" panose="020B0604020202020204" pitchFamily="34" charset="0"/>
+              <a:buChar char="•"/>
+            </a:pPr>
+            <a:r>
+              <a:rPr lang="en-US" dirty="0"/>
+              <a:t>Up front dev time.</a:t>
+            </a:r>
+          </a:p>
+        </p:txBody>
+      </p:sp>
+    </p:spTree>
+    <p:extLst>
+      <p:ext uri="{BB962C8B-B14F-4D97-AF65-F5344CB8AC3E}">
+        <p14:creationId xmlns:p14="http://schemas.microsoft.com/office/powerpoint/2010/main" val="3877408927"/>
+      </p:ext>
+    </p:extLst>
+  </p:cSld>
+  <p:clrMapOvr>
+    <a:masterClrMapping/>
+  </p:clrMapOvr>
+  <p:timing>
+    <p:tnLst>
+      <p:par>
+        <p:cTn id="1" dur="indefinite" restart="never" nodeType="tmRoot">
+          <p:childTnLst>
+            <p:seq concurrent="1" nextAc="seek">
+              <p:cTn id="2" dur="indefinite" nodeType="mainSeq">
+                <p:childTnLst>
+                  <p:par>
+                    <p:cTn id="3" fill="hold">
+                      <p:stCondLst>
+                        <p:cond delay="indefinite"/>
+                      </p:stCondLst>
+                      <p:childTnLst>
+                        <p:par>
+                          <p:cTn id="4" fill="hold">
+                            <p:stCondLst>
+                              <p:cond delay="0"/>
+                            </p:stCondLst>
+                            <p:childTnLst>
+                              <p:par>
+                                <p:cTn id="5" presetID="10" presetClass="entr" presetSubtype="0" fill="hold" grpId="0" nodeType="clickEffect">
+                                  <p:stCondLst>
+                                    <p:cond delay="0"/>
+                                  </p:stCondLst>
+                                  <p:childTnLst>
+                                    <p:set>
+                                      <p:cBhvr>
+                                        <p:cTn id="6" dur="1" fill="hold">
+                                          <p:stCondLst>
+                                            <p:cond delay="0"/>
+                                          </p:stCondLst>
+                                        </p:cTn>
+                                        <p:tgtEl>
+                                          <p:spTgt spid="4">
+                                            <p:txEl>
+                                              <p:pRg st="0" end="0"/>
+                                            </p:txEl>
+                                          </p:spTgt>
+                                        </p:tgtEl>
+                                        <p:attrNameLst>
+                                          <p:attrName>style.visibility</p:attrName>
+                                        </p:attrNameLst>
+                                      </p:cBhvr>
+                                      <p:to>
+                                        <p:strVal val="visible"/>
+                                      </p:to>
+                                    </p:set>
+                                    <p:animEffect transition="in" filter="fade">
+                                      <p:cBhvr>
+                                        <p:cTn id="7" dur="500"/>
+                                        <p:tgtEl>
+                                          <p:spTgt spid="4">
+                                            <p:txEl>
+                                              <p:pRg st="0" end="0"/>
+                                            </p:txEl>
+                                          </p:spTgt>
+                                        </p:tgtEl>
+                                      </p:cBhvr>
+                                    </p:animEffect>
+                                  </p:childTnLst>
+                                </p:cTn>
+                              </p:par>
+                            </p:childTnLst>
+                          </p:cTn>
+                        </p:par>
+                      </p:childTnLst>
+                    </p:cTn>
+                  </p:par>
+                  <p:par>
+                    <p:cTn id="8" fill="hold">
+                      <p:stCondLst>
+                        <p:cond delay="indefinite"/>
+                      </p:stCondLst>
+                      <p:childTnLst>
+                        <p:par>
+                          <p:cTn id="9" fill="hold">
+                            <p:stCondLst>
+                              <p:cond delay="0"/>
+                            </p:stCondLst>
+                            <p:childTnLst>
+                              <p:par>
+                                <p:cTn id="10" presetID="10" presetClass="entr" presetSubtype="0" fill="hold" grpId="0" nodeType="clickEffect">
+                                  <p:stCondLst>
+                                    <p:cond delay="0"/>
+                                  </p:stCondLst>
+                                  <p:childTnLst>
+                                    <p:set>
+                                      <p:cBhvr>
+                                        <p:cTn id="11" dur="1" fill="hold">
+                                          <p:stCondLst>
+                                            <p:cond delay="0"/>
+                                          </p:stCondLst>
+                                        </p:cTn>
+                                        <p:tgtEl>
+                                          <p:spTgt spid="4">
+                                            <p:txEl>
+                                              <p:pRg st="1" end="1"/>
+                                            </p:txEl>
+                                          </p:spTgt>
+                                        </p:tgtEl>
+                                        <p:attrNameLst>
+                                          <p:attrName>style.visibility</p:attrName>
+                                        </p:attrNameLst>
+                                      </p:cBhvr>
+                                      <p:to>
+                                        <p:strVal val="visible"/>
+                                      </p:to>
+                                    </p:set>
+                                    <p:animEffect transition="in" filter="fade">
+                                      <p:cBhvr>
+                                        <p:cTn id="12" dur="500"/>
+                                        <p:tgtEl>
+                                          <p:spTgt spid="4">
+                                            <p:txEl>
+                                              <p:pRg st="1" end="1"/>
+                                            </p:txEl>
+                                          </p:spTgt>
+                                        </p:tgtEl>
+                                      </p:cBhvr>
+                                    </p:animEffect>
+                                  </p:childTnLst>
+                                </p:cTn>
+                              </p:par>
+                            </p:childTnLst>
+                          </p:cTn>
+                        </p:par>
+                      </p:childTnLst>
+                    </p:cTn>
+                  </p:par>
+                  <p:par>
+                    <p:cTn id="13" fill="hold">
+                      <p:stCondLst>
+                        <p:cond delay="indefinite"/>
+                      </p:stCondLst>
+                      <p:childTnLst>
+                        <p:par>
+                          <p:cTn id="14" fill="hold">
+                            <p:stCondLst>
+                              <p:cond delay="0"/>
+                            </p:stCondLst>
+                            <p:childTnLst>
+                              <p:par>
+                                <p:cTn id="15" presetID="10" presetClass="entr" presetSubtype="0" fill="hold" grpId="0" nodeType="clickEffect">
+                                  <p:stCondLst>
+                                    <p:cond delay="0"/>
+                                  </p:stCondLst>
+                                  <p:childTnLst>
+                                    <p:set>
+                                      <p:cBhvr>
+                                        <p:cTn id="16" dur="1" fill="hold">
+                                          <p:stCondLst>
+                                            <p:cond delay="0"/>
+                                          </p:stCondLst>
+                                        </p:cTn>
+                                        <p:tgtEl>
+                                          <p:spTgt spid="4">
+                                            <p:txEl>
+                                              <p:pRg st="2" end="2"/>
+                                            </p:txEl>
+                                          </p:spTgt>
+                                        </p:tgtEl>
+                                        <p:attrNameLst>
+                                          <p:attrName>style.visibility</p:attrName>
+                                        </p:attrNameLst>
+                                      </p:cBhvr>
+                                      <p:to>
+                                        <p:strVal val="visible"/>
+                                      </p:to>
+                                    </p:set>
+                                    <p:animEffect transition="in" filter="fade">
+                                      <p:cBhvr>
+                                        <p:cTn id="17" dur="500"/>
+                                        <p:tgtEl>
+                                          <p:spTgt spid="4">
+                                            <p:txEl>
+                                              <p:pRg st="2" end="2"/>
+                                            </p:txEl>
+                                          </p:spTgt>
+                                        </p:tgtEl>
+                                      </p:cBhvr>
+                                    </p:animEffect>
+                                  </p:childTnLst>
+                                </p:cTn>
+                              </p:par>
+                            </p:childTnLst>
+                          </p:cTn>
+                        </p:par>
+                      </p:childTnLst>
+                    </p:cTn>
+                  </p:par>
+                  <p:par>
+                    <p:cTn id="18" fill="hold">
+                      <p:stCondLst>
+                        <p:cond delay="indefinite"/>
+                      </p:stCondLst>
+                      <p:childTnLst>
+                        <p:par>
+                          <p:cTn id="19" fill="hold">
+                            <p:stCondLst>
+                              <p:cond delay="0"/>
+                            </p:stCondLst>
+                            <p:childTnLst>
+                              <p:par>
+                                <p:cTn id="20" presetID="10" presetClass="entr" presetSubtype="0" fill="hold" grpId="0" nodeType="clickEffect">
+                                  <p:stCondLst>
+                                    <p:cond delay="0"/>
+                                  </p:stCondLst>
+                                  <p:childTnLst>
+                                    <p:set>
+                                      <p:cBhvr>
+                                        <p:cTn id="21" dur="1" fill="hold">
+                                          <p:stCondLst>
+                                            <p:cond delay="0"/>
+                                          </p:stCondLst>
+                                        </p:cTn>
+                                        <p:tgtEl>
+                                          <p:spTgt spid="4">
+                                            <p:txEl>
+                                              <p:pRg st="3" end="3"/>
+                                            </p:txEl>
+                                          </p:spTgt>
+                                        </p:tgtEl>
+                                        <p:attrNameLst>
+                                          <p:attrName>style.visibility</p:attrName>
+                                        </p:attrNameLst>
+                                      </p:cBhvr>
+                                      <p:to>
+                                        <p:strVal val="visible"/>
+                                      </p:to>
+                                    </p:set>
+                                    <p:animEffect transition="in" filter="fade">
+                                      <p:cBhvr>
+                                        <p:cTn id="22" dur="500"/>
+                                        <p:tgtEl>
+                                          <p:spTgt spid="4">
+                                            <p:txEl>
+                                              <p:pRg st="3" end="3"/>
+                                            </p:txEl>
+                                          </p:spTgt>
+                                        </p:tgtEl>
+                                      </p:cBhvr>
+                                    </p:animEffect>
+                                  </p:childTnLst>
+                                </p:cTn>
+                              </p:par>
+                            </p:childTnLst>
+                          </p:cTn>
+                        </p:par>
+                      </p:childTnLst>
+                    </p:cTn>
+                  </p:par>
+                  <p:par>
+                    <p:cTn id="23" fill="hold">
+                      <p:stCondLst>
+                        <p:cond delay="indefinite"/>
+                      </p:stCondLst>
+                      <p:childTnLst>
+                        <p:par>
+                          <p:cTn id="24" fill="hold">
+                            <p:stCondLst>
+                              <p:cond delay="0"/>
+                            </p:stCondLst>
+                            <p:childTnLst>
+                              <p:par>
+                                <p:cTn id="25" presetID="10" presetClass="entr" presetSubtype="0" fill="hold" grpId="0" nodeType="clickEffect">
+                                  <p:stCondLst>
+                                    <p:cond delay="0"/>
+                                  </p:stCondLst>
+                                  <p:childTnLst>
+                                    <p:set>
+                                      <p:cBhvr>
+                                        <p:cTn id="26" dur="1" fill="hold">
+                                          <p:stCondLst>
+                                            <p:cond delay="0"/>
+                                          </p:stCondLst>
+                                        </p:cTn>
+                                        <p:tgtEl>
+                                          <p:spTgt spid="4">
+                                            <p:txEl>
+                                              <p:pRg st="4" end="4"/>
+                                            </p:txEl>
+                                          </p:spTgt>
+                                        </p:tgtEl>
+                                        <p:attrNameLst>
+                                          <p:attrName>style.visibility</p:attrName>
+                                        </p:attrNameLst>
+                                      </p:cBhvr>
+                                      <p:to>
+                                        <p:strVal val="visible"/>
+                                      </p:to>
+                                    </p:set>
+                                    <p:animEffect transition="in" filter="fade">
+                                      <p:cBhvr>
+                                        <p:cTn id="27" dur="500"/>
+                                        <p:tgtEl>
+                                          <p:spTgt spid="4">
+                                            <p:txEl>
+                                              <p:pRg st="4" end="4"/>
+                                            </p:txEl>
+                                          </p:spTgt>
+                                        </p:tgtEl>
+                                      </p:cBhvr>
+                                    </p:animEffect>
+                                  </p:childTnLst>
+                                </p:cTn>
+                              </p:par>
+                            </p:childTnLst>
+                          </p:cTn>
+                        </p:par>
+                      </p:childTnLst>
+                    </p:cTn>
+                  </p:par>
+                  <p:par>
+                    <p:cTn id="28" fill="hold">
+                      <p:stCondLst>
+                        <p:cond delay="indefinite"/>
+                      </p:stCondLst>
+                      <p:childTnLst>
+                        <p:par>
+                          <p:cTn id="29" fill="hold">
+                            <p:stCondLst>
+                              <p:cond delay="0"/>
+                            </p:stCondLst>
+                            <p:childTnLst>
+                              <p:par>
+                                <p:cTn id="30" presetID="10" presetClass="entr" presetSubtype="0" fill="hold" grpId="0" nodeType="clickEffect">
+                                  <p:stCondLst>
+                                    <p:cond delay="0"/>
+                                  </p:stCondLst>
+                                  <p:childTnLst>
+                                    <p:set>
+                                      <p:cBhvr>
+                                        <p:cTn id="31" dur="1" fill="hold">
+                                          <p:stCondLst>
+                                            <p:cond delay="0"/>
+                                          </p:stCondLst>
+                                        </p:cTn>
+                                        <p:tgtEl>
+                                          <p:spTgt spid="4">
+                                            <p:txEl>
+                                              <p:pRg st="5" end="5"/>
+                                            </p:txEl>
+                                          </p:spTgt>
+                                        </p:tgtEl>
+                                        <p:attrNameLst>
+                                          <p:attrName>style.visibility</p:attrName>
+                                        </p:attrNameLst>
+                                      </p:cBhvr>
+                                      <p:to>
+                                        <p:strVal val="visible"/>
+                                      </p:to>
+                                    </p:set>
+                                    <p:animEffect transition="in" filter="fade">
+                                      <p:cBhvr>
+                                        <p:cTn id="32" dur="500"/>
+                                        <p:tgtEl>
+                                          <p:spTgt spid="4">
+                                            <p:txEl>
+                                              <p:pRg st="5" end="5"/>
+                                            </p:txEl>
+                                          </p:spTgt>
+                                        </p:tgtEl>
+                                      </p:cBhvr>
+                                    </p:animEffect>
+                                  </p:childTnLst>
+                                </p:cTn>
+                              </p:par>
+                              <p:par>
+                                <p:cTn id="33" presetID="10" presetClass="entr" presetSubtype="0" fill="hold" grpId="0" nodeType="withEffect">
+                                  <p:stCondLst>
+                                    <p:cond delay="0"/>
+                                  </p:stCondLst>
+                                  <p:childTnLst>
+                                    <p:set>
+                                      <p:cBhvr>
+                                        <p:cTn id="34" dur="1" fill="hold">
+                                          <p:stCondLst>
+                                            <p:cond delay="0"/>
+                                          </p:stCondLst>
+                                        </p:cTn>
+                                        <p:tgtEl>
+                                          <p:spTgt spid="4">
+                                            <p:txEl>
+                                              <p:pRg st="6" end="6"/>
+                                            </p:txEl>
+                                          </p:spTgt>
+                                        </p:tgtEl>
+                                        <p:attrNameLst>
+                                          <p:attrName>style.visibility</p:attrName>
+                                        </p:attrNameLst>
+                                      </p:cBhvr>
+                                      <p:to>
+                                        <p:strVal val="visible"/>
+                                      </p:to>
+                                    </p:set>
+                                    <p:animEffect transition="in" filter="fade">
+                                      <p:cBhvr>
+                                        <p:cTn id="35" dur="500"/>
+                                        <p:tgtEl>
+                                          <p:spTgt spid="4">
+                                            <p:txEl>
+                                              <p:pRg st="6" end="6"/>
+                                            </p:txEl>
+                                          </p:spTgt>
+                                        </p:tgtEl>
+                                      </p:cBhvr>
+                                    </p:animEffect>
+                                  </p:childTnLst>
+                                </p:cTn>
+                              </p:par>
+                              <p:par>
+                                <p:cTn id="36" presetID="10" presetClass="entr" presetSubtype="0" fill="hold" grpId="0" nodeType="withEffect">
+                                  <p:stCondLst>
+                                    <p:cond delay="0"/>
+                                  </p:stCondLst>
+                                  <p:childTnLst>
+                                    <p:set>
+                                      <p:cBhvr>
+                                        <p:cTn id="37" dur="1" fill="hold">
+                                          <p:stCondLst>
+                                            <p:cond delay="0"/>
+                                          </p:stCondLst>
+                                        </p:cTn>
+                                        <p:tgtEl>
+                                          <p:spTgt spid="4">
+                                            <p:txEl>
+                                              <p:pRg st="7" end="7"/>
+                                            </p:txEl>
+                                          </p:spTgt>
+                                        </p:tgtEl>
+                                        <p:attrNameLst>
+                                          <p:attrName>style.visibility</p:attrName>
+                                        </p:attrNameLst>
+                                      </p:cBhvr>
+                                      <p:to>
+                                        <p:strVal val="visible"/>
+                                      </p:to>
+                                    </p:set>
+                                    <p:animEffect transition="in" filter="fade">
+                                      <p:cBhvr>
+                                        <p:cTn id="38" dur="500"/>
+                                        <p:tgtEl>
+                                          <p:spTgt spid="4">
+                                            <p:txEl>
+                                              <p:pRg st="7" end="7"/>
+                                            </p:txEl>
+                                          </p:spTgt>
+                                        </p:tgtEl>
+                                      </p:cBhvr>
+                                    </p:animEffect>
+                                  </p:childTnLst>
+                                </p:cTn>
+                              </p:par>
+                            </p:childTnLst>
+                          </p:cTn>
+                        </p:par>
+                      </p:childTnLst>
+                    </p:cTn>
+                  </p:par>
+                </p:childTnLst>
+              </p:cTn>
+              <p:prevCondLst>
+                <p:cond evt="onPrev" delay="0">
+                  <p:tgtEl>
+                    <p:sldTgt/>
+                  </p:tgtEl>
+                </p:cond>
+              </p:prevCondLst>
+              <p:nextCondLst>
+                <p:cond evt="onNext" delay="0">
+                  <p:tgtEl>
+                    <p:sldTgt/>
+                  </p:tgtEl>
+                </p:cond>
+              </p:nextCondLst>
+            </p:seq>
+          </p:childTnLst>
+        </p:cTn>
+      </p:par>
+    </p:tnLst>
+    <p:bldLst>
+      <p:bldP spid="4" grpId="0" build="p"/>
+    </p:bldLst>
+  </p:timing>
+</p:sld>
+</file>
+
+<file path=ppt/slides/slide11.xml><?xml version="1.0" encoding="utf-8"?>
+<p:sld xmlns:a="http://schemas.openxmlformats.org/drawingml/2006/main" xmlns:r="http://schemas.openxmlformats.org/officeDocument/2006/relationships" xmlns:p="http://schemas.openxmlformats.org/presentationml/2006/main">
+  <p:cSld>
+    <p:spTree>
+      <p:nvGrpSpPr>
+        <p:cNvPr id="1" name=""/>
+        <p:cNvGrpSpPr/>
+        <p:nvPr/>
+      </p:nvGrpSpPr>
+      <p:grpSpPr>
+        <a:xfrm>
+          <a:off x="0" y="0"/>
+          <a:ext cx="0" cy="0"/>
+          <a:chOff x="0" y="0"/>
+          <a:chExt cx="0" cy="0"/>
+        </a:xfrm>
+      </p:grpSpPr>
+      <p:sp>
+        <p:nvSpPr>
+          <p:cNvPr id="2" name="Title 1">
+            <a:extLst>
+              <a:ext uri="{FF2B5EF4-FFF2-40B4-BE49-F238E27FC236}">
+                <a16:creationId xmlns:a16="http://schemas.microsoft.com/office/drawing/2014/main" id="{E8CE36A9-92A1-80A9-F7B0-95BDA66FB980}"/>
+              </a:ext>
+            </a:extLst>
+          </p:cNvPr>
+          <p:cNvSpPr>
+            <a:spLocks noGrp="1"/>
+          </p:cNvSpPr>
+          <p:nvPr>
+            <p:ph type="title"/>
+          </p:nvPr>
+        </p:nvSpPr>
+        <p:spPr/>
+        <p:txBody>
+          <a:bodyPr>
+            <a:normAutofit/>
+          </a:bodyPr>
+          <a:lstStyle/>
+          <a:p>
+            <a:r>
+              <a:rPr lang="en-US" sz="2800" dirty="0"/>
+              <a:t>The Automagical Marvel</a:t>
+            </a:r>
+          </a:p>
+        </p:txBody>
+      </p:sp>
+      <p:sp>
+        <p:nvSpPr>
+          <p:cNvPr id="5" name="Text Placeholder 4">
+            <a:extLst>
+              <a:ext uri="{FF2B5EF4-FFF2-40B4-BE49-F238E27FC236}">
+                <a16:creationId xmlns:a16="http://schemas.microsoft.com/office/drawing/2014/main" id="{51EE4954-198C-57ED-EBC9-BAF3E936040B}"/>
+              </a:ext>
+            </a:extLst>
+          </p:cNvPr>
+          <p:cNvSpPr>
+            <a:spLocks noGrp="1"/>
+          </p:cNvSpPr>
+          <p:nvPr>
+            <p:ph type="body" idx="1"/>
+          </p:nvPr>
+        </p:nvSpPr>
+        <p:spPr/>
+        <p:txBody>
+          <a:bodyPr/>
+          <a:lstStyle/>
+          <a:p>
+            <a:r>
+              <a:rPr lang="en-US" dirty="0"/>
+              <a:t>UI Element as a String</a:t>
+            </a:r>
+          </a:p>
+        </p:txBody>
+      </p:sp>
+      <p:pic>
+        <p:nvPicPr>
+          <p:cNvPr id="10" name="Content Placeholder 9" descr="A screenshot of a computer code&#10;&#10;Description automatically generated">
+            <a:extLst>
+              <a:ext uri="{FF2B5EF4-FFF2-40B4-BE49-F238E27FC236}">
+                <a16:creationId xmlns:a16="http://schemas.microsoft.com/office/drawing/2014/main" id="{FF1B21AF-3674-D53B-7FBA-E18213C30EF7}"/>
+              </a:ext>
+            </a:extLst>
+          </p:cNvPr>
+          <p:cNvPicPr>
+            <a:picLocks noGrp="1" noChangeAspect="1"/>
+          </p:cNvPicPr>
+          <p:nvPr>
+            <p:ph sz="half" idx="2"/>
+          </p:nvPr>
+        </p:nvPicPr>
+        <p:blipFill>
+          <a:blip r:embed="rId3"/>
+          <a:stretch>
+            <a:fillRect/>
+          </a:stretch>
+        </p:blipFill>
+        <p:spPr>
+          <a:xfrm>
+            <a:off x="912813" y="3604813"/>
+            <a:ext cx="5084762" cy="1986761"/>
+          </a:xfrm>
+        </p:spPr>
+      </p:pic>
+      <p:sp>
+        <p:nvSpPr>
+          <p:cNvPr id="7" name="Text Placeholder 6">
+            <a:extLst>
+              <a:ext uri="{FF2B5EF4-FFF2-40B4-BE49-F238E27FC236}">
+                <a16:creationId xmlns:a16="http://schemas.microsoft.com/office/drawing/2014/main" id="{9DC149D5-1B14-45E5-1F61-367A1EB249F3}"/>
+              </a:ext>
+            </a:extLst>
+          </p:cNvPr>
+          <p:cNvSpPr>
+            <a:spLocks noGrp="1"/>
+          </p:cNvSpPr>
+          <p:nvPr>
+            <p:ph type="body" sz="quarter" idx="3"/>
+          </p:nvPr>
+        </p:nvSpPr>
+        <p:spPr/>
+        <p:txBody>
+          <a:bodyPr/>
+          <a:lstStyle/>
+          <a:p>
+            <a:r>
+              <a:rPr lang="en-US" dirty="0"/>
+              <a:t>UI Element as a </a:t>
+            </a:r>
+            <a:r>
+              <a:rPr lang="en-US" dirty="0" err="1"/>
+              <a:t>DateTime</a:t>
+            </a:r>
+            <a:endParaRPr lang="en-US" dirty="0"/>
+          </a:p>
+        </p:txBody>
+      </p:sp>
+      <p:pic>
+        <p:nvPicPr>
+          <p:cNvPr id="12" name="Content Placeholder 11" descr="A screenshot of a computer code&#10;&#10;Description automatically generated">
+            <a:extLst>
+              <a:ext uri="{FF2B5EF4-FFF2-40B4-BE49-F238E27FC236}">
+                <a16:creationId xmlns:a16="http://schemas.microsoft.com/office/drawing/2014/main" id="{D52AE541-6C60-B452-9717-369D9552B484}"/>
+              </a:ext>
+            </a:extLst>
+          </p:cNvPr>
+          <p:cNvPicPr>
+            <a:picLocks noGrp="1" noChangeAspect="1"/>
+          </p:cNvPicPr>
+          <p:nvPr>
+            <p:ph sz="quarter" idx="4"/>
+          </p:nvPr>
+        </p:nvPicPr>
+        <p:blipFill>
+          <a:blip r:embed="rId4"/>
+          <a:stretch>
+            <a:fillRect/>
+          </a:stretch>
+        </p:blipFill>
+        <p:spPr>
+          <a:xfrm>
+            <a:off x="6172200" y="3292775"/>
+            <a:ext cx="5183188" cy="2610838"/>
+          </a:xfrm>
+        </p:spPr>
+      </p:pic>
+    </p:spTree>
+    <p:extLst>
+      <p:ext uri="{BB962C8B-B14F-4D97-AF65-F5344CB8AC3E}">
+        <p14:creationId xmlns:p14="http://schemas.microsoft.com/office/powerpoint/2010/main" val="684827376"/>
+      </p:ext>
+    </p:extLst>
+  </p:cSld>
+  <p:clrMapOvr>
+    <a:masterClrMapping/>
+  </p:clrMapOvr>
+</p:sld>
+</file>
+
+<file path=ppt/slides/slide12.xml><?xml version="1.0" encoding="utf-8"?>
+<p:sld xmlns:a="http://schemas.openxmlformats.org/drawingml/2006/main" xmlns:r="http://schemas.openxmlformats.org/officeDocument/2006/relationships" xmlns:p="http://schemas.openxmlformats.org/presentationml/2006/main">
+  <p:cSld>
+    <p:spTree>
+      <p:nvGrpSpPr>
+        <p:cNvPr id="1" name=""/>
+        <p:cNvGrpSpPr/>
+        <p:nvPr/>
+      </p:nvGrpSpPr>
+      <p:grpSpPr>
+        <a:xfrm>
+          <a:off x="0" y="0"/>
+          <a:ext cx="0" cy="0"/>
+          <a:chOff x="0" y="0"/>
+          <a:chExt cx="0" cy="0"/>
+        </a:xfrm>
+      </p:grpSpPr>
+      <p:sp>
+        <p:nvSpPr>
+          <p:cNvPr id="2" name="Title 1">
+            <a:extLst>
+              <a:ext uri="{FF2B5EF4-FFF2-40B4-BE49-F238E27FC236}">
+                <a16:creationId xmlns:a16="http://schemas.microsoft.com/office/drawing/2014/main" id="{E8CE36A9-92A1-80A9-F7B0-95BDA66FB980}"/>
+              </a:ext>
+            </a:extLst>
+          </p:cNvPr>
+          <p:cNvSpPr>
+            <a:spLocks noGrp="1"/>
+          </p:cNvSpPr>
+          <p:nvPr>
+            <p:ph type="title"/>
+          </p:nvPr>
+        </p:nvSpPr>
+        <p:spPr/>
+        <p:txBody>
+          <a:bodyPr>
+            <a:normAutofit/>
+          </a:bodyPr>
+          <a:lstStyle/>
+          <a:p>
+            <a:r>
+              <a:rPr lang="en-US" sz="2800" dirty="0"/>
+              <a:t>The Automagical Marvel</a:t>
+            </a:r>
+          </a:p>
+        </p:txBody>
+      </p:sp>
+      <p:sp>
+        <p:nvSpPr>
+          <p:cNvPr id="5" name="Text Placeholder 4">
+            <a:extLst>
+              <a:ext uri="{FF2B5EF4-FFF2-40B4-BE49-F238E27FC236}">
+                <a16:creationId xmlns:a16="http://schemas.microsoft.com/office/drawing/2014/main" id="{51EE4954-198C-57ED-EBC9-BAF3E936040B}"/>
+              </a:ext>
+            </a:extLst>
+          </p:cNvPr>
+          <p:cNvSpPr>
+            <a:spLocks noGrp="1"/>
+          </p:cNvSpPr>
+          <p:nvPr>
+            <p:ph type="body" idx="1"/>
+          </p:nvPr>
+        </p:nvSpPr>
+        <p:spPr/>
+        <p:txBody>
+          <a:bodyPr/>
+          <a:lstStyle/>
+          <a:p>
+            <a:r>
+              <a:rPr lang="en-US" dirty="0"/>
+              <a:t>UI Element as a Boolean</a:t>
+            </a:r>
+          </a:p>
+        </p:txBody>
+      </p:sp>
+      <p:sp>
+        <p:nvSpPr>
+          <p:cNvPr id="7" name="Text Placeholder 6">
+            <a:extLst>
+              <a:ext uri="{FF2B5EF4-FFF2-40B4-BE49-F238E27FC236}">
+                <a16:creationId xmlns:a16="http://schemas.microsoft.com/office/drawing/2014/main" id="{9DC149D5-1B14-45E5-1F61-367A1EB249F3}"/>
+              </a:ext>
+            </a:extLst>
+          </p:cNvPr>
+          <p:cNvSpPr>
+            <a:spLocks noGrp="1"/>
+          </p:cNvSpPr>
+          <p:nvPr>
+            <p:ph type="body" sz="quarter" idx="3"/>
+          </p:nvPr>
+        </p:nvSpPr>
+        <p:spPr/>
+        <p:txBody>
+          <a:bodyPr/>
+          <a:lstStyle/>
+          <a:p>
+            <a:r>
+              <a:rPr lang="en-US" dirty="0"/>
+              <a:t>Custom </a:t>
+            </a:r>
+            <a:r>
+              <a:rPr lang="en-US" dirty="0" err="1"/>
+              <a:t>CheckableElement</a:t>
+            </a:r>
+            <a:endParaRPr lang="en-US" dirty="0"/>
+          </a:p>
+        </p:txBody>
+      </p:sp>
+      <p:pic>
+        <p:nvPicPr>
+          <p:cNvPr id="8" name="Content Placeholder 7" descr="A computer screen shot of a code&#10;&#10;Description automatically generated">
+            <a:extLst>
+              <a:ext uri="{FF2B5EF4-FFF2-40B4-BE49-F238E27FC236}">
+                <a16:creationId xmlns:a16="http://schemas.microsoft.com/office/drawing/2014/main" id="{06A08E17-3FFA-D5D9-5C6E-6D27DC9F7007}"/>
+              </a:ext>
+            </a:extLst>
+          </p:cNvPr>
+          <p:cNvPicPr>
+            <a:picLocks noGrp="1" noChangeAspect="1"/>
+          </p:cNvPicPr>
+          <p:nvPr>
+            <p:ph sz="half" idx="2"/>
+          </p:nvPr>
+        </p:nvPicPr>
+        <p:blipFill>
+          <a:blip r:embed="rId3"/>
+          <a:stretch>
+            <a:fillRect/>
+          </a:stretch>
+        </p:blipFill>
+        <p:spPr>
+          <a:xfrm>
+            <a:off x="912813" y="3312720"/>
+            <a:ext cx="5084762" cy="2570947"/>
+          </a:xfrm>
+        </p:spPr>
+      </p:pic>
+      <p:pic>
+        <p:nvPicPr>
+          <p:cNvPr id="14" name="Content Placeholder 13" descr="A screenshot of a computer program&#10;&#10;Description automatically generated">
+            <a:extLst>
+              <a:ext uri="{FF2B5EF4-FFF2-40B4-BE49-F238E27FC236}">
+                <a16:creationId xmlns:a16="http://schemas.microsoft.com/office/drawing/2014/main" id="{E8F2C6CE-CCFA-2129-942B-2FD84C5F137A}"/>
+              </a:ext>
+            </a:extLst>
+          </p:cNvPr>
+          <p:cNvPicPr>
+            <a:picLocks noGrp="1" noChangeAspect="1"/>
+          </p:cNvPicPr>
+          <p:nvPr>
+            <p:ph sz="quarter" idx="4"/>
+          </p:nvPr>
+        </p:nvPicPr>
+        <p:blipFill>
+          <a:blip r:embed="rId4"/>
+          <a:stretch>
+            <a:fillRect/>
+          </a:stretch>
+        </p:blipFill>
+        <p:spPr>
+          <a:xfrm>
+            <a:off x="6483881" y="3006725"/>
+            <a:ext cx="4559826" cy="3182938"/>
+          </a:xfrm>
+        </p:spPr>
+      </p:pic>
+    </p:spTree>
+    <p:extLst>
+      <p:ext uri="{BB962C8B-B14F-4D97-AF65-F5344CB8AC3E}">
+        <p14:creationId xmlns:p14="http://schemas.microsoft.com/office/powerpoint/2010/main" val="1194108578"/>
+      </p:ext>
+    </p:extLst>
+  </p:cSld>
+  <p:clrMapOvr>
+    <a:masterClrMapping/>
+  </p:clrMapOvr>
+</p:sld>
+</file>
+
+<file path=ppt/slides/slide13.xml><?xml version="1.0" encoding="utf-8"?>
+<p:sld xmlns:a="http://schemas.openxmlformats.org/drawingml/2006/main" xmlns:r="http://schemas.openxmlformats.org/officeDocument/2006/relationships" xmlns:p="http://schemas.openxmlformats.org/presentationml/2006/main">
+  <p:cSld>
+    <p:spTree>
+      <p:nvGrpSpPr>
+        <p:cNvPr id="1" name=""/>
+        <p:cNvGrpSpPr/>
+        <p:nvPr/>
+      </p:nvGrpSpPr>
+      <p:grpSpPr>
+        <a:xfrm>
+          <a:off x="0" y="0"/>
+          <a:ext cx="0" cy="0"/>
+          <a:chOff x="0" y="0"/>
+          <a:chExt cx="0" cy="0"/>
+        </a:xfrm>
+      </p:grpSpPr>
+      <p:sp>
+        <p:nvSpPr>
+          <p:cNvPr id="2" name="Title 1">
+            <a:extLst>
+              <a:ext uri="{FF2B5EF4-FFF2-40B4-BE49-F238E27FC236}">
+                <a16:creationId xmlns:a16="http://schemas.microsoft.com/office/drawing/2014/main" id="{E8CE36A9-92A1-80A9-F7B0-95BDA66FB980}"/>
+              </a:ext>
+            </a:extLst>
+          </p:cNvPr>
+          <p:cNvSpPr>
+            <a:spLocks noGrp="1"/>
+          </p:cNvSpPr>
+          <p:nvPr>
+            <p:ph type="title"/>
+          </p:nvPr>
+        </p:nvSpPr>
+        <p:spPr/>
+        <p:txBody>
+          <a:bodyPr>
+            <a:normAutofit/>
+          </a:bodyPr>
+          <a:lstStyle/>
+          <a:p>
+            <a:r>
+              <a:rPr lang="en-US" sz="2800" dirty="0"/>
+              <a:t>The Automagical Marvel</a:t>
+            </a:r>
+          </a:p>
+        </p:txBody>
+      </p:sp>
+      <p:sp>
+        <p:nvSpPr>
+          <p:cNvPr id="5" name="Text Placeholder 4">
+            <a:extLst>
+              <a:ext uri="{FF2B5EF4-FFF2-40B4-BE49-F238E27FC236}">
+                <a16:creationId xmlns:a16="http://schemas.microsoft.com/office/drawing/2014/main" id="{51EE4954-198C-57ED-EBC9-BAF3E936040B}"/>
+              </a:ext>
+            </a:extLst>
+          </p:cNvPr>
+          <p:cNvSpPr>
+            <a:spLocks noGrp="1"/>
+          </p:cNvSpPr>
+          <p:nvPr>
+            <p:ph type="body" idx="1"/>
+          </p:nvPr>
+        </p:nvSpPr>
+        <p:spPr/>
+        <p:txBody>
+          <a:bodyPr/>
+          <a:lstStyle/>
+          <a:p>
+            <a:r>
+              <a:rPr lang="en-US" dirty="0"/>
+              <a:t>Select Element as String</a:t>
+            </a:r>
+          </a:p>
+        </p:txBody>
+      </p:sp>
+      <p:sp>
+        <p:nvSpPr>
+          <p:cNvPr id="7" name="Text Placeholder 6">
+            <a:extLst>
+              <a:ext uri="{FF2B5EF4-FFF2-40B4-BE49-F238E27FC236}">
+                <a16:creationId xmlns:a16="http://schemas.microsoft.com/office/drawing/2014/main" id="{9DC149D5-1B14-45E5-1F61-367A1EB249F3}"/>
+              </a:ext>
+            </a:extLst>
+          </p:cNvPr>
+          <p:cNvSpPr>
+            <a:spLocks noGrp="1"/>
+          </p:cNvSpPr>
+          <p:nvPr>
+            <p:ph type="body" sz="quarter" idx="3"/>
+          </p:nvPr>
+        </p:nvSpPr>
+        <p:spPr/>
+        <p:txBody>
+          <a:bodyPr/>
+          <a:lstStyle/>
+          <a:p>
+            <a:r>
+              <a:rPr lang="en-US" dirty="0"/>
+              <a:t>Custom Select Element</a:t>
+            </a:r>
+          </a:p>
+        </p:txBody>
+      </p:sp>
+      <p:pic>
+        <p:nvPicPr>
+          <p:cNvPr id="9" name="Content Placeholder 8" descr="A screenshot of a computer code&#10;&#10;Description automatically generated">
+            <a:extLst>
+              <a:ext uri="{FF2B5EF4-FFF2-40B4-BE49-F238E27FC236}">
+                <a16:creationId xmlns:a16="http://schemas.microsoft.com/office/drawing/2014/main" id="{B91F75F1-258E-69BA-A0F8-BCE2A77EBAB5}"/>
+              </a:ext>
+            </a:extLst>
+          </p:cNvPr>
+          <p:cNvPicPr>
+            <a:picLocks noGrp="1" noChangeAspect="1"/>
+          </p:cNvPicPr>
+          <p:nvPr>
+            <p:ph sz="half" idx="2"/>
+          </p:nvPr>
+        </p:nvPicPr>
+        <p:blipFill>
+          <a:blip r:embed="rId3"/>
+          <a:stretch>
+            <a:fillRect/>
+          </a:stretch>
+        </p:blipFill>
+        <p:spPr>
+          <a:xfrm>
+            <a:off x="912813" y="3353160"/>
+            <a:ext cx="5084762" cy="2490068"/>
+          </a:xfrm>
+        </p:spPr>
+      </p:pic>
+      <p:pic>
+        <p:nvPicPr>
+          <p:cNvPr id="13" name="Content Placeholder 12" descr="A screenshot of a computer code&#10;&#10;Description automatically generated">
+            <a:extLst>
+              <a:ext uri="{FF2B5EF4-FFF2-40B4-BE49-F238E27FC236}">
+                <a16:creationId xmlns:a16="http://schemas.microsoft.com/office/drawing/2014/main" id="{4854581A-8CDB-041F-2C73-0683E5C52CBA}"/>
+              </a:ext>
+            </a:extLst>
+          </p:cNvPr>
+          <p:cNvPicPr>
+            <a:picLocks noGrp="1" noChangeAspect="1"/>
+          </p:cNvPicPr>
+          <p:nvPr>
+            <p:ph sz="quarter" idx="4"/>
+          </p:nvPr>
+        </p:nvPicPr>
+        <p:blipFill>
+          <a:blip r:embed="rId4"/>
+          <a:stretch>
+            <a:fillRect/>
+          </a:stretch>
+        </p:blipFill>
+        <p:spPr>
+          <a:xfrm>
+            <a:off x="6172200" y="3026763"/>
+            <a:ext cx="5183188" cy="3142862"/>
+          </a:xfrm>
+        </p:spPr>
+      </p:pic>
+    </p:spTree>
+    <p:extLst>
+      <p:ext uri="{BB962C8B-B14F-4D97-AF65-F5344CB8AC3E}">
+        <p14:creationId xmlns:p14="http://schemas.microsoft.com/office/powerpoint/2010/main" val="753867365"/>
+      </p:ext>
+    </p:extLst>
+  </p:cSld>
+  <p:clrMapOvr>
+    <a:masterClrMapping/>
+  </p:clrMapOvr>
+</p:sld>
+</file>
+
+<file path=ppt/slides/slide14.xml><?xml version="1.0" encoding="utf-8"?>
+<p:sld xmlns:a="http://schemas.openxmlformats.org/drawingml/2006/main" xmlns:r="http://schemas.openxmlformats.org/officeDocument/2006/relationships" xmlns:p="http://schemas.openxmlformats.org/presentationml/2006/main">
+  <p:cSld>
+    <p:spTree>
+      <p:nvGrpSpPr>
+        <p:cNvPr id="1" name=""/>
+        <p:cNvGrpSpPr/>
+        <p:nvPr/>
+      </p:nvGrpSpPr>
+      <p:grpSpPr>
+        <a:xfrm>
+          <a:off x="0" y="0"/>
+          <a:ext cx="0" cy="0"/>
+          <a:chOff x="0" y="0"/>
+          <a:chExt cx="0" cy="0"/>
+        </a:xfrm>
+      </p:grpSpPr>
+      <p:sp>
+        <p:nvSpPr>
+          <p:cNvPr id="2" name="Title 1">
+            <a:extLst>
+              <a:ext uri="{FF2B5EF4-FFF2-40B4-BE49-F238E27FC236}">
+                <a16:creationId xmlns:a16="http://schemas.microsoft.com/office/drawing/2014/main" id="{F9C57368-C8E5-3982-E73C-B1366EB09E74}"/>
+              </a:ext>
+            </a:extLst>
+          </p:cNvPr>
+          <p:cNvSpPr>
+            <a:spLocks noGrp="1"/>
+          </p:cNvSpPr>
+          <p:nvPr>
+            <p:ph type="title"/>
+          </p:nvPr>
+        </p:nvSpPr>
+        <p:spPr/>
+        <p:txBody>
+          <a:bodyPr/>
+          <a:lstStyle/>
+          <a:p>
+            <a:r>
+              <a:rPr lang="en-US" dirty="0"/>
+              <a:t>Multi-Value Textbox as a List of Strings</a:t>
+            </a:r>
+          </a:p>
+        </p:txBody>
+      </p:sp>
+      <p:pic>
+        <p:nvPicPr>
+          <p:cNvPr id="12" name="Picture 11" descr="A screenshot of a computer program&#10;&#10;Description automatically generated">
+            <a:extLst>
+              <a:ext uri="{FF2B5EF4-FFF2-40B4-BE49-F238E27FC236}">
+                <a16:creationId xmlns:a16="http://schemas.microsoft.com/office/drawing/2014/main" id="{6E4FEF18-D8EF-75F2-1D5E-2134CF244542}"/>
+              </a:ext>
+            </a:extLst>
+          </p:cNvPr>
+          <p:cNvPicPr>
+            <a:picLocks noChangeAspect="1"/>
+          </p:cNvPicPr>
+          <p:nvPr/>
+        </p:nvPicPr>
+        <p:blipFill>
+          <a:blip r:embed="rId3"/>
+          <a:stretch>
+            <a:fillRect/>
+          </a:stretch>
+        </p:blipFill>
+        <p:spPr>
+          <a:xfrm>
+            <a:off x="6730463" y="0"/>
+            <a:ext cx="4548909" cy="6858000"/>
+          </a:xfrm>
+          <a:prstGeom prst="rect">
+            <a:avLst/>
+          </a:prstGeom>
+        </p:spPr>
+      </p:pic>
+      <p:pic>
+        <p:nvPicPr>
+          <p:cNvPr id="14" name="Picture 13" descr="A screenshot of a computer code&#10;&#10;Description automatically generated">
+            <a:extLst>
+              <a:ext uri="{FF2B5EF4-FFF2-40B4-BE49-F238E27FC236}">
+                <a16:creationId xmlns:a16="http://schemas.microsoft.com/office/drawing/2014/main" id="{B8D6945B-EF4F-DD23-686C-660DF7438178}"/>
+              </a:ext>
+            </a:extLst>
+          </p:cNvPr>
+          <p:cNvPicPr>
+            <a:picLocks noChangeAspect="1"/>
+          </p:cNvPicPr>
+          <p:nvPr/>
+        </p:nvPicPr>
+        <p:blipFill>
+          <a:blip r:embed="rId4"/>
+          <a:stretch>
+            <a:fillRect/>
+          </a:stretch>
+        </p:blipFill>
+        <p:spPr>
+          <a:xfrm>
+            <a:off x="55343" y="2934586"/>
+            <a:ext cx="6675120" cy="3568647"/>
+          </a:xfrm>
+          <a:prstGeom prst="rect">
+            <a:avLst/>
+          </a:prstGeom>
+        </p:spPr>
+      </p:pic>
+    </p:spTree>
+    <p:extLst>
+      <p:ext uri="{BB962C8B-B14F-4D97-AF65-F5344CB8AC3E}">
+        <p14:creationId xmlns:p14="http://schemas.microsoft.com/office/powerpoint/2010/main" val="3330105982"/>
+      </p:ext>
+    </p:extLst>
+  </p:cSld>
+  <p:clrMapOvr>
+    <a:masterClrMapping/>
+  </p:clrMapOvr>
+</p:sld>
+</file>
+
+<file path=ppt/slides/slide15.xml><?xml version="1.0" encoding="utf-8"?>
+<p:sld xmlns:a="http://schemas.openxmlformats.org/drawingml/2006/main" xmlns:r="http://schemas.openxmlformats.org/officeDocument/2006/relationships" xmlns:p="http://schemas.openxmlformats.org/presentationml/2006/main">
+  <p:cSld>
+    <p:spTree>
+      <p:nvGrpSpPr>
+        <p:cNvPr id="1" name=""/>
+        <p:cNvGrpSpPr/>
+        <p:nvPr/>
+      </p:nvGrpSpPr>
+      <p:grpSpPr>
+        <a:xfrm>
+          <a:off x="0" y="0"/>
+          <a:ext cx="0" cy="0"/>
+          <a:chOff x="0" y="0"/>
+          <a:chExt cx="0" cy="0"/>
+        </a:xfrm>
+      </p:grpSpPr>
+      <p:sp>
+        <p:nvSpPr>
+          <p:cNvPr id="2" name="Title 1">
+            <a:extLst>
+              <a:ext uri="{FF2B5EF4-FFF2-40B4-BE49-F238E27FC236}">
+                <a16:creationId xmlns:a16="http://schemas.microsoft.com/office/drawing/2014/main" id="{167AE862-A7AE-1A7A-A9BD-AF3D33B43560}"/>
+              </a:ext>
+            </a:extLst>
+          </p:cNvPr>
+          <p:cNvSpPr>
+            <a:spLocks noGrp="1"/>
+          </p:cNvSpPr>
+          <p:nvPr>
+            <p:ph type="title"/>
+          </p:nvPr>
+        </p:nvSpPr>
+        <p:spPr/>
+        <p:txBody>
+          <a:bodyPr/>
+          <a:lstStyle/>
+          <a:p>
+            <a:r>
+              <a:rPr lang="en-US" dirty="0"/>
+              <a:t>Let’s See It In Action!</a:t>
+            </a:r>
+          </a:p>
+        </p:txBody>
+      </p:sp>
+    </p:spTree>
+    <p:extLst>
+      <p:ext uri="{BB962C8B-B14F-4D97-AF65-F5344CB8AC3E}">
+        <p14:creationId xmlns:p14="http://schemas.microsoft.com/office/powerpoint/2010/main" val="1068713711"/>
+      </p:ext>
+    </p:extLst>
+  </p:cSld>
+  <p:clrMapOvr>
+    <a:masterClrMapping/>
+  </p:clrMapOvr>
+</p:sld>
+</file>
+
+<file path=ppt/slides/slide16.xml><?xml version="1.0" encoding="utf-8"?>
+<p:sld xmlns:a="http://schemas.openxmlformats.org/drawingml/2006/main" xmlns:r="http://schemas.openxmlformats.org/officeDocument/2006/relationships" xmlns:p="http://schemas.openxmlformats.org/presentationml/2006/main">
+  <p:cSld>
+    <p:spTree>
+      <p:nvGrpSpPr>
+        <p:cNvPr id="1" name=""/>
+        <p:cNvGrpSpPr/>
+        <p:nvPr/>
+      </p:nvGrpSpPr>
+      <p:grpSpPr>
+        <a:xfrm>
+          <a:off x="0" y="0"/>
+          <a:ext cx="0" cy="0"/>
+          <a:chOff x="0" y="0"/>
+          <a:chExt cx="0" cy="0"/>
+        </a:xfrm>
+      </p:grpSpPr>
+      <p:sp>
+        <p:nvSpPr>
+          <p:cNvPr id="2" name="Title 1">
+            <a:extLst>
+              <a:ext uri="{FF2B5EF4-FFF2-40B4-BE49-F238E27FC236}">
+                <a16:creationId xmlns:a16="http://schemas.microsoft.com/office/drawing/2014/main" id="{712AAF16-8067-CB07-DA53-D99DF41A2559}"/>
+              </a:ext>
+            </a:extLst>
+          </p:cNvPr>
+          <p:cNvSpPr>
+            <a:spLocks noGrp="1"/>
+          </p:cNvSpPr>
+          <p:nvPr>
+            <p:ph type="title"/>
+          </p:nvPr>
+        </p:nvSpPr>
+        <p:spPr/>
+        <p:txBody>
+          <a:bodyPr/>
+          <a:lstStyle/>
+          <a:p>
+            <a:r>
+              <a:rPr lang="en-US" dirty="0"/>
+              <a:t>Why Hybrid POM/LFM?</a:t>
+            </a:r>
+          </a:p>
+        </p:txBody>
+      </p:sp>
+      <p:sp>
+        <p:nvSpPr>
+          <p:cNvPr id="3" name="Text Placeholder 2">
+            <a:extLst>
+              <a:ext uri="{FF2B5EF4-FFF2-40B4-BE49-F238E27FC236}">
+                <a16:creationId xmlns:a16="http://schemas.microsoft.com/office/drawing/2014/main" id="{087AE80D-FF2B-AEA4-57AC-FE248C82059F}"/>
+              </a:ext>
+            </a:extLst>
+          </p:cNvPr>
+          <p:cNvSpPr>
+            <a:spLocks noGrp="1"/>
+          </p:cNvSpPr>
+          <p:nvPr>
+            <p:ph type="body" idx="1"/>
+          </p:nvPr>
+        </p:nvSpPr>
+        <p:spPr/>
+        <p:txBody>
+          <a:bodyPr/>
+          <a:lstStyle/>
+          <a:p>
+            <a:r>
+              <a:rPr lang="en-US" dirty="0"/>
+              <a:t>Benefits</a:t>
+            </a:r>
+          </a:p>
+        </p:txBody>
+      </p:sp>
+      <p:sp>
+        <p:nvSpPr>
+          <p:cNvPr id="4" name="Content Placeholder 3">
+            <a:extLst>
+              <a:ext uri="{FF2B5EF4-FFF2-40B4-BE49-F238E27FC236}">
+                <a16:creationId xmlns:a16="http://schemas.microsoft.com/office/drawing/2014/main" id="{90A99F83-CF62-2394-AB4E-39BA2582A782}"/>
+              </a:ext>
+            </a:extLst>
+          </p:cNvPr>
+          <p:cNvSpPr>
+            <a:spLocks noGrp="1"/>
+          </p:cNvSpPr>
+          <p:nvPr>
+            <p:ph sz="half" idx="2"/>
+          </p:nvPr>
+        </p:nvSpPr>
+        <p:spPr/>
+        <p:txBody>
+          <a:bodyPr/>
+          <a:lstStyle/>
+          <a:p>
+            <a:r>
+              <a:rPr lang="en-US" dirty="0"/>
+              <a:t>Large initial cost but low maintenance cost</a:t>
+            </a:r>
+          </a:p>
+          <a:p>
+            <a:r>
+              <a:rPr lang="en-US" dirty="0"/>
+              <a:t>Easy to read, maintain and understand</a:t>
+            </a:r>
+          </a:p>
+          <a:p>
+            <a:r>
+              <a:rPr lang="en-US" dirty="0"/>
+              <a:t>Accessible framework for Developers at any skill level or specialization.</a:t>
+            </a:r>
+          </a:p>
+          <a:p>
+            <a:r>
+              <a:rPr lang="en-US" dirty="0"/>
+              <a:t>Fast and efficient</a:t>
+            </a:r>
+          </a:p>
+        </p:txBody>
+      </p:sp>
+      <p:sp>
+        <p:nvSpPr>
+          <p:cNvPr id="5" name="Text Placeholder 4">
+            <a:extLst>
+              <a:ext uri="{FF2B5EF4-FFF2-40B4-BE49-F238E27FC236}">
+                <a16:creationId xmlns:a16="http://schemas.microsoft.com/office/drawing/2014/main" id="{96B46CA6-835A-68DA-1A59-05E6CAB61939}"/>
+              </a:ext>
+            </a:extLst>
+          </p:cNvPr>
+          <p:cNvSpPr>
+            <a:spLocks noGrp="1"/>
+          </p:cNvSpPr>
+          <p:nvPr>
+            <p:ph type="body" sz="quarter" idx="3"/>
+          </p:nvPr>
+        </p:nvSpPr>
+        <p:spPr/>
+        <p:txBody>
+          <a:bodyPr/>
+          <a:lstStyle/>
+          <a:p>
+            <a:r>
+              <a:rPr lang="en-US" dirty="0"/>
+              <a:t>Compatibility</a:t>
+            </a:r>
+          </a:p>
+        </p:txBody>
+      </p:sp>
+      <p:sp>
+        <p:nvSpPr>
+          <p:cNvPr id="6" name="Content Placeholder 5">
+            <a:extLst>
+              <a:ext uri="{FF2B5EF4-FFF2-40B4-BE49-F238E27FC236}">
+                <a16:creationId xmlns:a16="http://schemas.microsoft.com/office/drawing/2014/main" id="{903B3E09-F4B4-AAF6-4705-6D63AF1F10BC}"/>
+              </a:ext>
+            </a:extLst>
+          </p:cNvPr>
+          <p:cNvSpPr>
+            <a:spLocks noGrp="1"/>
+          </p:cNvSpPr>
+          <p:nvPr>
+            <p:ph sz="quarter" idx="4"/>
+          </p:nvPr>
+        </p:nvSpPr>
+        <p:spPr/>
+        <p:txBody>
+          <a:bodyPr/>
+          <a:lstStyle/>
+          <a:p>
+            <a:r>
+              <a:rPr lang="en-US" dirty="0"/>
+              <a:t>Any Object-Oriented Language</a:t>
+            </a:r>
+          </a:p>
+          <a:p>
+            <a:pPr lvl="1"/>
+            <a:r>
+              <a:rPr lang="en-US" dirty="0"/>
+              <a:t>Python, Swift, C#, TypeScript, Java, JS, etc.</a:t>
+            </a:r>
+          </a:p>
+          <a:p>
+            <a:r>
+              <a:rPr lang="en-US" dirty="0"/>
+              <a:t>Any Element-based UI Automation Suite</a:t>
+            </a:r>
+          </a:p>
+          <a:p>
+            <a:pPr lvl="1"/>
+            <a:r>
+              <a:rPr lang="en-US" dirty="0"/>
+              <a:t>Selenium, Appium, </a:t>
+            </a:r>
+            <a:r>
+              <a:rPr lang="en-US" dirty="0" err="1"/>
+              <a:t>GameDriver</a:t>
+            </a:r>
+            <a:endParaRPr lang="en-US" dirty="0"/>
+          </a:p>
+          <a:p>
+            <a:pPr lvl="1"/>
+            <a:r>
+              <a:rPr lang="en-US" dirty="0" err="1"/>
+              <a:t>XCTest</a:t>
+            </a:r>
+            <a:r>
+              <a:rPr lang="en-US" dirty="0"/>
+              <a:t>/XCUI, Microsoft UI, </a:t>
+            </a:r>
+            <a:r>
+              <a:rPr lang="en-US" dirty="0" err="1"/>
+              <a:t>PyCocoa</a:t>
+            </a:r>
+            <a:r>
+              <a:rPr lang="en-US" dirty="0"/>
+              <a:t>, etc.</a:t>
+            </a:r>
+          </a:p>
+          <a:p>
+            <a:r>
+              <a:rPr lang="en-US" dirty="0"/>
+              <a:t>Any Operating System</a:t>
+            </a:r>
+          </a:p>
+          <a:p>
+            <a:pPr lvl="1"/>
+            <a:r>
+              <a:rPr lang="en-US" dirty="0"/>
+              <a:t>macOS, Linux, Windows, iOS/</a:t>
+            </a:r>
+            <a:r>
+              <a:rPr lang="en-US" dirty="0" err="1"/>
+              <a:t>iPadOS</a:t>
+            </a:r>
+            <a:r>
+              <a:rPr lang="en-US" dirty="0"/>
+              <a:t>, etc.</a:t>
+            </a:r>
+          </a:p>
+        </p:txBody>
+      </p:sp>
+    </p:spTree>
+    <p:extLst>
+      <p:ext uri="{BB962C8B-B14F-4D97-AF65-F5344CB8AC3E}">
+        <p14:creationId xmlns:p14="http://schemas.microsoft.com/office/powerpoint/2010/main" val="4086603465"/>
+      </p:ext>
+    </p:extLst>
+  </p:cSld>
+  <p:clrMapOvr>
+    <a:masterClrMapping/>
+  </p:clrMapOvr>
+  <p:timing>
+    <p:tnLst>
+      <p:par>
+        <p:cTn id="1" dur="indefinite" restart="never" nodeType="tmRoot">
+          <p:childTnLst>
+            <p:seq concurrent="1" nextAc="seek">
+              <p:cTn id="2" dur="indefinite" nodeType="mainSeq">
+                <p:childTnLst>
+                  <p:par>
+                    <p:cTn id="3" fill="hold">
+                      <p:stCondLst>
+                        <p:cond delay="indefinite"/>
+                      </p:stCondLst>
+                      <p:childTnLst>
+                        <p:par>
+                          <p:cTn id="4" fill="hold">
+                            <p:stCondLst>
+                              <p:cond delay="0"/>
+                            </p:stCondLst>
+                            <p:childTnLst>
+                              <p:par>
+                                <p:cTn id="5" presetID="10" presetClass="entr" presetSubtype="0" fill="hold" grpId="0" nodeType="clickEffect">
+                                  <p:stCondLst>
+                                    <p:cond delay="0"/>
+                                  </p:stCondLst>
+                                  <p:childTnLst>
+                                    <p:set>
+                                      <p:cBhvr>
+                                        <p:cTn id="6" dur="1" fill="hold">
+                                          <p:stCondLst>
+                                            <p:cond delay="0"/>
+                                          </p:stCondLst>
+                                        </p:cTn>
+                                        <p:tgtEl>
+                                          <p:spTgt spid="3">
+                                            <p:txEl>
+                                              <p:pRg st="0" end="0"/>
+                                            </p:txEl>
+                                          </p:spTgt>
+                                        </p:tgtEl>
+                                        <p:attrNameLst>
+                                          <p:attrName>style.visibility</p:attrName>
+                                        </p:attrNameLst>
+                                      </p:cBhvr>
+                                      <p:to>
+                                        <p:strVal val="visible"/>
+                                      </p:to>
+                                    </p:set>
+                                    <p:animEffect transition="in" filter="fade">
+                                      <p:cBhvr>
+                                        <p:cTn id="7" dur="500"/>
+                                        <p:tgtEl>
+                                          <p:spTgt spid="3">
+                                            <p:txEl>
+                                              <p:pRg st="0" end="0"/>
+                                            </p:txEl>
+                                          </p:spTgt>
+                                        </p:tgtEl>
+                                      </p:cBhvr>
+                                    </p:animEffect>
+                                  </p:childTnLst>
+                                </p:cTn>
+                              </p:par>
+                            </p:childTnLst>
+                          </p:cTn>
+                        </p:par>
+                      </p:childTnLst>
+                    </p:cTn>
+                  </p:par>
+                  <p:par>
+                    <p:cTn id="8" fill="hold">
+                      <p:stCondLst>
+                        <p:cond delay="indefinite"/>
+                      </p:stCondLst>
+                      <p:childTnLst>
+                        <p:par>
+                          <p:cTn id="9" fill="hold">
+                            <p:stCondLst>
+                              <p:cond delay="0"/>
+                            </p:stCondLst>
+                            <p:childTnLst>
+                              <p:par>
+                                <p:cTn id="10" presetID="10" presetClass="entr" presetSubtype="0" fill="hold" grpId="0" nodeType="clickEffect">
+                                  <p:stCondLst>
+                                    <p:cond delay="0"/>
+                                  </p:stCondLst>
+                                  <p:childTnLst>
+                                    <p:set>
+                                      <p:cBhvr>
+                                        <p:cTn id="11" dur="1" fill="hold">
+                                          <p:stCondLst>
+                                            <p:cond delay="0"/>
+                                          </p:stCondLst>
+                                        </p:cTn>
+                                        <p:tgtEl>
+                                          <p:spTgt spid="4">
+                                            <p:txEl>
+                                              <p:pRg st="0" end="0"/>
+                                            </p:txEl>
+                                          </p:spTgt>
+                                        </p:tgtEl>
+                                        <p:attrNameLst>
+                                          <p:attrName>style.visibility</p:attrName>
+                                        </p:attrNameLst>
+                                      </p:cBhvr>
+                                      <p:to>
+                                        <p:strVal val="visible"/>
+                                      </p:to>
+                                    </p:set>
+                                    <p:animEffect transition="in" filter="fade">
+                                      <p:cBhvr>
+                                        <p:cTn id="12" dur="500"/>
+                                        <p:tgtEl>
+                                          <p:spTgt spid="4">
+                                            <p:txEl>
+                                              <p:pRg st="0" end="0"/>
+                                            </p:txEl>
+                                          </p:spTgt>
+                                        </p:tgtEl>
+                                      </p:cBhvr>
+                                    </p:animEffect>
+                                  </p:childTnLst>
+                                </p:cTn>
+                              </p:par>
+                            </p:childTnLst>
+                          </p:cTn>
+                        </p:par>
+                      </p:childTnLst>
+                    </p:cTn>
+                  </p:par>
+                  <p:par>
+                    <p:cTn id="13" fill="hold">
+                      <p:stCondLst>
+                        <p:cond delay="indefinite"/>
+                      </p:stCondLst>
+                      <p:childTnLst>
+                        <p:par>
+                          <p:cTn id="14" fill="hold">
+                            <p:stCondLst>
+                              <p:cond delay="0"/>
+                            </p:stCondLst>
+                            <p:childTnLst>
+                              <p:par>
+                                <p:cTn id="15" presetID="10" presetClass="entr" presetSubtype="0" fill="hold" grpId="0" nodeType="clickEffect">
+                                  <p:stCondLst>
+                                    <p:cond delay="0"/>
+                                  </p:stCondLst>
+                                  <p:childTnLst>
+                                    <p:set>
+                                      <p:cBhvr>
+                                        <p:cTn id="16" dur="1" fill="hold">
+                                          <p:stCondLst>
+                                            <p:cond delay="0"/>
+                                          </p:stCondLst>
+                                        </p:cTn>
+                                        <p:tgtEl>
+                                          <p:spTgt spid="4">
+                                            <p:txEl>
+                                              <p:pRg st="1" end="1"/>
+                                            </p:txEl>
+                                          </p:spTgt>
+                                        </p:tgtEl>
+                                        <p:attrNameLst>
+                                          <p:attrName>style.visibility</p:attrName>
+                                        </p:attrNameLst>
+                                      </p:cBhvr>
+                                      <p:to>
+                                        <p:strVal val="visible"/>
+                                      </p:to>
+                                    </p:set>
+                                    <p:animEffect transition="in" filter="fade">
+                                      <p:cBhvr>
+                                        <p:cTn id="17" dur="500"/>
+                                        <p:tgtEl>
+                                          <p:spTgt spid="4">
+                                            <p:txEl>
+                                              <p:pRg st="1" end="1"/>
+                                            </p:txEl>
+                                          </p:spTgt>
+                                        </p:tgtEl>
+                                      </p:cBhvr>
+                                    </p:animEffect>
+                                  </p:childTnLst>
+                                </p:cTn>
+                              </p:par>
+                            </p:childTnLst>
+                          </p:cTn>
+                        </p:par>
+                      </p:childTnLst>
+                    </p:cTn>
+                  </p:par>
+                  <p:par>
+                    <p:cTn id="18" fill="hold">
+                      <p:stCondLst>
+                        <p:cond delay="indefinite"/>
+                      </p:stCondLst>
+                      <p:childTnLst>
+                        <p:par>
+                          <p:cTn id="19" fill="hold">
+                            <p:stCondLst>
+                              <p:cond delay="0"/>
+                            </p:stCondLst>
+                            <p:childTnLst>
+                              <p:par>
+                                <p:cTn id="20" presetID="10" presetClass="entr" presetSubtype="0" fill="hold" grpId="0" nodeType="clickEffect">
+                                  <p:stCondLst>
+                                    <p:cond delay="0"/>
+                                  </p:stCondLst>
+                                  <p:childTnLst>
+                                    <p:set>
+                                      <p:cBhvr>
+                                        <p:cTn id="21" dur="1" fill="hold">
+                                          <p:stCondLst>
+                                            <p:cond delay="0"/>
+                                          </p:stCondLst>
+                                        </p:cTn>
+                                        <p:tgtEl>
+                                          <p:spTgt spid="4">
+                                            <p:txEl>
+                                              <p:pRg st="2" end="2"/>
+                                            </p:txEl>
+                                          </p:spTgt>
+                                        </p:tgtEl>
+                                        <p:attrNameLst>
+                                          <p:attrName>style.visibility</p:attrName>
+                                        </p:attrNameLst>
+                                      </p:cBhvr>
+                                      <p:to>
+                                        <p:strVal val="visible"/>
+                                      </p:to>
+                                    </p:set>
+                                    <p:animEffect transition="in" filter="fade">
+                                      <p:cBhvr>
+                                        <p:cTn id="22" dur="500"/>
+                                        <p:tgtEl>
+                                          <p:spTgt spid="4">
+                                            <p:txEl>
+                                              <p:pRg st="2" end="2"/>
+                                            </p:txEl>
+                                          </p:spTgt>
+                                        </p:tgtEl>
+                                      </p:cBhvr>
+                                    </p:animEffect>
+                                  </p:childTnLst>
+                                </p:cTn>
+                              </p:par>
+                            </p:childTnLst>
+                          </p:cTn>
+                        </p:par>
+                      </p:childTnLst>
+                    </p:cTn>
+                  </p:par>
+                  <p:par>
+                    <p:cTn id="23" fill="hold">
+                      <p:stCondLst>
+                        <p:cond delay="indefinite"/>
+                      </p:stCondLst>
+                      <p:childTnLst>
+                        <p:par>
+                          <p:cTn id="24" fill="hold">
+                            <p:stCondLst>
+                              <p:cond delay="0"/>
+                            </p:stCondLst>
+                            <p:childTnLst>
+                              <p:par>
+                                <p:cTn id="25" presetID="10" presetClass="entr" presetSubtype="0" fill="hold" grpId="0" nodeType="clickEffect">
+                                  <p:stCondLst>
+                                    <p:cond delay="0"/>
+                                  </p:stCondLst>
+                                  <p:childTnLst>
+                                    <p:set>
+                                      <p:cBhvr>
+                                        <p:cTn id="26" dur="1" fill="hold">
+                                          <p:stCondLst>
+                                            <p:cond delay="0"/>
+                                          </p:stCondLst>
+                                        </p:cTn>
+                                        <p:tgtEl>
+                                          <p:spTgt spid="4">
+                                            <p:txEl>
+                                              <p:pRg st="3" end="3"/>
+                                            </p:txEl>
+                                          </p:spTgt>
+                                        </p:tgtEl>
+                                        <p:attrNameLst>
+                                          <p:attrName>style.visibility</p:attrName>
+                                        </p:attrNameLst>
+                                      </p:cBhvr>
+                                      <p:to>
+                                        <p:strVal val="visible"/>
+                                      </p:to>
+                                    </p:set>
+                                    <p:animEffect transition="in" filter="fade">
+                                      <p:cBhvr>
+                                        <p:cTn id="27" dur="500"/>
+                                        <p:tgtEl>
+                                          <p:spTgt spid="4">
+                                            <p:txEl>
+                                              <p:pRg st="3" end="3"/>
+                                            </p:txEl>
+                                          </p:spTgt>
+                                        </p:tgtEl>
+                                      </p:cBhvr>
+                                    </p:animEffect>
+                                  </p:childTnLst>
+                                </p:cTn>
+                              </p:par>
+                            </p:childTnLst>
+                          </p:cTn>
+                        </p:par>
+                      </p:childTnLst>
+                    </p:cTn>
+                  </p:par>
+                  <p:par>
+                    <p:cTn id="28" fill="hold">
+                      <p:stCondLst>
+                        <p:cond delay="indefinite"/>
+                      </p:stCondLst>
+                      <p:childTnLst>
+                        <p:par>
+                          <p:cTn id="29" fill="hold">
+                            <p:stCondLst>
+                              <p:cond delay="0"/>
+                            </p:stCondLst>
+                            <p:childTnLst>
+                              <p:par>
+                                <p:cTn id="30" presetID="10" presetClass="entr" presetSubtype="0" fill="hold" grpId="0" nodeType="clickEffect">
+                                  <p:stCondLst>
+                                    <p:cond delay="0"/>
+                                  </p:stCondLst>
+                                  <p:childTnLst>
+                                    <p:set>
+                                      <p:cBhvr>
+                                        <p:cTn id="31" dur="1" fill="hold">
+                                          <p:stCondLst>
+                                            <p:cond delay="0"/>
+                                          </p:stCondLst>
+                                        </p:cTn>
+                                        <p:tgtEl>
+                                          <p:spTgt spid="5">
+                                            <p:txEl>
+                                              <p:pRg st="0" end="0"/>
+                                            </p:txEl>
+                                          </p:spTgt>
+                                        </p:tgtEl>
+                                        <p:attrNameLst>
+                                          <p:attrName>style.visibility</p:attrName>
+                                        </p:attrNameLst>
+                                      </p:cBhvr>
+                                      <p:to>
+                                        <p:strVal val="visible"/>
+                                      </p:to>
+                                    </p:set>
+                                    <p:animEffect transition="in" filter="fade">
+                                      <p:cBhvr>
+                                        <p:cTn id="32" dur="500"/>
+                                        <p:tgtEl>
+                                          <p:spTgt spid="5">
+                                            <p:txEl>
+                                              <p:pRg st="0" end="0"/>
+                                            </p:txEl>
+                                          </p:spTgt>
+                                        </p:tgtEl>
+                                      </p:cBhvr>
+                                    </p:animEffect>
+                                  </p:childTnLst>
+                                </p:cTn>
+                              </p:par>
+                            </p:childTnLst>
+                          </p:cTn>
+                        </p:par>
+                      </p:childTnLst>
+                    </p:cTn>
+                  </p:par>
+                  <p:par>
+                    <p:cTn id="33" fill="hold">
+                      <p:stCondLst>
+                        <p:cond delay="indefinite"/>
+                      </p:stCondLst>
+                      <p:childTnLst>
+                        <p:par>
+                          <p:cTn id="34" fill="hold">
+                            <p:stCondLst>
+                              <p:cond delay="0"/>
+                            </p:stCondLst>
+                            <p:childTnLst>
+                              <p:par>
+                                <p:cTn id="35" presetID="10" presetClass="entr" presetSubtype="0" fill="hold" grpId="0" nodeType="clickEffect">
+                                  <p:stCondLst>
+                                    <p:cond delay="0"/>
+                                  </p:stCondLst>
+                                  <p:childTnLst>
+                                    <p:set>
+                                      <p:cBhvr>
+                                        <p:cTn id="36" dur="1" fill="hold">
+                                          <p:stCondLst>
+                                            <p:cond delay="0"/>
+                                          </p:stCondLst>
+                                        </p:cTn>
+                                        <p:tgtEl>
+                                          <p:spTgt spid="6">
+                                            <p:txEl>
+                                              <p:pRg st="0" end="0"/>
+                                            </p:txEl>
+                                          </p:spTgt>
+                                        </p:tgtEl>
+                                        <p:attrNameLst>
+                                          <p:attrName>style.visibility</p:attrName>
+                                        </p:attrNameLst>
+                                      </p:cBhvr>
+                                      <p:to>
+                                        <p:strVal val="visible"/>
+                                      </p:to>
+                                    </p:set>
+                                    <p:animEffect transition="in" filter="fade">
+                                      <p:cBhvr>
+                                        <p:cTn id="37" dur="500"/>
+                                        <p:tgtEl>
+                                          <p:spTgt spid="6">
+                                            <p:txEl>
+                                              <p:pRg st="0" end="0"/>
+                                            </p:txEl>
+                                          </p:spTgt>
+                                        </p:tgtEl>
+                                      </p:cBhvr>
+                                    </p:animEffect>
+                                  </p:childTnLst>
+                                </p:cTn>
+                              </p:par>
+                            </p:childTnLst>
+                          </p:cTn>
+                        </p:par>
+                      </p:childTnLst>
+                    </p:cTn>
+                  </p:par>
+                  <p:par>
+                    <p:cTn id="38" fill="hold">
+                      <p:stCondLst>
+                        <p:cond delay="indefinite"/>
+                      </p:stCondLst>
+                      <p:childTnLst>
+                        <p:par>
+                          <p:cTn id="39" fill="hold">
+                            <p:stCondLst>
+                              <p:cond delay="0"/>
+                            </p:stCondLst>
+                            <p:childTnLst>
+                              <p:par>
+                                <p:cTn id="40" presetID="10" presetClass="entr" presetSubtype="0" fill="hold" grpId="0" nodeType="clickEffect">
+                                  <p:stCondLst>
+                                    <p:cond delay="0"/>
+                                  </p:stCondLst>
+                                  <p:childTnLst>
+                                    <p:set>
+                                      <p:cBhvr>
+                                        <p:cTn id="41" dur="1" fill="hold">
+                                          <p:stCondLst>
+                                            <p:cond delay="0"/>
+                                          </p:stCondLst>
+                                        </p:cTn>
+                                        <p:tgtEl>
+                                          <p:spTgt spid="6">
+                                            <p:txEl>
+                                              <p:pRg st="1" end="1"/>
+                                            </p:txEl>
+                                          </p:spTgt>
+                                        </p:tgtEl>
+                                        <p:attrNameLst>
+                                          <p:attrName>style.visibility</p:attrName>
+                                        </p:attrNameLst>
+                                      </p:cBhvr>
+                                      <p:to>
+                                        <p:strVal val="visible"/>
+                                      </p:to>
+                                    </p:set>
+                                    <p:animEffect transition="in" filter="fade">
+                                      <p:cBhvr>
+                                        <p:cTn id="42" dur="500"/>
+                                        <p:tgtEl>
+                                          <p:spTgt spid="6">
+                                            <p:txEl>
+                                              <p:pRg st="1" end="1"/>
+                                            </p:txEl>
+                                          </p:spTgt>
+                                        </p:tgtEl>
+                                      </p:cBhvr>
+                                    </p:animEffect>
+                                  </p:childTnLst>
+                                </p:cTn>
+                              </p:par>
+                            </p:childTnLst>
+                          </p:cTn>
+                        </p:par>
+                      </p:childTnLst>
+                    </p:cTn>
+                  </p:par>
+                  <p:par>
+                    <p:cTn id="43" fill="hold">
+                      <p:stCondLst>
+                        <p:cond delay="indefinite"/>
+                      </p:stCondLst>
+                      <p:childTnLst>
+                        <p:par>
+                          <p:cTn id="44" fill="hold">
+                            <p:stCondLst>
+                              <p:cond delay="0"/>
+                            </p:stCondLst>
+                            <p:childTnLst>
+                              <p:par>
+                                <p:cTn id="45" presetID="10" presetClass="entr" presetSubtype="0" fill="hold" grpId="0" nodeType="clickEffect">
+                                  <p:stCondLst>
+                                    <p:cond delay="0"/>
+                                  </p:stCondLst>
+                                  <p:childTnLst>
+                                    <p:set>
+                                      <p:cBhvr>
+                                        <p:cTn id="46" dur="1" fill="hold">
+                                          <p:stCondLst>
+                                            <p:cond delay="0"/>
+                                          </p:stCondLst>
+                                        </p:cTn>
+                                        <p:tgtEl>
+                                          <p:spTgt spid="6">
+                                            <p:txEl>
+                                              <p:pRg st="2" end="2"/>
+                                            </p:txEl>
+                                          </p:spTgt>
+                                        </p:tgtEl>
+                                        <p:attrNameLst>
+                                          <p:attrName>style.visibility</p:attrName>
+                                        </p:attrNameLst>
+                                      </p:cBhvr>
+                                      <p:to>
+                                        <p:strVal val="visible"/>
+                                      </p:to>
+                                    </p:set>
+                                    <p:animEffect transition="in" filter="fade">
+                                      <p:cBhvr>
+                                        <p:cTn id="47" dur="500"/>
+                                        <p:tgtEl>
+                                          <p:spTgt spid="6">
+                                            <p:txEl>
+                                              <p:pRg st="2" end="2"/>
+                                            </p:txEl>
+                                          </p:spTgt>
+                                        </p:tgtEl>
+                                      </p:cBhvr>
+                                    </p:animEffect>
+                                  </p:childTnLst>
+                                </p:cTn>
+                              </p:par>
+                            </p:childTnLst>
+                          </p:cTn>
+                        </p:par>
+                      </p:childTnLst>
+                    </p:cTn>
+                  </p:par>
+                  <p:par>
+                    <p:cTn id="48" fill="hold">
+                      <p:stCondLst>
+                        <p:cond delay="indefinite"/>
+                      </p:stCondLst>
+                      <p:childTnLst>
+                        <p:par>
+                          <p:cTn id="49" fill="hold">
+                            <p:stCondLst>
+                              <p:cond delay="0"/>
+                            </p:stCondLst>
+                            <p:childTnLst>
+                              <p:par>
+                                <p:cTn id="50" presetID="10" presetClass="entr" presetSubtype="0" fill="hold" grpId="0" nodeType="clickEffect">
+                                  <p:stCondLst>
+                                    <p:cond delay="0"/>
+                                  </p:stCondLst>
+                                  <p:childTnLst>
+                                    <p:set>
+                                      <p:cBhvr>
+                                        <p:cTn id="51" dur="1" fill="hold">
+                                          <p:stCondLst>
+                                            <p:cond delay="0"/>
+                                          </p:stCondLst>
+                                        </p:cTn>
+                                        <p:tgtEl>
+                                          <p:spTgt spid="6">
+                                            <p:txEl>
+                                              <p:pRg st="3" end="3"/>
+                                            </p:txEl>
+                                          </p:spTgt>
+                                        </p:tgtEl>
+                                        <p:attrNameLst>
+                                          <p:attrName>style.visibility</p:attrName>
+                                        </p:attrNameLst>
+                                      </p:cBhvr>
+                                      <p:to>
+                                        <p:strVal val="visible"/>
+                                      </p:to>
+                                    </p:set>
+                                    <p:animEffect transition="in" filter="fade">
+                                      <p:cBhvr>
+                                        <p:cTn id="52" dur="500"/>
+                                        <p:tgtEl>
+                                          <p:spTgt spid="6">
+                                            <p:txEl>
+                                              <p:pRg st="3" end="3"/>
+                                            </p:txEl>
+                                          </p:spTgt>
+                                        </p:tgtEl>
+                                      </p:cBhvr>
+                                    </p:animEffect>
+                                  </p:childTnLst>
+                                </p:cTn>
+                              </p:par>
+                            </p:childTnLst>
+                          </p:cTn>
+                        </p:par>
+                      </p:childTnLst>
+                    </p:cTn>
+                  </p:par>
+                  <p:par>
+                    <p:cTn id="53" fill="hold">
+                      <p:stCondLst>
+                        <p:cond delay="indefinite"/>
+                      </p:stCondLst>
+                      <p:childTnLst>
+                        <p:par>
+                          <p:cTn id="54" fill="hold">
+                            <p:stCondLst>
+                              <p:cond delay="0"/>
+                            </p:stCondLst>
+                            <p:childTnLst>
+                              <p:par>
+                                <p:cTn id="55" presetID="10" presetClass="entr" presetSubtype="0" fill="hold" grpId="0" nodeType="clickEffect">
+                                  <p:stCondLst>
+                                    <p:cond delay="0"/>
+                                  </p:stCondLst>
+                                  <p:childTnLst>
+                                    <p:set>
+                                      <p:cBhvr>
+                                        <p:cTn id="56" dur="1" fill="hold">
+                                          <p:stCondLst>
+                                            <p:cond delay="0"/>
+                                          </p:stCondLst>
+                                        </p:cTn>
+                                        <p:tgtEl>
+                                          <p:spTgt spid="6">
+                                            <p:txEl>
+                                              <p:pRg st="4" end="4"/>
+                                            </p:txEl>
+                                          </p:spTgt>
+                                        </p:tgtEl>
+                                        <p:attrNameLst>
+                                          <p:attrName>style.visibility</p:attrName>
+                                        </p:attrNameLst>
+                                      </p:cBhvr>
+                                      <p:to>
+                                        <p:strVal val="visible"/>
+                                      </p:to>
+                                    </p:set>
+                                    <p:animEffect transition="in" filter="fade">
+                                      <p:cBhvr>
+                                        <p:cTn id="57" dur="500"/>
+                                        <p:tgtEl>
+                                          <p:spTgt spid="6">
+                                            <p:txEl>
+                                              <p:pRg st="4" end="4"/>
+                                            </p:txEl>
+                                          </p:spTgt>
+                                        </p:tgtEl>
+                                      </p:cBhvr>
+                                    </p:animEffect>
+                                  </p:childTnLst>
+                                </p:cTn>
+                              </p:par>
+                            </p:childTnLst>
+                          </p:cTn>
+                        </p:par>
+                      </p:childTnLst>
+                    </p:cTn>
+                  </p:par>
+                  <p:par>
+                    <p:cTn id="58" fill="hold">
+                      <p:stCondLst>
+                        <p:cond delay="indefinite"/>
+                      </p:stCondLst>
+                      <p:childTnLst>
+                        <p:par>
+                          <p:cTn id="59" fill="hold">
+                            <p:stCondLst>
+                              <p:cond delay="0"/>
+                            </p:stCondLst>
+                            <p:childTnLst>
+                              <p:par>
+                                <p:cTn id="60" presetID="10" presetClass="entr" presetSubtype="0" fill="hold" grpId="0" nodeType="clickEffect">
+                                  <p:stCondLst>
+                                    <p:cond delay="0"/>
+                                  </p:stCondLst>
+                                  <p:childTnLst>
+                                    <p:set>
+                                      <p:cBhvr>
+                                        <p:cTn id="61" dur="1" fill="hold">
+                                          <p:stCondLst>
+                                            <p:cond delay="0"/>
+                                          </p:stCondLst>
+                                        </p:cTn>
+                                        <p:tgtEl>
+                                          <p:spTgt spid="6">
+                                            <p:txEl>
+                                              <p:pRg st="5" end="5"/>
+                                            </p:txEl>
+                                          </p:spTgt>
+                                        </p:tgtEl>
+                                        <p:attrNameLst>
+                                          <p:attrName>style.visibility</p:attrName>
+                                        </p:attrNameLst>
+                                      </p:cBhvr>
+                                      <p:to>
+                                        <p:strVal val="visible"/>
+                                      </p:to>
+                                    </p:set>
+                                    <p:animEffect transition="in" filter="fade">
+                                      <p:cBhvr>
+                                        <p:cTn id="62" dur="500"/>
+                                        <p:tgtEl>
+                                          <p:spTgt spid="6">
+                                            <p:txEl>
+                                              <p:pRg st="5" end="5"/>
+                                            </p:txEl>
+                                          </p:spTgt>
+                                        </p:tgtEl>
+                                      </p:cBhvr>
+                                    </p:animEffect>
+                                  </p:childTnLst>
+                                </p:cTn>
+                              </p:par>
+                            </p:childTnLst>
+                          </p:cTn>
+                        </p:par>
+                      </p:childTnLst>
+                    </p:cTn>
+                  </p:par>
+                  <p:par>
+                    <p:cTn id="63" fill="hold">
+                      <p:stCondLst>
+                        <p:cond delay="indefinite"/>
+                      </p:stCondLst>
+                      <p:childTnLst>
+                        <p:par>
+                          <p:cTn id="64" fill="hold">
+                            <p:stCondLst>
+                              <p:cond delay="0"/>
+                            </p:stCondLst>
+                            <p:childTnLst>
+                              <p:par>
+                                <p:cTn id="65" presetID="10" presetClass="entr" presetSubtype="0" fill="hold" grpId="0" nodeType="clickEffect">
+                                  <p:stCondLst>
+                                    <p:cond delay="0"/>
+                                  </p:stCondLst>
+                                  <p:childTnLst>
+                                    <p:set>
+                                      <p:cBhvr>
+                                        <p:cTn id="66" dur="1" fill="hold">
+                                          <p:stCondLst>
+                                            <p:cond delay="0"/>
+                                          </p:stCondLst>
+                                        </p:cTn>
+                                        <p:tgtEl>
+                                          <p:spTgt spid="6">
+                                            <p:txEl>
+                                              <p:pRg st="6" end="6"/>
+                                            </p:txEl>
+                                          </p:spTgt>
+                                        </p:tgtEl>
+                                        <p:attrNameLst>
+                                          <p:attrName>style.visibility</p:attrName>
+                                        </p:attrNameLst>
+                                      </p:cBhvr>
+                                      <p:to>
+                                        <p:strVal val="visible"/>
+                                      </p:to>
+                                    </p:set>
+                                    <p:animEffect transition="in" filter="fade">
+                                      <p:cBhvr>
+                                        <p:cTn id="67" dur="500"/>
+                                        <p:tgtEl>
+                                          <p:spTgt spid="6">
+                                            <p:txEl>
+                                              <p:pRg st="6" end="6"/>
+                                            </p:txEl>
+                                          </p:spTgt>
+                                        </p:tgtEl>
+                                      </p:cBhvr>
+                                    </p:animEffect>
+                                  </p:childTnLst>
+                                </p:cTn>
+                              </p:par>
+                            </p:childTnLst>
+                          </p:cTn>
+                        </p:par>
+                      </p:childTnLst>
+                    </p:cTn>
+                  </p:par>
+                </p:childTnLst>
+              </p:cTn>
+              <p:prevCondLst>
+                <p:cond evt="onPrev" delay="0">
+                  <p:tgtEl>
+                    <p:sldTgt/>
+                  </p:tgtEl>
+                </p:cond>
+              </p:prevCondLst>
+              <p:nextCondLst>
+                <p:cond evt="onNext" delay="0">
+                  <p:tgtEl>
+                    <p:sldTgt/>
+                  </p:tgtEl>
+                </p:cond>
+              </p:nextCondLst>
+            </p:seq>
+          </p:childTnLst>
+        </p:cTn>
+      </p:par>
+    </p:tnLst>
+    <p:bldLst>
+      <p:bldP spid="3" grpId="0" build="p"/>
+      <p:bldP spid="4" grpId="0" build="p"/>
+      <p:bldP spid="5" grpId="0" build="p"/>
+      <p:bldP spid="6" grpId="0" build="p" bldLvl="2"/>
+    </p:bldLst>
+  </p:timing>
+</p:sld>
+</file>
+
+<file path=ppt/slides/slide17.xml><?xml version="1.0" encoding="utf-8"?>
+<p:sld xmlns:a="http://schemas.openxmlformats.org/drawingml/2006/main" xmlns:r="http://schemas.openxmlformats.org/officeDocument/2006/relationships" xmlns:p="http://schemas.openxmlformats.org/presentationml/2006/main">
+  <p:cSld>
+    <p:bg>
+      <p:bgPr>
+        <a:solidFill>
+          <a:schemeClr val="bg1"/>
+        </a:solidFill>
+        <a:effectLst/>
+      </p:bgPr>
+    </p:bg>
+    <p:spTree>
+      <p:nvGrpSpPr>
+        <p:cNvPr id="1" name=""/>
+        <p:cNvGrpSpPr/>
+        <p:nvPr/>
+      </p:nvGrpSpPr>
+      <p:grpSpPr>
+        <a:xfrm>
+          <a:off x="0" y="0"/>
+          <a:ext cx="0" cy="0"/>
+          <a:chOff x="0" y="0"/>
+          <a:chExt cx="0" cy="0"/>
+        </a:xfrm>
+      </p:grpSpPr>
+      <p:sp useBgFill="1">
+        <p:nvSpPr>
+          <p:cNvPr id="9" name="Rectangle 8">
+            <a:extLst>
+              <a:ext uri="{FF2B5EF4-FFF2-40B4-BE49-F238E27FC236}">
+                <a16:creationId xmlns:a16="http://schemas.microsoft.com/office/drawing/2014/main" id="{19F9BF86-FE94-4517-B97D-026C7515E589}"/>
+              </a:ext>
+              <a:ext uri="{C183D7F6-B498-43B3-948B-1728B52AA6E4}">
+                <adec:decorative xmlns:adec="http://schemas.microsoft.com/office/drawing/2017/decorative" val="1"/>
+              </a:ext>
+            </a:extLst>
+          </p:cNvPr>
+          <p:cNvSpPr>
+            <a:spLocks noGrp="1" noRot="1" noChangeAspect="1" noMove="1" noResize="1" noEditPoints="1" noAdjustHandles="1" noChangeArrowheads="1" noChangeShapeType="1" noTextEdit="1"/>
+          </p:cNvSpPr>
+          <p:nvPr>
+            <p:extLst>
+              <p:ext uri="{386F3935-93C4-4BCD-93E2-E3B085C9AB24}">
+                <p16:designElem xmlns:p16="http://schemas.microsoft.com/office/powerpoint/2015/main" val="1"/>
+              </p:ext>
+            </p:extLst>
+          </p:nvPr>
+        </p:nvSpPr>
+        <p:spPr>
+          <a:xfrm>
+            <a:off x="0" y="0"/>
+            <a:ext cx="12192000" cy="6858000"/>
+          </a:xfrm>
+          <a:prstGeom prst="rect">
+            <a:avLst/>
+          </a:prstGeom>
+          <a:ln w="12700" cap="flat" cmpd="sng" algn="ctr">
+            <a:noFill/>
+            <a:prstDash val="solid"/>
+            <a:miter lim="800000"/>
+          </a:ln>
+          <a:effectLst/>
+          <a:extLst>
+            <a:ext uri="{91240B29-F687-4F45-9708-019B960494DF}">
+              <a14:hiddenLine xmlns:a14="http://schemas.microsoft.com/office/drawing/2010/main" w="12700" cap="flat" cmpd="sng" algn="ctr">
+                <a:solidFill>
+                  <a:schemeClr val="accent1">
+                    <a:shade val="50000"/>
+                  </a:schemeClr>
+                </a:solidFill>
+                <a:prstDash val="solid"/>
+                <a:miter lim="800000"/>
+              </a14:hiddenLine>
+            </a:ext>
+          </a:extLst>
+        </p:spPr>
+        <p:style>
+          <a:lnRef idx="2">
+            <a:schemeClr val="accent1">
+              <a:shade val="50000"/>
+            </a:schemeClr>
+          </a:lnRef>
+          <a:fillRef idx="1">
+            <a:schemeClr val="accent1"/>
+          </a:fillRef>
+          <a:effectRef idx="0">
+            <a:schemeClr val="accent1"/>
+          </a:effectRef>
+          <a:fontRef idx="minor">
+            <a:schemeClr val="lt1"/>
+          </a:fontRef>
+        </p:style>
+        <p:txBody>
+          <a:bodyPr rtlCol="0" anchor="ctr"/>
+          <a:lstStyle/>
+          <a:p>
+            <a:pPr algn="ctr"/>
+            <a:endParaRPr lang="en-US"/>
+          </a:p>
+        </p:txBody>
+      </p:sp>
+      <p:pic>
+        <p:nvPicPr>
+          <p:cNvPr id="4" name="Picture 3" descr="A splash of colors on a white surface">
+            <a:extLst>
+              <a:ext uri="{FF2B5EF4-FFF2-40B4-BE49-F238E27FC236}">
+                <a16:creationId xmlns:a16="http://schemas.microsoft.com/office/drawing/2014/main" id="{A3E5C400-6AA4-E870-83AD-A6733046D773}"/>
+              </a:ext>
+            </a:extLst>
+          </p:cNvPr>
+          <p:cNvPicPr>
+            <a:picLocks noChangeAspect="1"/>
+          </p:cNvPicPr>
+          <p:nvPr/>
+        </p:nvPicPr>
+        <p:blipFill rotWithShape="1">
+          <a:blip r:embed="rId3"/>
+          <a:srcRect t="2397" b="22603"/>
+          <a:stretch/>
+        </p:blipFill>
+        <p:spPr>
+          <a:xfrm>
+            <a:off x="-1" y="10"/>
+            <a:ext cx="12191979" cy="6857990"/>
+          </a:xfrm>
+          <a:prstGeom prst="rect">
+            <a:avLst/>
+          </a:prstGeom>
+        </p:spPr>
+      </p:pic>
+      <p:sp>
+        <p:nvSpPr>
+          <p:cNvPr id="11" name="Rectangle 10">
+            <a:extLst>
+              <a:ext uri="{FF2B5EF4-FFF2-40B4-BE49-F238E27FC236}">
+                <a16:creationId xmlns:a16="http://schemas.microsoft.com/office/drawing/2014/main" id="{122AB34F-E75C-451A-8410-05B6C249E9D3}"/>
+              </a:ext>
+              <a:ext uri="{C183D7F6-B498-43B3-948B-1728B52AA6E4}">
+                <adec:decorative xmlns:adec="http://schemas.microsoft.com/office/drawing/2017/decorative" val="1"/>
+              </a:ext>
+            </a:extLst>
+          </p:cNvPr>
+          <p:cNvSpPr>
+            <a:spLocks noGrp="1" noRot="1" noChangeAspect="1" noMove="1" noResize="1" noEditPoints="1" noAdjustHandles="1" noChangeArrowheads="1" noChangeShapeType="1" noTextEdit="1"/>
+          </p:cNvSpPr>
+          <p:nvPr>
+            <p:extLst>
+              <p:ext uri="{386F3935-93C4-4BCD-93E2-E3B085C9AB24}">
+                <p16:designElem xmlns:p16="http://schemas.microsoft.com/office/powerpoint/2015/main" val="1"/>
+              </p:ext>
+            </p:extLst>
+          </p:nvPr>
+        </p:nvSpPr>
+        <p:spPr>
+          <a:xfrm rot="10800000">
+            <a:off x="3648484" y="0"/>
+            <a:ext cx="8543515" cy="6858000"/>
+          </a:xfrm>
+          <a:prstGeom prst="rect">
+            <a:avLst/>
+          </a:prstGeom>
+          <a:gradFill flip="none" rotWithShape="1">
+            <a:gsLst>
+              <a:gs pos="0">
+                <a:srgbClr val="000000">
+                  <a:alpha val="0"/>
+                </a:srgbClr>
+              </a:gs>
+              <a:gs pos="58000">
+                <a:srgbClr val="000000">
+                  <a:alpha val="55000"/>
+                </a:srgbClr>
+              </a:gs>
+              <a:gs pos="93000">
+                <a:srgbClr val="000000">
+                  <a:alpha val="64000"/>
+                </a:srgbClr>
+              </a:gs>
+            </a:gsLst>
+            <a:lin ang="10800000" scaled="1"/>
+            <a:tileRect/>
+          </a:gradFill>
+          <a:ln>
+            <a:noFill/>
+          </a:ln>
+        </p:spPr>
+        <p:style>
+          <a:lnRef idx="2">
+            <a:schemeClr val="accent1">
+              <a:shade val="50000"/>
+            </a:schemeClr>
+          </a:lnRef>
+          <a:fillRef idx="1">
+            <a:schemeClr val="accent1"/>
+          </a:fillRef>
+          <a:effectRef idx="0">
+            <a:schemeClr val="accent1"/>
+          </a:effectRef>
+          <a:fontRef idx="minor">
+            <a:schemeClr val="lt1"/>
+          </a:fontRef>
+        </p:style>
+        <p:txBody>
+          <a:bodyPr rtlCol="0" anchor="ctr"/>
+          <a:lstStyle/>
+          <a:p>
+            <a:pPr algn="ctr"/>
+            <a:endParaRPr lang="en-US"/>
+          </a:p>
+        </p:txBody>
+      </p:sp>
+      <p:sp>
+        <p:nvSpPr>
+          <p:cNvPr id="2" name="Title 1">
+            <a:extLst>
+              <a:ext uri="{FF2B5EF4-FFF2-40B4-BE49-F238E27FC236}">
+                <a16:creationId xmlns:a16="http://schemas.microsoft.com/office/drawing/2014/main" id="{F2EE11A1-16CE-0C09-6F0F-C00B7F7EDD29}"/>
+              </a:ext>
+            </a:extLst>
+          </p:cNvPr>
+          <p:cNvSpPr>
+            <a:spLocks noGrp="1"/>
+          </p:cNvSpPr>
+          <p:nvPr>
+            <p:ph type="ctrTitle"/>
+          </p:nvPr>
+        </p:nvSpPr>
+        <p:spPr>
+          <a:xfrm>
+            <a:off x="6421729" y="914400"/>
+            <a:ext cx="4892948" cy="3427867"/>
+          </a:xfrm>
+        </p:spPr>
+        <p:txBody>
+          <a:bodyPr anchor="t">
+            <a:normAutofit/>
+          </a:bodyPr>
+          <a:lstStyle/>
+          <a:p>
+            <a:pPr algn="r"/>
+            <a:r>
+              <a:rPr lang="en-US" dirty="0">
+                <a:solidFill>
+                  <a:srgbClr val="FFFFFF"/>
+                </a:solidFill>
+              </a:rPr>
+              <a:t>Thank you!</a:t>
+            </a:r>
+          </a:p>
+        </p:txBody>
+      </p:sp>
+      <p:sp>
+        <p:nvSpPr>
+          <p:cNvPr id="3" name="Subtitle 2">
+            <a:extLst>
+              <a:ext uri="{FF2B5EF4-FFF2-40B4-BE49-F238E27FC236}">
+                <a16:creationId xmlns:a16="http://schemas.microsoft.com/office/drawing/2014/main" id="{A5CCDD4B-7352-5DCD-DE39-776931935025}"/>
+              </a:ext>
+            </a:extLst>
+          </p:cNvPr>
+          <p:cNvSpPr>
+            <a:spLocks noGrp="1"/>
+          </p:cNvSpPr>
+          <p:nvPr>
+            <p:ph type="subTitle" idx="1"/>
+          </p:nvPr>
+        </p:nvSpPr>
+        <p:spPr>
+          <a:xfrm>
+            <a:off x="6281929" y="5253051"/>
+            <a:ext cx="5032748" cy="812923"/>
+          </a:xfrm>
+        </p:spPr>
+        <p:txBody>
+          <a:bodyPr anchor="t">
+            <a:normAutofit/>
+          </a:bodyPr>
+          <a:lstStyle/>
+          <a:p>
+            <a:pPr algn="r"/>
+            <a:r>
+              <a:rPr lang="en-US" dirty="0">
+                <a:solidFill>
+                  <a:srgbClr val="FFFFFF"/>
+                </a:solidFill>
+              </a:rPr>
+              <a:t>Enjoy the rest of Quality Jam!</a:t>
+            </a:r>
+          </a:p>
+        </p:txBody>
+      </p:sp>
+      <p:cxnSp>
+        <p:nvCxnSpPr>
+          <p:cNvPr id="13" name="Straight Connector 12">
+            <a:extLst>
+              <a:ext uri="{FF2B5EF4-FFF2-40B4-BE49-F238E27FC236}">
+                <a16:creationId xmlns:a16="http://schemas.microsoft.com/office/drawing/2014/main" id="{97CC2FE6-3AD0-4131-B4BC-1F4D65E25E13}"/>
+              </a:ext>
+              <a:ext uri="{C183D7F6-B498-43B3-948B-1728B52AA6E4}">
+                <adec:decorative xmlns:adec="http://schemas.microsoft.com/office/drawing/2017/decorative" val="1"/>
+              </a:ext>
+            </a:extLst>
+          </p:cNvPr>
+          <p:cNvCxnSpPr>
+            <a:cxnSpLocks noGrp="1" noRot="1" noChangeAspect="1" noMove="1" noResize="1" noEditPoints="1" noAdjustHandles="1" noChangeArrowheads="1" noChangeShapeType="1"/>
+          </p:cNvCxnSpPr>
+          <p:nvPr>
+            <p:extLst>
+              <p:ext uri="{386F3935-93C4-4BCD-93E2-E3B085C9AB24}">
+                <p16:designElem xmlns:p16="http://schemas.microsoft.com/office/powerpoint/2015/main" val="1"/>
+              </p:ext>
+            </p:extLst>
+          </p:nvPr>
+        </p:nvCxnSpPr>
+        <p:spPr>
+          <a:xfrm>
+            <a:off x="10222043" y="4861206"/>
+            <a:ext cx="978862" cy="0"/>
+          </a:xfrm>
+          <a:prstGeom prst="line">
+            <a:avLst/>
+          </a:prstGeom>
+          <a:ln w="76200">
+            <a:solidFill>
+              <a:schemeClr val="accent1"/>
+            </a:solidFill>
+          </a:ln>
+        </p:spPr>
+        <p:style>
+          <a:lnRef idx="1">
+            <a:schemeClr val="accent1"/>
+          </a:lnRef>
+          <a:fillRef idx="0">
+            <a:schemeClr val="accent1"/>
+          </a:fillRef>
+          <a:effectRef idx="0">
+            <a:schemeClr val="accent1"/>
+          </a:effectRef>
+          <a:fontRef idx="minor">
+            <a:schemeClr val="tx1"/>
+          </a:fontRef>
+        </p:style>
+      </p:cxnSp>
+    </p:spTree>
+    <p:extLst>
+      <p:ext uri="{BB962C8B-B14F-4D97-AF65-F5344CB8AC3E}">
+        <p14:creationId xmlns:p14="http://schemas.microsoft.com/office/powerpoint/2010/main" val="4197808819"/>
+      </p:ext>
+    </p:extLst>
+  </p:cSld>
+  <p:clrMapOvr>
+    <a:masterClrMapping/>
+  </p:clrMapOvr>
+  <p:timing>
+    <p:tnLst>
+      <p:par>
+        <p:cTn id="1" dur="indefinite" restart="never" nodeType="tmRoot">
+          <p:childTnLst>
+            <p:seq concurrent="1" nextAc="seek">
+              <p:cTn id="2" dur="indefinite" nodeType="mainSeq">
+                <p:childTnLst>
+                  <p:par>
+                    <p:cTn id="3" fill="hold">
+                      <p:stCondLst>
+                        <p:cond delay="indefinite"/>
+                      </p:stCondLst>
+                      <p:childTnLst>
+                        <p:par>
+                          <p:cTn id="4" fill="hold">
+                            <p:stCondLst>
+                              <p:cond delay="0"/>
+                            </p:stCondLst>
+                            <p:childTnLst>
+                              <p:par>
+                                <p:cTn id="5" presetID="20" presetClass="entr" presetSubtype="0" fill="hold" grpId="0" nodeType="clickEffect">
+                                  <p:stCondLst>
+                                    <p:cond delay="0"/>
+                                  </p:stCondLst>
+                                  <p:childTnLst>
+                                    <p:set>
+                                      <p:cBhvr>
+                                        <p:cTn id="6" dur="1" fill="hold">
+                                          <p:stCondLst>
+                                            <p:cond delay="0"/>
+                                          </p:stCondLst>
+                                        </p:cTn>
+                                        <p:tgtEl>
+                                          <p:spTgt spid="2"/>
+                                        </p:tgtEl>
+                                        <p:attrNameLst>
+                                          <p:attrName>style.visibility</p:attrName>
+                                        </p:attrNameLst>
+                                      </p:cBhvr>
+                                      <p:to>
+                                        <p:strVal val="visible"/>
+                                      </p:to>
+                                    </p:set>
+                                    <p:animEffect transition="in" filter="wedge">
+                                      <p:cBhvr>
+                                        <p:cTn id="7" dur="2000"/>
+                                        <p:tgtEl>
+                                          <p:spTgt spid="2"/>
+                                        </p:tgtEl>
+                                      </p:cBhvr>
+                                    </p:animEffect>
+                                  </p:childTnLst>
+                                </p:cTn>
+                              </p:par>
+                            </p:childTnLst>
+                          </p:cTn>
+                        </p:par>
+                        <p:par>
+                          <p:cTn id="8" fill="hold">
+                            <p:stCondLst>
+                              <p:cond delay="2000"/>
+                            </p:stCondLst>
+                            <p:childTnLst>
+                              <p:par>
+                                <p:cTn id="9" presetID="10" presetClass="entr" presetSubtype="0" fill="hold" grpId="0" nodeType="afterEffect">
+                                  <p:stCondLst>
+                                    <p:cond delay="0"/>
+                                  </p:stCondLst>
+                                  <p:childTnLst>
+                                    <p:set>
+                                      <p:cBhvr>
+                                        <p:cTn id="10" dur="1" fill="hold">
+                                          <p:stCondLst>
+                                            <p:cond delay="0"/>
+                                          </p:stCondLst>
+                                        </p:cTn>
+                                        <p:tgtEl>
+                                          <p:spTgt spid="3">
+                                            <p:txEl>
+                                              <p:pRg st="0" end="0"/>
+                                            </p:txEl>
+                                          </p:spTgt>
+                                        </p:tgtEl>
+                                        <p:attrNameLst>
+                                          <p:attrName>style.visibility</p:attrName>
+                                        </p:attrNameLst>
+                                      </p:cBhvr>
+                                      <p:to>
+                                        <p:strVal val="visible"/>
+                                      </p:to>
+                                    </p:set>
+                                    <p:animEffect transition="in" filter="fade">
+                                      <p:cBhvr>
+                                        <p:cTn id="11" dur="2000"/>
+                                        <p:tgtEl>
+                                          <p:spTgt spid="3">
+                                            <p:txEl>
+                                              <p:pRg st="0" end="0"/>
+                                            </p:txEl>
+                                          </p:spTgt>
+                                        </p:tgtEl>
+                                      </p:cBhvr>
+                                    </p:animEffect>
+                                  </p:childTnLst>
+                                </p:cTn>
+                              </p:par>
+                            </p:childTnLst>
+                          </p:cTn>
+                        </p:par>
+                      </p:childTnLst>
+                    </p:cTn>
+                  </p:par>
+                </p:childTnLst>
+              </p:cTn>
+              <p:prevCondLst>
+                <p:cond evt="onPrev" delay="0">
+                  <p:tgtEl>
+                    <p:sldTgt/>
+                  </p:tgtEl>
+                </p:cond>
+              </p:prevCondLst>
+              <p:nextCondLst>
+                <p:cond evt="onNext" delay="0">
+                  <p:tgtEl>
+                    <p:sldTgt/>
+                  </p:tgtEl>
+                </p:cond>
+              </p:nextCondLst>
+            </p:seq>
+          </p:childTnLst>
+        </p:cTn>
+      </p:par>
+    </p:tnLst>
+    <p:bldLst>
+      <p:bldP spid="2" grpId="0"/>
+      <p:bldP spid="3" grpId="0" build="p"/>
+    </p:bldLst>
+  </p:timing>
+</p:sld>
+</file>
+
 <file path=ppt/slides/slide2.xml><?xml version="1.0" encoding="utf-8"?>
 <p:sld xmlns:a="http://schemas.openxmlformats.org/drawingml/2006/main" xmlns:r="http://schemas.openxmlformats.org/officeDocument/2006/relationships" xmlns:p="http://schemas.openxmlformats.org/presentationml/2006/main">
   <p:cSld>
@@ -4806,7 +8325,7 @@
           <a:p>
             <a:r>
               <a:rPr lang="en-US" dirty="0"/>
-              <a:t>Page Object Model (POM)</a:t>
+              <a:t>Logical Function Model (LFM)</a:t>
             </a:r>
           </a:p>
         </p:txBody>
@@ -4834,34 +8353,1064 @@
           <a:p>
             <a:r>
               <a:rPr lang="en-US" dirty="0"/>
-              <a:t>A page object is an object-oriented class that serves as an interface to a page of your AUT</a:t>
-            </a:r>
-          </a:p>
-          <a:p>
+              <a:t>Definition: A collection of functions used to produce logical results.</a:t>
+            </a:r>
+          </a:p>
+          <a:p>
+            <a:pPr lvl="1"/>
+            <a:r>
+              <a:rPr lang="en-US" dirty="0"/>
+              <a:t>Also called Functional Programming.</a:t>
+            </a:r>
+          </a:p>
+          <a:p>
+            <a:r>
+              <a:rPr lang="en-US" dirty="0"/>
+              <a:t>Design consists of functions to perform actions on the page.</a:t>
+            </a:r>
+          </a:p>
+          <a:p>
+            <a:r>
+              <a:rPr lang="en-US" dirty="0"/>
+              <a:t>Each function calls elements individually resulting in multiple references to elements.</a:t>
+            </a:r>
+          </a:p>
+          <a:p>
+            <a:r>
+              <a:rPr lang="en-US" dirty="0"/>
+              <a:t>Functions can represent entire page interactions or parts of a page.</a:t>
+            </a:r>
+          </a:p>
+          <a:p>
+            <a:r>
+              <a:rPr lang="en-US" dirty="0"/>
+              <a:t>Requires in depth knowledge of UI Automation engine (Selenium, XCUI, others)</a:t>
+            </a:r>
+          </a:p>
+        </p:txBody>
+      </p:sp>
+    </p:spTree>
+    <p:extLst>
+      <p:ext uri="{BB962C8B-B14F-4D97-AF65-F5344CB8AC3E}">
+        <p14:creationId xmlns:p14="http://schemas.microsoft.com/office/powerpoint/2010/main" val="2294883570"/>
+      </p:ext>
+    </p:extLst>
+  </p:cSld>
+  <p:clrMapOvr>
+    <a:masterClrMapping/>
+  </p:clrMapOvr>
+  <p:timing>
+    <p:tnLst>
+      <p:par>
+        <p:cTn id="1" dur="indefinite" restart="never" nodeType="tmRoot">
+          <p:childTnLst>
+            <p:seq concurrent="1" nextAc="seek">
+              <p:cTn id="2" dur="indefinite" nodeType="mainSeq">
+                <p:childTnLst>
+                  <p:par>
+                    <p:cTn id="3" fill="hold">
+                      <p:stCondLst>
+                        <p:cond delay="indefinite"/>
+                      </p:stCondLst>
+                      <p:childTnLst>
+                        <p:par>
+                          <p:cTn id="4" fill="hold">
+                            <p:stCondLst>
+                              <p:cond delay="0"/>
+                            </p:stCondLst>
+                            <p:childTnLst>
+                              <p:par>
+                                <p:cTn id="5" presetID="10" presetClass="entr" presetSubtype="0" fill="hold" grpId="0" nodeType="clickEffect">
+                                  <p:stCondLst>
+                                    <p:cond delay="0"/>
+                                  </p:stCondLst>
+                                  <p:childTnLst>
+                                    <p:set>
+                                      <p:cBhvr>
+                                        <p:cTn id="6" dur="1" fill="hold">
+                                          <p:stCondLst>
+                                            <p:cond delay="0"/>
+                                          </p:stCondLst>
+                                        </p:cTn>
+                                        <p:tgtEl>
+                                          <p:spTgt spid="3">
+                                            <p:txEl>
+                                              <p:pRg st="0" end="0"/>
+                                            </p:txEl>
+                                          </p:spTgt>
+                                        </p:tgtEl>
+                                        <p:attrNameLst>
+                                          <p:attrName>style.visibility</p:attrName>
+                                        </p:attrNameLst>
+                                      </p:cBhvr>
+                                      <p:to>
+                                        <p:strVal val="visible"/>
+                                      </p:to>
+                                    </p:set>
+                                    <p:animEffect transition="in" filter="fade">
+                                      <p:cBhvr>
+                                        <p:cTn id="7" dur="500"/>
+                                        <p:tgtEl>
+                                          <p:spTgt spid="3">
+                                            <p:txEl>
+                                              <p:pRg st="0" end="0"/>
+                                            </p:txEl>
+                                          </p:spTgt>
+                                        </p:tgtEl>
+                                      </p:cBhvr>
+                                    </p:animEffect>
+                                  </p:childTnLst>
+                                </p:cTn>
+                              </p:par>
+                              <p:par>
+                                <p:cTn id="8" presetID="10" presetClass="entr" presetSubtype="0" fill="hold" grpId="0" nodeType="withEffect">
+                                  <p:stCondLst>
+                                    <p:cond delay="0"/>
+                                  </p:stCondLst>
+                                  <p:childTnLst>
+                                    <p:set>
+                                      <p:cBhvr>
+                                        <p:cTn id="9" dur="1" fill="hold">
+                                          <p:stCondLst>
+                                            <p:cond delay="0"/>
+                                          </p:stCondLst>
+                                        </p:cTn>
+                                        <p:tgtEl>
+                                          <p:spTgt spid="3">
+                                            <p:txEl>
+                                              <p:pRg st="1" end="1"/>
+                                            </p:txEl>
+                                          </p:spTgt>
+                                        </p:tgtEl>
+                                        <p:attrNameLst>
+                                          <p:attrName>style.visibility</p:attrName>
+                                        </p:attrNameLst>
+                                      </p:cBhvr>
+                                      <p:to>
+                                        <p:strVal val="visible"/>
+                                      </p:to>
+                                    </p:set>
+                                    <p:animEffect transition="in" filter="fade">
+                                      <p:cBhvr>
+                                        <p:cTn id="10" dur="500"/>
+                                        <p:tgtEl>
+                                          <p:spTgt spid="3">
+                                            <p:txEl>
+                                              <p:pRg st="1" end="1"/>
+                                            </p:txEl>
+                                          </p:spTgt>
+                                        </p:tgtEl>
+                                      </p:cBhvr>
+                                    </p:animEffect>
+                                  </p:childTnLst>
+                                </p:cTn>
+                              </p:par>
+                            </p:childTnLst>
+                          </p:cTn>
+                        </p:par>
+                      </p:childTnLst>
+                    </p:cTn>
+                  </p:par>
+                  <p:par>
+                    <p:cTn id="11" fill="hold">
+                      <p:stCondLst>
+                        <p:cond delay="indefinite"/>
+                      </p:stCondLst>
+                      <p:childTnLst>
+                        <p:par>
+                          <p:cTn id="12" fill="hold">
+                            <p:stCondLst>
+                              <p:cond delay="0"/>
+                            </p:stCondLst>
+                            <p:childTnLst>
+                              <p:par>
+                                <p:cTn id="13" presetID="10" presetClass="entr" presetSubtype="0" fill="hold" grpId="0" nodeType="clickEffect">
+                                  <p:stCondLst>
+                                    <p:cond delay="0"/>
+                                  </p:stCondLst>
+                                  <p:childTnLst>
+                                    <p:set>
+                                      <p:cBhvr>
+                                        <p:cTn id="14" dur="1" fill="hold">
+                                          <p:stCondLst>
+                                            <p:cond delay="0"/>
+                                          </p:stCondLst>
+                                        </p:cTn>
+                                        <p:tgtEl>
+                                          <p:spTgt spid="3">
+                                            <p:txEl>
+                                              <p:pRg st="2" end="2"/>
+                                            </p:txEl>
+                                          </p:spTgt>
+                                        </p:tgtEl>
+                                        <p:attrNameLst>
+                                          <p:attrName>style.visibility</p:attrName>
+                                        </p:attrNameLst>
+                                      </p:cBhvr>
+                                      <p:to>
+                                        <p:strVal val="visible"/>
+                                      </p:to>
+                                    </p:set>
+                                    <p:animEffect transition="in" filter="fade">
+                                      <p:cBhvr>
+                                        <p:cTn id="15" dur="500"/>
+                                        <p:tgtEl>
+                                          <p:spTgt spid="3">
+                                            <p:txEl>
+                                              <p:pRg st="2" end="2"/>
+                                            </p:txEl>
+                                          </p:spTgt>
+                                        </p:tgtEl>
+                                      </p:cBhvr>
+                                    </p:animEffect>
+                                  </p:childTnLst>
+                                </p:cTn>
+                              </p:par>
+                            </p:childTnLst>
+                          </p:cTn>
+                        </p:par>
+                      </p:childTnLst>
+                    </p:cTn>
+                  </p:par>
+                  <p:par>
+                    <p:cTn id="16" fill="hold">
+                      <p:stCondLst>
+                        <p:cond delay="indefinite"/>
+                      </p:stCondLst>
+                      <p:childTnLst>
+                        <p:par>
+                          <p:cTn id="17" fill="hold">
+                            <p:stCondLst>
+                              <p:cond delay="0"/>
+                            </p:stCondLst>
+                            <p:childTnLst>
+                              <p:par>
+                                <p:cTn id="18" presetID="10" presetClass="entr" presetSubtype="0" fill="hold" grpId="0" nodeType="clickEffect">
+                                  <p:stCondLst>
+                                    <p:cond delay="0"/>
+                                  </p:stCondLst>
+                                  <p:childTnLst>
+                                    <p:set>
+                                      <p:cBhvr>
+                                        <p:cTn id="19" dur="1" fill="hold">
+                                          <p:stCondLst>
+                                            <p:cond delay="0"/>
+                                          </p:stCondLst>
+                                        </p:cTn>
+                                        <p:tgtEl>
+                                          <p:spTgt spid="3">
+                                            <p:txEl>
+                                              <p:pRg st="3" end="3"/>
+                                            </p:txEl>
+                                          </p:spTgt>
+                                        </p:tgtEl>
+                                        <p:attrNameLst>
+                                          <p:attrName>style.visibility</p:attrName>
+                                        </p:attrNameLst>
+                                      </p:cBhvr>
+                                      <p:to>
+                                        <p:strVal val="visible"/>
+                                      </p:to>
+                                    </p:set>
+                                    <p:animEffect transition="in" filter="fade">
+                                      <p:cBhvr>
+                                        <p:cTn id="20" dur="500"/>
+                                        <p:tgtEl>
+                                          <p:spTgt spid="3">
+                                            <p:txEl>
+                                              <p:pRg st="3" end="3"/>
+                                            </p:txEl>
+                                          </p:spTgt>
+                                        </p:tgtEl>
+                                      </p:cBhvr>
+                                    </p:animEffect>
+                                  </p:childTnLst>
+                                </p:cTn>
+                              </p:par>
+                            </p:childTnLst>
+                          </p:cTn>
+                        </p:par>
+                      </p:childTnLst>
+                    </p:cTn>
+                  </p:par>
+                  <p:par>
+                    <p:cTn id="21" fill="hold">
+                      <p:stCondLst>
+                        <p:cond delay="indefinite"/>
+                      </p:stCondLst>
+                      <p:childTnLst>
+                        <p:par>
+                          <p:cTn id="22" fill="hold">
+                            <p:stCondLst>
+                              <p:cond delay="0"/>
+                            </p:stCondLst>
+                            <p:childTnLst>
+                              <p:par>
+                                <p:cTn id="23" presetID="10" presetClass="entr" presetSubtype="0" fill="hold" grpId="0" nodeType="clickEffect">
+                                  <p:stCondLst>
+                                    <p:cond delay="0"/>
+                                  </p:stCondLst>
+                                  <p:childTnLst>
+                                    <p:set>
+                                      <p:cBhvr>
+                                        <p:cTn id="24" dur="1" fill="hold">
+                                          <p:stCondLst>
+                                            <p:cond delay="0"/>
+                                          </p:stCondLst>
+                                        </p:cTn>
+                                        <p:tgtEl>
+                                          <p:spTgt spid="3">
+                                            <p:txEl>
+                                              <p:pRg st="4" end="4"/>
+                                            </p:txEl>
+                                          </p:spTgt>
+                                        </p:tgtEl>
+                                        <p:attrNameLst>
+                                          <p:attrName>style.visibility</p:attrName>
+                                        </p:attrNameLst>
+                                      </p:cBhvr>
+                                      <p:to>
+                                        <p:strVal val="visible"/>
+                                      </p:to>
+                                    </p:set>
+                                    <p:animEffect transition="in" filter="fade">
+                                      <p:cBhvr>
+                                        <p:cTn id="25" dur="500"/>
+                                        <p:tgtEl>
+                                          <p:spTgt spid="3">
+                                            <p:txEl>
+                                              <p:pRg st="4" end="4"/>
+                                            </p:txEl>
+                                          </p:spTgt>
+                                        </p:tgtEl>
+                                      </p:cBhvr>
+                                    </p:animEffect>
+                                  </p:childTnLst>
+                                </p:cTn>
+                              </p:par>
+                            </p:childTnLst>
+                          </p:cTn>
+                        </p:par>
+                      </p:childTnLst>
+                    </p:cTn>
+                  </p:par>
+                  <p:par>
+                    <p:cTn id="26" fill="hold">
+                      <p:stCondLst>
+                        <p:cond delay="indefinite"/>
+                      </p:stCondLst>
+                      <p:childTnLst>
+                        <p:par>
+                          <p:cTn id="27" fill="hold">
+                            <p:stCondLst>
+                              <p:cond delay="0"/>
+                            </p:stCondLst>
+                            <p:childTnLst>
+                              <p:par>
+                                <p:cTn id="28" presetID="10" presetClass="entr" presetSubtype="0" fill="hold" grpId="0" nodeType="clickEffect">
+                                  <p:stCondLst>
+                                    <p:cond delay="0"/>
+                                  </p:stCondLst>
+                                  <p:childTnLst>
+                                    <p:set>
+                                      <p:cBhvr>
+                                        <p:cTn id="29" dur="1" fill="hold">
+                                          <p:stCondLst>
+                                            <p:cond delay="0"/>
+                                          </p:stCondLst>
+                                        </p:cTn>
+                                        <p:tgtEl>
+                                          <p:spTgt spid="3">
+                                            <p:txEl>
+                                              <p:pRg st="5" end="5"/>
+                                            </p:txEl>
+                                          </p:spTgt>
+                                        </p:tgtEl>
+                                        <p:attrNameLst>
+                                          <p:attrName>style.visibility</p:attrName>
+                                        </p:attrNameLst>
+                                      </p:cBhvr>
+                                      <p:to>
+                                        <p:strVal val="visible"/>
+                                      </p:to>
+                                    </p:set>
+                                    <p:animEffect transition="in" filter="fade">
+                                      <p:cBhvr>
+                                        <p:cTn id="30" dur="500"/>
+                                        <p:tgtEl>
+                                          <p:spTgt spid="3">
+                                            <p:txEl>
+                                              <p:pRg st="5" end="5"/>
+                                            </p:txEl>
+                                          </p:spTgt>
+                                        </p:tgtEl>
+                                      </p:cBhvr>
+                                    </p:animEffect>
+                                  </p:childTnLst>
+                                </p:cTn>
+                              </p:par>
+                            </p:childTnLst>
+                          </p:cTn>
+                        </p:par>
+                      </p:childTnLst>
+                    </p:cTn>
+                  </p:par>
+                </p:childTnLst>
+              </p:cTn>
+              <p:prevCondLst>
+                <p:cond evt="onPrev" delay="0">
+                  <p:tgtEl>
+                    <p:sldTgt/>
+                  </p:tgtEl>
+                </p:cond>
+              </p:prevCondLst>
+              <p:nextCondLst>
+                <p:cond evt="onNext" delay="0">
+                  <p:tgtEl>
+                    <p:sldTgt/>
+                  </p:tgtEl>
+                </p:cond>
+              </p:nextCondLst>
+            </p:seq>
+          </p:childTnLst>
+        </p:cTn>
+      </p:par>
+    </p:tnLst>
+    <p:bldLst>
+      <p:bldP spid="3" grpId="0" build="p"/>
+    </p:bldLst>
+  </p:timing>
+</p:sld>
+</file>
+
+<file path=ppt/slides/slide4.xml><?xml version="1.0" encoding="utf-8"?>
+<p:sld xmlns:a="http://schemas.openxmlformats.org/drawingml/2006/main" xmlns:r="http://schemas.openxmlformats.org/officeDocument/2006/relationships" xmlns:p="http://schemas.openxmlformats.org/presentationml/2006/main">
+  <p:cSld>
+    <p:spTree>
+      <p:nvGrpSpPr>
+        <p:cNvPr id="1" name=""/>
+        <p:cNvGrpSpPr/>
+        <p:nvPr/>
+      </p:nvGrpSpPr>
+      <p:grpSpPr>
+        <a:xfrm>
+          <a:off x="0" y="0"/>
+          <a:ext cx="0" cy="0"/>
+          <a:chOff x="0" y="0"/>
+          <a:chExt cx="0" cy="0"/>
+        </a:xfrm>
+      </p:grpSpPr>
+      <p:sp>
+        <p:nvSpPr>
+          <p:cNvPr id="2" name="Title 1">
+            <a:extLst>
+              <a:ext uri="{FF2B5EF4-FFF2-40B4-BE49-F238E27FC236}">
+                <a16:creationId xmlns:a16="http://schemas.microsoft.com/office/drawing/2014/main" id="{C4202D15-2C05-8363-8BC5-AE3E3A06ABEE}"/>
+              </a:ext>
+            </a:extLst>
+          </p:cNvPr>
+          <p:cNvSpPr>
+            <a:spLocks noGrp="1"/>
+          </p:cNvSpPr>
+          <p:nvPr>
+            <p:ph type="title"/>
+          </p:nvPr>
+        </p:nvSpPr>
+        <p:spPr/>
+        <p:txBody>
+          <a:bodyPr>
+            <a:normAutofit/>
+          </a:bodyPr>
+          <a:lstStyle/>
+          <a:p>
+            <a:r>
+              <a:rPr lang="en-US" sz="2800" dirty="0"/>
+              <a:t>Logical Function Test</a:t>
+            </a:r>
+          </a:p>
+        </p:txBody>
+      </p:sp>
+      <p:sp>
+        <p:nvSpPr>
+          <p:cNvPr id="4" name="Text Placeholder 3">
+            <a:extLst>
+              <a:ext uri="{FF2B5EF4-FFF2-40B4-BE49-F238E27FC236}">
+                <a16:creationId xmlns:a16="http://schemas.microsoft.com/office/drawing/2014/main" id="{1E01CDC6-7564-7D4B-3834-D7E9AE956BD0}"/>
+              </a:ext>
+            </a:extLst>
+          </p:cNvPr>
+          <p:cNvSpPr>
+            <a:spLocks noGrp="1"/>
+          </p:cNvSpPr>
+          <p:nvPr>
+            <p:ph type="body" sz="half" idx="2"/>
+          </p:nvPr>
+        </p:nvSpPr>
+        <p:spPr/>
+        <p:txBody>
+          <a:bodyPr/>
+          <a:lstStyle/>
+          <a:p>
+            <a:pPr marL="285750" indent="-285750">
+              <a:buFont typeface="Arial" panose="020B0604020202020204" pitchFamily="34" charset="0"/>
+              <a:buChar char="•"/>
+            </a:pPr>
+            <a:r>
+              <a:rPr lang="en-US" dirty="0"/>
+              <a:t>Multiple references to the same elements</a:t>
+            </a:r>
+          </a:p>
+          <a:p>
+            <a:pPr marL="285750" indent="-285750">
+              <a:buFont typeface="Arial" panose="020B0604020202020204" pitchFamily="34" charset="0"/>
+              <a:buChar char="•"/>
+            </a:pPr>
+            <a:r>
+              <a:rPr lang="en-US" dirty="0"/>
+              <a:t>Many, many places to update!</a:t>
+            </a:r>
+          </a:p>
+          <a:p>
+            <a:pPr marL="285750" indent="-285750">
+              <a:buFont typeface="Arial" panose="020B0604020202020204" pitchFamily="34" charset="0"/>
+              <a:buChar char="•"/>
+            </a:pPr>
+            <a:r>
+              <a:rPr lang="en-US" dirty="0"/>
+              <a:t>Low readability</a:t>
+            </a:r>
+          </a:p>
+          <a:p>
+            <a:pPr marL="285750" indent="-285750">
+              <a:buFont typeface="Arial" panose="020B0604020202020204" pitchFamily="34" charset="0"/>
+              <a:buChar char="•"/>
+            </a:pPr>
+            <a:r>
+              <a:rPr lang="en-US" dirty="0"/>
+              <a:t>Tests calling tests to do same actions.</a:t>
+            </a:r>
+          </a:p>
+          <a:p>
+            <a:pPr marL="285750" indent="-285750">
+              <a:buFont typeface="Arial" panose="020B0604020202020204" pitchFamily="34" charset="0"/>
+              <a:buChar char="•"/>
+            </a:pPr>
+            <a:r>
+              <a:rPr lang="en-US" dirty="0"/>
+              <a:t>Sleep padding out test runtime.</a:t>
+            </a:r>
+          </a:p>
+          <a:p>
+            <a:pPr marL="285750" indent="-285750">
+              <a:buFont typeface="Arial" panose="020B0604020202020204" pitchFamily="34" charset="0"/>
+              <a:buChar char="•"/>
+            </a:pPr>
+            <a:endParaRPr lang="en-US" dirty="0"/>
+          </a:p>
+        </p:txBody>
+      </p:sp>
+      <p:pic>
+        <p:nvPicPr>
+          <p:cNvPr id="14" name="Content Placeholder 13" descr="A screenshot of a Logical Function Model Test">
+            <a:extLst>
+              <a:ext uri="{FF2B5EF4-FFF2-40B4-BE49-F238E27FC236}">
+                <a16:creationId xmlns:a16="http://schemas.microsoft.com/office/drawing/2014/main" id="{CB0B96E3-C3DF-B17B-E6EB-8381E6BC05D2}"/>
+              </a:ext>
+            </a:extLst>
+          </p:cNvPr>
+          <p:cNvPicPr>
+            <a:picLocks noGrp="1" noChangeAspect="1"/>
+          </p:cNvPicPr>
+          <p:nvPr>
+            <p:ph idx="1"/>
+          </p:nvPr>
+        </p:nvPicPr>
+        <p:blipFill>
+          <a:blip r:embed="rId2"/>
+          <a:stretch>
+            <a:fillRect/>
+          </a:stretch>
+        </p:blipFill>
+        <p:spPr>
+          <a:xfrm>
+            <a:off x="5311288" y="987425"/>
+            <a:ext cx="5916000" cy="4873625"/>
+          </a:xfrm>
+        </p:spPr>
+      </p:pic>
+    </p:spTree>
+    <p:extLst>
+      <p:ext uri="{BB962C8B-B14F-4D97-AF65-F5344CB8AC3E}">
+        <p14:creationId xmlns:p14="http://schemas.microsoft.com/office/powerpoint/2010/main" val="877003824"/>
+      </p:ext>
+    </p:extLst>
+  </p:cSld>
+  <p:clrMapOvr>
+    <a:masterClrMapping/>
+  </p:clrMapOvr>
+  <p:timing>
+    <p:tnLst>
+      <p:par>
+        <p:cTn id="1" dur="indefinite" restart="never" nodeType="tmRoot">
+          <p:childTnLst>
+            <p:seq concurrent="1" nextAc="seek">
+              <p:cTn id="2" dur="indefinite" nodeType="mainSeq">
+                <p:childTnLst>
+                  <p:par>
+                    <p:cTn id="3" fill="hold">
+                      <p:stCondLst>
+                        <p:cond delay="indefinite"/>
+                      </p:stCondLst>
+                      <p:childTnLst>
+                        <p:par>
+                          <p:cTn id="4" fill="hold">
+                            <p:stCondLst>
+                              <p:cond delay="0"/>
+                            </p:stCondLst>
+                            <p:childTnLst>
+                              <p:par>
+                                <p:cTn id="5" presetID="10" presetClass="entr" presetSubtype="0" fill="hold" grpId="0" nodeType="clickEffect">
+                                  <p:stCondLst>
+                                    <p:cond delay="0"/>
+                                  </p:stCondLst>
+                                  <p:childTnLst>
+                                    <p:set>
+                                      <p:cBhvr>
+                                        <p:cTn id="6" dur="1" fill="hold">
+                                          <p:stCondLst>
+                                            <p:cond delay="0"/>
+                                          </p:stCondLst>
+                                        </p:cTn>
+                                        <p:tgtEl>
+                                          <p:spTgt spid="4">
+                                            <p:txEl>
+                                              <p:pRg st="0" end="0"/>
+                                            </p:txEl>
+                                          </p:spTgt>
+                                        </p:tgtEl>
+                                        <p:attrNameLst>
+                                          <p:attrName>style.visibility</p:attrName>
+                                        </p:attrNameLst>
+                                      </p:cBhvr>
+                                      <p:to>
+                                        <p:strVal val="visible"/>
+                                      </p:to>
+                                    </p:set>
+                                    <p:animEffect transition="in" filter="fade">
+                                      <p:cBhvr>
+                                        <p:cTn id="7" dur="500"/>
+                                        <p:tgtEl>
+                                          <p:spTgt spid="4">
+                                            <p:txEl>
+                                              <p:pRg st="0" end="0"/>
+                                            </p:txEl>
+                                          </p:spTgt>
+                                        </p:tgtEl>
+                                      </p:cBhvr>
+                                    </p:animEffect>
+                                  </p:childTnLst>
+                                </p:cTn>
+                              </p:par>
+                            </p:childTnLst>
+                          </p:cTn>
+                        </p:par>
+                      </p:childTnLst>
+                    </p:cTn>
+                  </p:par>
+                  <p:par>
+                    <p:cTn id="8" fill="hold">
+                      <p:stCondLst>
+                        <p:cond delay="indefinite"/>
+                      </p:stCondLst>
+                      <p:childTnLst>
+                        <p:par>
+                          <p:cTn id="9" fill="hold">
+                            <p:stCondLst>
+                              <p:cond delay="0"/>
+                            </p:stCondLst>
+                            <p:childTnLst>
+                              <p:par>
+                                <p:cTn id="10" presetID="10" presetClass="entr" presetSubtype="0" fill="hold" grpId="0" nodeType="clickEffect">
+                                  <p:stCondLst>
+                                    <p:cond delay="0"/>
+                                  </p:stCondLst>
+                                  <p:childTnLst>
+                                    <p:set>
+                                      <p:cBhvr>
+                                        <p:cTn id="11" dur="1" fill="hold">
+                                          <p:stCondLst>
+                                            <p:cond delay="0"/>
+                                          </p:stCondLst>
+                                        </p:cTn>
+                                        <p:tgtEl>
+                                          <p:spTgt spid="4">
+                                            <p:txEl>
+                                              <p:pRg st="1" end="1"/>
+                                            </p:txEl>
+                                          </p:spTgt>
+                                        </p:tgtEl>
+                                        <p:attrNameLst>
+                                          <p:attrName>style.visibility</p:attrName>
+                                        </p:attrNameLst>
+                                      </p:cBhvr>
+                                      <p:to>
+                                        <p:strVal val="visible"/>
+                                      </p:to>
+                                    </p:set>
+                                    <p:animEffect transition="in" filter="fade">
+                                      <p:cBhvr>
+                                        <p:cTn id="12" dur="500"/>
+                                        <p:tgtEl>
+                                          <p:spTgt spid="4">
+                                            <p:txEl>
+                                              <p:pRg st="1" end="1"/>
+                                            </p:txEl>
+                                          </p:spTgt>
+                                        </p:tgtEl>
+                                      </p:cBhvr>
+                                    </p:animEffect>
+                                  </p:childTnLst>
+                                </p:cTn>
+                              </p:par>
+                            </p:childTnLst>
+                          </p:cTn>
+                        </p:par>
+                      </p:childTnLst>
+                    </p:cTn>
+                  </p:par>
+                  <p:par>
+                    <p:cTn id="13" fill="hold">
+                      <p:stCondLst>
+                        <p:cond delay="indefinite"/>
+                      </p:stCondLst>
+                      <p:childTnLst>
+                        <p:par>
+                          <p:cTn id="14" fill="hold">
+                            <p:stCondLst>
+                              <p:cond delay="0"/>
+                            </p:stCondLst>
+                            <p:childTnLst>
+                              <p:par>
+                                <p:cTn id="15" presetID="10" presetClass="entr" presetSubtype="0" fill="hold" grpId="0" nodeType="clickEffect">
+                                  <p:stCondLst>
+                                    <p:cond delay="0"/>
+                                  </p:stCondLst>
+                                  <p:childTnLst>
+                                    <p:set>
+                                      <p:cBhvr>
+                                        <p:cTn id="16" dur="1" fill="hold">
+                                          <p:stCondLst>
+                                            <p:cond delay="0"/>
+                                          </p:stCondLst>
+                                        </p:cTn>
+                                        <p:tgtEl>
+                                          <p:spTgt spid="4">
+                                            <p:txEl>
+                                              <p:pRg st="2" end="2"/>
+                                            </p:txEl>
+                                          </p:spTgt>
+                                        </p:tgtEl>
+                                        <p:attrNameLst>
+                                          <p:attrName>style.visibility</p:attrName>
+                                        </p:attrNameLst>
+                                      </p:cBhvr>
+                                      <p:to>
+                                        <p:strVal val="visible"/>
+                                      </p:to>
+                                    </p:set>
+                                    <p:animEffect transition="in" filter="fade">
+                                      <p:cBhvr>
+                                        <p:cTn id="17" dur="500"/>
+                                        <p:tgtEl>
+                                          <p:spTgt spid="4">
+                                            <p:txEl>
+                                              <p:pRg st="2" end="2"/>
+                                            </p:txEl>
+                                          </p:spTgt>
+                                        </p:tgtEl>
+                                      </p:cBhvr>
+                                    </p:animEffect>
+                                  </p:childTnLst>
+                                </p:cTn>
+                              </p:par>
+                            </p:childTnLst>
+                          </p:cTn>
+                        </p:par>
+                      </p:childTnLst>
+                    </p:cTn>
+                  </p:par>
+                  <p:par>
+                    <p:cTn id="18" fill="hold">
+                      <p:stCondLst>
+                        <p:cond delay="indefinite"/>
+                      </p:stCondLst>
+                      <p:childTnLst>
+                        <p:par>
+                          <p:cTn id="19" fill="hold">
+                            <p:stCondLst>
+                              <p:cond delay="0"/>
+                            </p:stCondLst>
+                            <p:childTnLst>
+                              <p:par>
+                                <p:cTn id="20" presetID="10" presetClass="entr" presetSubtype="0" fill="hold" grpId="0" nodeType="clickEffect">
+                                  <p:stCondLst>
+                                    <p:cond delay="0"/>
+                                  </p:stCondLst>
+                                  <p:childTnLst>
+                                    <p:set>
+                                      <p:cBhvr>
+                                        <p:cTn id="21" dur="1" fill="hold">
+                                          <p:stCondLst>
+                                            <p:cond delay="0"/>
+                                          </p:stCondLst>
+                                        </p:cTn>
+                                        <p:tgtEl>
+                                          <p:spTgt spid="4">
+                                            <p:txEl>
+                                              <p:pRg st="3" end="3"/>
+                                            </p:txEl>
+                                          </p:spTgt>
+                                        </p:tgtEl>
+                                        <p:attrNameLst>
+                                          <p:attrName>style.visibility</p:attrName>
+                                        </p:attrNameLst>
+                                      </p:cBhvr>
+                                      <p:to>
+                                        <p:strVal val="visible"/>
+                                      </p:to>
+                                    </p:set>
+                                    <p:animEffect transition="in" filter="fade">
+                                      <p:cBhvr>
+                                        <p:cTn id="22" dur="500"/>
+                                        <p:tgtEl>
+                                          <p:spTgt spid="4">
+                                            <p:txEl>
+                                              <p:pRg st="3" end="3"/>
+                                            </p:txEl>
+                                          </p:spTgt>
+                                        </p:tgtEl>
+                                      </p:cBhvr>
+                                    </p:animEffect>
+                                  </p:childTnLst>
+                                </p:cTn>
+                              </p:par>
+                            </p:childTnLst>
+                          </p:cTn>
+                        </p:par>
+                      </p:childTnLst>
+                    </p:cTn>
+                  </p:par>
+                  <p:par>
+                    <p:cTn id="23" fill="hold">
+                      <p:stCondLst>
+                        <p:cond delay="indefinite"/>
+                      </p:stCondLst>
+                      <p:childTnLst>
+                        <p:par>
+                          <p:cTn id="24" fill="hold">
+                            <p:stCondLst>
+                              <p:cond delay="0"/>
+                            </p:stCondLst>
+                            <p:childTnLst>
+                              <p:par>
+                                <p:cTn id="25" presetID="10" presetClass="entr" presetSubtype="0" fill="hold" grpId="0" nodeType="clickEffect">
+                                  <p:stCondLst>
+                                    <p:cond delay="0"/>
+                                  </p:stCondLst>
+                                  <p:childTnLst>
+                                    <p:set>
+                                      <p:cBhvr>
+                                        <p:cTn id="26" dur="1" fill="hold">
+                                          <p:stCondLst>
+                                            <p:cond delay="0"/>
+                                          </p:stCondLst>
+                                        </p:cTn>
+                                        <p:tgtEl>
+                                          <p:spTgt spid="4">
+                                            <p:txEl>
+                                              <p:pRg st="4" end="4"/>
+                                            </p:txEl>
+                                          </p:spTgt>
+                                        </p:tgtEl>
+                                        <p:attrNameLst>
+                                          <p:attrName>style.visibility</p:attrName>
+                                        </p:attrNameLst>
+                                      </p:cBhvr>
+                                      <p:to>
+                                        <p:strVal val="visible"/>
+                                      </p:to>
+                                    </p:set>
+                                    <p:animEffect transition="in" filter="fade">
+                                      <p:cBhvr>
+                                        <p:cTn id="27" dur="500"/>
+                                        <p:tgtEl>
+                                          <p:spTgt spid="4">
+                                            <p:txEl>
+                                              <p:pRg st="4" end="4"/>
+                                            </p:txEl>
+                                          </p:spTgt>
+                                        </p:tgtEl>
+                                      </p:cBhvr>
+                                    </p:animEffect>
+                                  </p:childTnLst>
+                                </p:cTn>
+                              </p:par>
+                            </p:childTnLst>
+                          </p:cTn>
+                        </p:par>
+                      </p:childTnLst>
+                    </p:cTn>
+                  </p:par>
+                </p:childTnLst>
+              </p:cTn>
+              <p:prevCondLst>
+                <p:cond evt="onPrev" delay="0">
+                  <p:tgtEl>
+                    <p:sldTgt/>
+                  </p:tgtEl>
+                </p:cond>
+              </p:prevCondLst>
+              <p:nextCondLst>
+                <p:cond evt="onNext" delay="0">
+                  <p:tgtEl>
+                    <p:sldTgt/>
+                  </p:tgtEl>
+                </p:cond>
+              </p:nextCondLst>
+            </p:seq>
+          </p:childTnLst>
+        </p:cTn>
+      </p:par>
+    </p:tnLst>
+    <p:bldLst>
+      <p:bldP spid="4" grpId="0" build="p"/>
+    </p:bldLst>
+  </p:timing>
+</p:sld>
+</file>
+
+<file path=ppt/slides/slide5.xml><?xml version="1.0" encoding="utf-8"?>
+<p:sld xmlns:a="http://schemas.openxmlformats.org/drawingml/2006/main" xmlns:r="http://schemas.openxmlformats.org/officeDocument/2006/relationships" xmlns:p="http://schemas.openxmlformats.org/presentationml/2006/main">
+  <p:cSld>
+    <p:spTree>
+      <p:nvGrpSpPr>
+        <p:cNvPr id="1" name=""/>
+        <p:cNvGrpSpPr/>
+        <p:nvPr/>
+      </p:nvGrpSpPr>
+      <p:grpSpPr>
+        <a:xfrm>
+          <a:off x="0" y="0"/>
+          <a:ext cx="0" cy="0"/>
+          <a:chOff x="0" y="0"/>
+          <a:chExt cx="0" cy="0"/>
+        </a:xfrm>
+      </p:grpSpPr>
+      <p:sp>
+        <p:nvSpPr>
+          <p:cNvPr id="2" name="Title 1">
+            <a:extLst>
+              <a:ext uri="{FF2B5EF4-FFF2-40B4-BE49-F238E27FC236}">
+                <a16:creationId xmlns:a16="http://schemas.microsoft.com/office/drawing/2014/main" id="{756A3FBD-7D68-C9D3-9677-3AD5B67A0926}"/>
+              </a:ext>
+            </a:extLst>
+          </p:cNvPr>
+          <p:cNvSpPr>
+            <a:spLocks noGrp="1"/>
+          </p:cNvSpPr>
+          <p:nvPr>
+            <p:ph type="title"/>
+          </p:nvPr>
+        </p:nvSpPr>
+        <p:spPr/>
+        <p:txBody>
+          <a:bodyPr/>
+          <a:lstStyle/>
+          <a:p>
+            <a:r>
+              <a:rPr lang="en-US" dirty="0"/>
+              <a:t>Page Object Model (POM)</a:t>
+            </a:r>
+          </a:p>
+        </p:txBody>
+      </p:sp>
+      <p:sp>
+        <p:nvSpPr>
+          <p:cNvPr id="3" name="Content Placeholder 2">
+            <a:extLst>
+              <a:ext uri="{FF2B5EF4-FFF2-40B4-BE49-F238E27FC236}">
+                <a16:creationId xmlns:a16="http://schemas.microsoft.com/office/drawing/2014/main" id="{AF3C910B-EDFC-DCCF-221C-F53F9F22B7DB}"/>
+              </a:ext>
+            </a:extLst>
+          </p:cNvPr>
+          <p:cNvSpPr>
+            <a:spLocks noGrp="1"/>
+          </p:cNvSpPr>
+          <p:nvPr>
+            <p:ph idx="1"/>
+          </p:nvPr>
+        </p:nvSpPr>
+        <p:spPr/>
+        <p:txBody>
+          <a:bodyPr>
+            <a:normAutofit/>
+          </a:bodyPr>
+          <a:lstStyle/>
+          <a:p>
+            <a:pPr marL="285750" indent="-285750">
+              <a:buFont typeface="Arial" panose="020B0604020202020204" pitchFamily="34" charset="0"/>
+              <a:buChar char="•"/>
+            </a:pPr>
+            <a:r>
+              <a:rPr lang="en-US" dirty="0"/>
+              <a:t>An object-oriented class that serves as an interface to a page of your AUT.</a:t>
+            </a:r>
+          </a:p>
+          <a:p>
+            <a:pPr marL="285750" indent="-285750">
+              <a:buFont typeface="Arial" panose="020B0604020202020204" pitchFamily="34" charset="0"/>
+              <a:buChar char="•"/>
+            </a:pPr>
             <a:r>
               <a:rPr lang="en-US" dirty="0"/>
               <a:t>Design consists of object models that represent pages/panes/sheets/etc.</a:t>
             </a:r>
           </a:p>
           <a:p>
+            <a:pPr marL="285750" indent="-285750">
+              <a:buFont typeface="Arial" panose="020B0604020202020204" pitchFamily="34" charset="0"/>
+              <a:buChar char="•"/>
+            </a:pPr>
             <a:r>
               <a:rPr lang="en-US" dirty="0"/>
               <a:t>Each page object has properties or functions used to interact with UI elements.</a:t>
             </a:r>
           </a:p>
           <a:p>
+            <a:pPr marL="285750" indent="-285750">
+              <a:buFont typeface="Arial" panose="020B0604020202020204" pitchFamily="34" charset="0"/>
+              <a:buChar char="•"/>
+            </a:pPr>
             <a:r>
               <a:rPr lang="en-US" dirty="0"/>
               <a:t>Pages may have additional functions built to help make interactions easier.</a:t>
             </a:r>
           </a:p>
           <a:p>
+            <a:pPr marL="285750" indent="-285750">
+              <a:buFont typeface="Arial" panose="020B0604020202020204" pitchFamily="34" charset="0"/>
+              <a:buChar char="•"/>
+            </a:pPr>
             <a:r>
               <a:rPr lang="en-US" dirty="0"/>
               <a:t>Robust but requires in depth knowledge of UI Automation engine (Selenium, XCUI, others)</a:t>
             </a:r>
           </a:p>
           <a:p>
+            <a:pPr marL="285750" indent="-285750">
+              <a:buFont typeface="Arial" panose="020B0604020202020204" pitchFamily="34" charset="0"/>
+              <a:buChar char="•"/>
+            </a:pPr>
             <a:r>
               <a:rPr lang="en-US" dirty="0"/>
               <a:t>Update once, fix everywhere design philosophy.</a:t>
@@ -5281,7 +9830,7 @@
 </p:sld>
 </file>
 
-<file path=ppt/slides/slide4.xml><?xml version="1.0" encoding="utf-8"?>
+<file path=ppt/slides/slide6.xml><?xml version="1.0" encoding="utf-8"?>
 <p:sld xmlns:a="http://schemas.openxmlformats.org/drawingml/2006/main" xmlns:r="http://schemas.openxmlformats.org/officeDocument/2006/relationships" xmlns:p="http://schemas.openxmlformats.org/presentationml/2006/main">
   <p:cSld>
     <p:spTree>
@@ -5303,7 +9852,7 @@
           <p:cNvPr id="2" name="Title 1">
             <a:extLst>
               <a:ext uri="{FF2B5EF4-FFF2-40B4-BE49-F238E27FC236}">
-                <a16:creationId xmlns:a16="http://schemas.microsoft.com/office/drawing/2014/main" id="{756A3FBD-7D68-C9D3-9677-3AD5B67A0926}"/>
+                <a16:creationId xmlns:a16="http://schemas.microsoft.com/office/drawing/2014/main" id="{C4202D15-2C05-8363-8BC5-AE3E3A06ABEE}"/>
               </a:ext>
             </a:extLst>
           </p:cNvPr>
@@ -5312,6 +9861,36 @@
           </p:cNvSpPr>
           <p:nvPr>
             <p:ph type="title"/>
+          </p:nvPr>
+        </p:nvSpPr>
+        <p:spPr/>
+        <p:txBody>
+          <a:bodyPr>
+            <a:normAutofit/>
+          </a:bodyPr>
+          <a:lstStyle/>
+          <a:p>
+            <a:r>
+              <a:rPr lang="en-US" sz="2800" dirty="0"/>
+              <a:t>Page Object Model Test</a:t>
+            </a:r>
+          </a:p>
+        </p:txBody>
+      </p:sp>
+      <p:sp>
+        <p:nvSpPr>
+          <p:cNvPr id="4" name="Text Placeholder 3">
+            <a:extLst>
+              <a:ext uri="{FF2B5EF4-FFF2-40B4-BE49-F238E27FC236}">
+                <a16:creationId xmlns:a16="http://schemas.microsoft.com/office/drawing/2014/main" id="{1E01CDC6-7564-7D4B-3834-D7E9AE956BD0}"/>
+              </a:ext>
+            </a:extLst>
+          </p:cNvPr>
+          <p:cNvSpPr>
+            <a:spLocks noGrp="1"/>
+          </p:cNvSpPr>
+          <p:nvPr>
+            <p:ph type="body" sz="half" idx="2"/>
           </p:nvPr>
         </p:nvSpPr>
         <p:spPr/>
@@ -5319,76 +9898,90 @@
           <a:bodyPr/>
           <a:lstStyle/>
           <a:p>
+            <a:pPr marL="285750" indent="-285750">
+              <a:buFont typeface="Arial" panose="020B0604020202020204" pitchFamily="34" charset="0"/>
+              <a:buChar char="•"/>
+            </a:pPr>
             <a:r>
               <a:rPr lang="en-US" dirty="0"/>
-              <a:t>Logical Function Model (LFM)</a:t>
-            </a:r>
-          </a:p>
-        </p:txBody>
-      </p:sp>
-      <p:sp>
-        <p:nvSpPr>
-          <p:cNvPr id="3" name="Content Placeholder 2">
-            <a:extLst>
-              <a:ext uri="{FF2B5EF4-FFF2-40B4-BE49-F238E27FC236}">
-                <a16:creationId xmlns:a16="http://schemas.microsoft.com/office/drawing/2014/main" id="{AF3C910B-EDFC-DCCF-221C-F53F9F22B7DB}"/>
-              </a:ext>
-            </a:extLst>
-          </p:cNvPr>
-          <p:cNvSpPr>
-            <a:spLocks noGrp="1"/>
-          </p:cNvSpPr>
+              <a:t>Update once, fix everywhere</a:t>
+            </a:r>
+          </a:p>
+          <a:p>
+            <a:pPr marL="285750" indent="-285750">
+              <a:buFont typeface="Arial" panose="020B0604020202020204" pitchFamily="34" charset="0"/>
+              <a:buChar char="•"/>
+            </a:pPr>
+            <a:r>
+              <a:rPr lang="en-US" dirty="0"/>
+              <a:t>Simple to read and understand</a:t>
+            </a:r>
+          </a:p>
+          <a:p>
+            <a:pPr marL="285750" indent="-285750">
+              <a:buFont typeface="Arial" panose="020B0604020202020204" pitchFamily="34" charset="0"/>
+              <a:buChar char="•"/>
+            </a:pPr>
+            <a:r>
+              <a:rPr lang="en-US" dirty="0"/>
+              <a:t>Requires knowledge of UI Automation Library</a:t>
+            </a:r>
+          </a:p>
+          <a:p>
+            <a:pPr marL="285750" indent="-285750">
+              <a:buFont typeface="Arial" panose="020B0604020202020204" pitchFamily="34" charset="0"/>
+              <a:buChar char="•"/>
+            </a:pPr>
+            <a:r>
+              <a:rPr lang="en-US" dirty="0"/>
+              <a:t>Sometimes you might need to work with driver and elements directly.</a:t>
+            </a:r>
+          </a:p>
+          <a:p>
+            <a:pPr marL="285750" indent="-285750">
+              <a:buFont typeface="Arial" panose="020B0604020202020204" pitchFamily="34" charset="0"/>
+              <a:buChar char="•"/>
+            </a:pPr>
+            <a:r>
+              <a:rPr lang="en-US" dirty="0"/>
+              <a:t>Functional but flawed</a:t>
+            </a:r>
+          </a:p>
+        </p:txBody>
+      </p:sp>
+      <p:pic>
+        <p:nvPicPr>
+          <p:cNvPr id="7" name="Content Placeholder 6" descr="A screenshot showing a test designed under POM">
+            <a:extLst>
+              <a:ext uri="{FF2B5EF4-FFF2-40B4-BE49-F238E27FC236}">
+                <a16:creationId xmlns:a16="http://schemas.microsoft.com/office/drawing/2014/main" id="{C048C166-00CA-8727-52F3-85E2DA5983D5}"/>
+              </a:ext>
+            </a:extLst>
+          </p:cNvPr>
+          <p:cNvPicPr>
+            <a:picLocks noGrp="1" noChangeAspect="1"/>
+          </p:cNvPicPr>
           <p:nvPr>
             <p:ph idx="1"/>
           </p:nvPr>
-        </p:nvSpPr>
-        <p:spPr/>
-        <p:txBody>
-          <a:bodyPr/>
-          <a:lstStyle/>
-          <a:p>
-            <a:r>
-              <a:rPr lang="en-US" dirty="0"/>
-              <a:t>Definition: A collection of functions used to produce logical results.</a:t>
-            </a:r>
-          </a:p>
-          <a:p>
-            <a:pPr lvl="1"/>
-            <a:r>
-              <a:rPr lang="en-US" dirty="0"/>
-              <a:t>Also called Functional Programming.</a:t>
-            </a:r>
-          </a:p>
-          <a:p>
-            <a:r>
-              <a:rPr lang="en-US" dirty="0"/>
-              <a:t>Design consists of functions to perform actions on the page.</a:t>
-            </a:r>
-          </a:p>
-          <a:p>
-            <a:r>
-              <a:rPr lang="en-US" dirty="0"/>
-              <a:t>Each function calls elements individually resulting in multiple references to elements.</a:t>
-            </a:r>
-          </a:p>
-          <a:p>
-            <a:r>
-              <a:rPr lang="en-US" dirty="0"/>
-              <a:t>Functions can represent entire page interactions or parts of a page.</a:t>
-            </a:r>
-          </a:p>
-          <a:p>
-            <a:r>
-              <a:rPr lang="en-US" dirty="0"/>
-              <a:t>Requires in depth knowledge of UI Automation engine (Selenium, XCUI, others)</a:t>
-            </a:r>
-          </a:p>
-        </p:txBody>
-      </p:sp>
+        </p:nvPicPr>
+        <p:blipFill>
+          <a:blip r:embed="rId2"/>
+          <a:stretch>
+            <a:fillRect/>
+          </a:stretch>
+        </p:blipFill>
+        <p:spPr>
+          <a:xfrm>
+            <a:off x="5183188" y="1454463"/>
+            <a:ext cx="6172200" cy="3939548"/>
+          </a:xfrm>
+        </p:spPr>
+      </p:pic>
     </p:spTree>
     <p:extLst>
       <p:ext uri="{BB962C8B-B14F-4D97-AF65-F5344CB8AC3E}">
-        <p14:creationId xmlns:p14="http://schemas.microsoft.com/office/powerpoint/2010/main" val="2294883570"/>
+        <p14:creationId xmlns:p14="http://schemas.microsoft.com/office/powerpoint/2010/main" val="3567664121"/>
       </p:ext>
     </p:extLst>
   </p:cSld>
@@ -5429,7 +10022,7 @@
                                           </p:stCondLst>
                                         </p:cTn>
                                         <p:tgtEl>
-                                          <p:spTgt spid="3">
+                                          <p:spTgt spid="4">
                                             <p:txEl>
                                               <p:pRg st="0" end="0"/>
                                             </p:txEl>
@@ -5447,7 +10040,7 @@
                                       <p:cBhvr>
                                         <p:cTn id="7" dur="500"/>
                                         <p:tgtEl>
-                                          <p:spTgt spid="3">
+                                          <p:spTgt spid="4">
                                             <p:txEl>
                                               <p:pRg st="0" end="0"/>
                                             </p:txEl>
@@ -5458,21 +10051,39 @@
                                   </p:childTnLst>
                                 </p:cTn>
                               </p:par>
+                            </p:childTnLst>
+                          </p:cTn>
+                        </p:par>
+                      </p:childTnLst>
+                    </p:cTn>
+                  </p:par>
+                  <p:par>
+                    <p:cTn id="8" fill="hold">
+                      <p:stCondLst>
+                        <p:cond delay="indefinite"/>
+                      </p:stCondLst>
+                      <p:childTnLst>
+                        <p:par>
+                          <p:cTn id="9" fill="hold">
+                            <p:stCondLst>
+                              <p:cond delay="0"/>
+                            </p:stCondLst>
+                            <p:childTnLst>
                               <p:par>
-                                <p:cTn id="8" presetID="10" presetClass="entr" presetSubtype="0" fill="hold" grpId="0" nodeType="withEffect">
+                                <p:cTn id="10" presetID="10" presetClass="entr" presetSubtype="0" fill="hold" grpId="0" nodeType="clickEffect">
                                   <p:stCondLst>
                                     <p:cond delay="0"/>
                                   </p:stCondLst>
                                   <p:childTnLst>
                                     <p:set>
                                       <p:cBhvr>
-                                        <p:cTn id="9" dur="1" fill="hold">
+                                        <p:cTn id="11" dur="1" fill="hold">
                                           <p:stCondLst>
                                             <p:cond delay="0"/>
                                           </p:stCondLst>
                                         </p:cTn>
                                         <p:tgtEl>
-                                          <p:spTgt spid="3">
+                                          <p:spTgt spid="4">
                                             <p:txEl>
                                               <p:pRg st="1" end="1"/>
                                             </p:txEl>
@@ -5488,9 +10099,9 @@
                                     </p:set>
                                     <p:animEffect transition="in" filter="fade">
                                       <p:cBhvr>
-                                        <p:cTn id="10" dur="500"/>
+                                        <p:cTn id="12" dur="500"/>
                                         <p:tgtEl>
-                                          <p:spTgt spid="3">
+                                          <p:spTgt spid="4">
                                             <p:txEl>
                                               <p:pRg st="1" end="1"/>
                                             </p:txEl>
@@ -5508,32 +10119,32 @@
                     </p:cTn>
                   </p:par>
                   <p:par>
-                    <p:cTn id="11" fill="hold">
+                    <p:cTn id="13" fill="hold">
                       <p:stCondLst>
                         <p:cond delay="indefinite"/>
                       </p:stCondLst>
                       <p:childTnLst>
                         <p:par>
-                          <p:cTn id="12" fill="hold">
+                          <p:cTn id="14" fill="hold">
                             <p:stCondLst>
                               <p:cond delay="0"/>
                             </p:stCondLst>
                             <p:childTnLst>
                               <p:par>
-                                <p:cTn id="13" presetID="10" presetClass="entr" presetSubtype="0" fill="hold" grpId="0" nodeType="clickEffect">
+                                <p:cTn id="15" presetID="10" presetClass="entr" presetSubtype="0" fill="hold" grpId="0" nodeType="clickEffect">
                                   <p:stCondLst>
                                     <p:cond delay="0"/>
                                   </p:stCondLst>
                                   <p:childTnLst>
                                     <p:set>
                                       <p:cBhvr>
-                                        <p:cTn id="14" dur="1" fill="hold">
+                                        <p:cTn id="16" dur="1" fill="hold">
                                           <p:stCondLst>
                                             <p:cond delay="0"/>
                                           </p:stCondLst>
                                         </p:cTn>
                                         <p:tgtEl>
-                                          <p:spTgt spid="3">
+                                          <p:spTgt spid="4">
                                             <p:txEl>
                                               <p:pRg st="2" end="2"/>
                                             </p:txEl>
@@ -5549,9 +10160,9 @@
                                     </p:set>
                                     <p:animEffect transition="in" filter="fade">
                                       <p:cBhvr>
-                                        <p:cTn id="15" dur="500"/>
+                                        <p:cTn id="17" dur="500"/>
                                         <p:tgtEl>
-                                          <p:spTgt spid="3">
+                                          <p:spTgt spid="4">
                                             <p:txEl>
                                               <p:pRg st="2" end="2"/>
                                             </p:txEl>
@@ -5569,32 +10180,32 @@
                     </p:cTn>
                   </p:par>
                   <p:par>
-                    <p:cTn id="16" fill="hold">
+                    <p:cTn id="18" fill="hold">
                       <p:stCondLst>
                         <p:cond delay="indefinite"/>
                       </p:stCondLst>
                       <p:childTnLst>
                         <p:par>
-                          <p:cTn id="17" fill="hold">
+                          <p:cTn id="19" fill="hold">
                             <p:stCondLst>
                               <p:cond delay="0"/>
                             </p:stCondLst>
                             <p:childTnLst>
                               <p:par>
-                                <p:cTn id="18" presetID="10" presetClass="entr" presetSubtype="0" fill="hold" grpId="0" nodeType="clickEffect">
+                                <p:cTn id="20" presetID="10" presetClass="entr" presetSubtype="0" fill="hold" grpId="0" nodeType="clickEffect">
                                   <p:stCondLst>
                                     <p:cond delay="0"/>
                                   </p:stCondLst>
                                   <p:childTnLst>
                                     <p:set>
                                       <p:cBhvr>
-                                        <p:cTn id="19" dur="1" fill="hold">
+                                        <p:cTn id="21" dur="1" fill="hold">
                                           <p:stCondLst>
                                             <p:cond delay="0"/>
                                           </p:stCondLst>
                                         </p:cTn>
                                         <p:tgtEl>
-                                          <p:spTgt spid="3">
+                                          <p:spTgt spid="4">
                                             <p:txEl>
                                               <p:pRg st="3" end="3"/>
                                             </p:txEl>
@@ -5610,9 +10221,9 @@
                                     </p:set>
                                     <p:animEffect transition="in" filter="fade">
                                       <p:cBhvr>
-                                        <p:cTn id="20" dur="500"/>
+                                        <p:cTn id="22" dur="500"/>
                                         <p:tgtEl>
-                                          <p:spTgt spid="3">
+                                          <p:spTgt spid="4">
                                             <p:txEl>
                                               <p:pRg st="3" end="3"/>
                                             </p:txEl>
@@ -5630,32 +10241,32 @@
                     </p:cTn>
                   </p:par>
                   <p:par>
-                    <p:cTn id="21" fill="hold">
+                    <p:cTn id="23" fill="hold">
                       <p:stCondLst>
                         <p:cond delay="indefinite"/>
                       </p:stCondLst>
                       <p:childTnLst>
                         <p:par>
-                          <p:cTn id="22" fill="hold">
+                          <p:cTn id="24" fill="hold">
                             <p:stCondLst>
                               <p:cond delay="0"/>
                             </p:stCondLst>
                             <p:childTnLst>
                               <p:par>
-                                <p:cTn id="23" presetID="10" presetClass="entr" presetSubtype="0" fill="hold" grpId="0" nodeType="clickEffect">
+                                <p:cTn id="25" presetID="10" presetClass="entr" presetSubtype="0" fill="hold" grpId="0" nodeType="clickEffect">
                                   <p:stCondLst>
                                     <p:cond delay="0"/>
                                   </p:stCondLst>
                                   <p:childTnLst>
                                     <p:set>
                                       <p:cBhvr>
-                                        <p:cTn id="24" dur="1" fill="hold">
+                                        <p:cTn id="26" dur="1" fill="hold">
                                           <p:stCondLst>
                                             <p:cond delay="0"/>
                                           </p:stCondLst>
                                         </p:cTn>
                                         <p:tgtEl>
-                                          <p:spTgt spid="3">
+                                          <p:spTgt spid="4">
                                             <p:txEl>
                                               <p:pRg st="4" end="4"/>
                                             </p:txEl>
@@ -5671,72 +10282,11 @@
                                     </p:set>
                                     <p:animEffect transition="in" filter="fade">
                                       <p:cBhvr>
-                                        <p:cTn id="25" dur="500"/>
+                                        <p:cTn id="27" dur="500"/>
                                         <p:tgtEl>
-                                          <p:spTgt spid="3">
+                                          <p:spTgt spid="4">
                                             <p:txEl>
                                               <p:pRg st="4" end="4"/>
-                                            </p:txEl>
-                                          </p:spTgt>
-                                        </p:tgtEl>
-                                      </p:cBhvr>
-                                    </p:animEffect>
-                                  </p:childTnLst>
-                                </p:cTn>
-                              </p:par>
-                            </p:childTnLst>
-                          </p:cTn>
-                        </p:par>
-                      </p:childTnLst>
-                    </p:cTn>
-                  </p:par>
-                  <p:par>
-                    <p:cTn id="26" fill="hold">
-                      <p:stCondLst>
-                        <p:cond delay="indefinite"/>
-                      </p:stCondLst>
-                      <p:childTnLst>
-                        <p:par>
-                          <p:cTn id="27" fill="hold">
-                            <p:stCondLst>
-                              <p:cond delay="0"/>
-                            </p:stCondLst>
-                            <p:childTnLst>
-                              <p:par>
-                                <p:cTn id="28" presetID="10" presetClass="entr" presetSubtype="0" fill="hold" grpId="0" nodeType="clickEffect">
-                                  <p:stCondLst>
-                                    <p:cond delay="0"/>
-                                  </p:stCondLst>
-                                  <p:childTnLst>
-                                    <p:set>
-                                      <p:cBhvr>
-                                        <p:cTn id="29" dur="1" fill="hold">
-                                          <p:stCondLst>
-                                            <p:cond delay="0"/>
-                                          </p:stCondLst>
-                                        </p:cTn>
-                                        <p:tgtEl>
-                                          <p:spTgt spid="3">
-                                            <p:txEl>
-                                              <p:pRg st="5" end="5"/>
-                                            </p:txEl>
-                                          </p:spTgt>
-                                        </p:tgtEl>
-                                        <p:attrNameLst>
-                                          <p:attrName>style.visibility</p:attrName>
-                                        </p:attrNameLst>
-                                      </p:cBhvr>
-                                      <p:to>
-                                        <p:strVal val="visible"/>
-                                      </p:to>
-                                    </p:set>
-                                    <p:animEffect transition="in" filter="fade">
-                                      <p:cBhvr>
-                                        <p:cTn id="30" dur="500"/>
-                                        <p:tgtEl>
-                                          <p:spTgt spid="3">
-                                            <p:txEl>
-                                              <p:pRg st="5" end="5"/>
                                             </p:txEl>
                                           </p:spTgt>
                                         </p:tgtEl>
@@ -5773,13 +10323,13 @@
       </p:par>
     </p:tnLst>
     <p:bldLst>
-      <p:bldP spid="3" grpId="0" build="p"/>
+      <p:bldP spid="4" grpId="0" build="p"/>
     </p:bldLst>
   </p:timing>
 </p:sld>
 </file>
 
-<file path=ppt/slides/slide5.xml><?xml version="1.0" encoding="utf-8"?>
+<file path=ppt/slides/slide7.xml><?xml version="1.0" encoding="utf-8"?>
 <p:sld xmlns:a="http://schemas.openxmlformats.org/drawingml/2006/main" xmlns:r="http://schemas.openxmlformats.org/officeDocument/2006/relationships" xmlns:p="http://schemas.openxmlformats.org/presentationml/2006/main">
   <p:cSld>
     <p:spTree>
@@ -5995,7 +10545,151 @@
 </p:sld>
 </file>
 
-<file path=ppt/slides/slide6.xml><?xml version="1.0" encoding="utf-8"?>
+<file path=ppt/slides/slide8.xml><?xml version="1.0" encoding="utf-8"?>
+<p:sld xmlns:a="http://schemas.openxmlformats.org/drawingml/2006/main" xmlns:r="http://schemas.openxmlformats.org/officeDocument/2006/relationships" xmlns:p="http://schemas.openxmlformats.org/presentationml/2006/main">
+  <p:cSld>
+    <p:spTree>
+      <p:nvGrpSpPr>
+        <p:cNvPr id="1" name=""/>
+        <p:cNvGrpSpPr/>
+        <p:nvPr/>
+      </p:nvGrpSpPr>
+      <p:grpSpPr>
+        <a:xfrm>
+          <a:off x="0" y="0"/>
+          <a:ext cx="0" cy="0"/>
+          <a:chOff x="0" y="0"/>
+          <a:chExt cx="0" cy="0"/>
+        </a:xfrm>
+      </p:grpSpPr>
+      <p:sp>
+        <p:nvSpPr>
+          <p:cNvPr id="2" name="Title 1">
+            <a:extLst>
+              <a:ext uri="{FF2B5EF4-FFF2-40B4-BE49-F238E27FC236}">
+                <a16:creationId xmlns:a16="http://schemas.microsoft.com/office/drawing/2014/main" id="{78CFF9D1-43F4-4308-96D6-384693EB7C52}"/>
+              </a:ext>
+            </a:extLst>
+          </p:cNvPr>
+          <p:cNvSpPr>
+            <a:spLocks noGrp="1"/>
+          </p:cNvSpPr>
+          <p:nvPr>
+            <p:ph type="title"/>
+          </p:nvPr>
+        </p:nvSpPr>
+        <p:spPr/>
+        <p:txBody>
+          <a:bodyPr/>
+          <a:lstStyle/>
+          <a:p>
+            <a:r>
+              <a:rPr lang="en-US" dirty="0"/>
+              <a:t>Consider the Following: What is a Textbox?</a:t>
+            </a:r>
+          </a:p>
+        </p:txBody>
+      </p:sp>
+    </p:spTree>
+    <p:extLst>
+      <p:ext uri="{BB962C8B-B14F-4D97-AF65-F5344CB8AC3E}">
+        <p14:creationId xmlns:p14="http://schemas.microsoft.com/office/powerpoint/2010/main" val="2347540649"/>
+      </p:ext>
+    </p:extLst>
+  </p:cSld>
+  <p:clrMapOvr>
+    <a:masterClrMapping/>
+  </p:clrMapOvr>
+  <p:timing>
+    <p:tnLst>
+      <p:par>
+        <p:cTn id="1" dur="indefinite" restart="never" nodeType="tmRoot">
+          <p:childTnLst>
+            <p:seq concurrent="1" nextAc="seek">
+              <p:cTn id="2" dur="indefinite" nodeType="mainSeq">
+                <p:childTnLst>
+                  <p:par>
+                    <p:cTn id="3" fill="hold">
+                      <p:stCondLst>
+                        <p:cond delay="indefinite"/>
+                      </p:stCondLst>
+                      <p:childTnLst>
+                        <p:par>
+                          <p:cTn id="4" fill="hold">
+                            <p:stCondLst>
+                              <p:cond delay="0"/>
+                            </p:stCondLst>
+                            <p:childTnLst>
+                              <p:par>
+                                <p:cTn id="5" presetID="10" presetClass="entr" presetSubtype="0" fill="hold" grpId="0" nodeType="clickEffect">
+                                  <p:stCondLst>
+                                    <p:cond delay="0"/>
+                                  </p:stCondLst>
+                                  <p:childTnLst>
+                                    <p:set>
+                                      <p:cBhvr>
+                                        <p:cTn id="6" dur="1" fill="hold">
+                                          <p:stCondLst>
+                                            <p:cond delay="0"/>
+                                          </p:stCondLst>
+                                        </p:cTn>
+                                        <p:tgtEl>
+                                          <p:spTgt spid="2"/>
+                                        </p:tgtEl>
+                                        <p:attrNameLst>
+                                          <p:attrName>style.visibility</p:attrName>
+                                        </p:attrNameLst>
+                                      </p:cBhvr>
+                                      <p:to>
+                                        <p:strVal val="visible"/>
+                                      </p:to>
+                                    </p:set>
+                                    <p:animEffect transition="in" filter="fade">
+                                      <p:cBhvr>
+                                        <p:cTn id="7" dur="1000"/>
+                                        <p:tgtEl>
+                                          <p:spTgt spid="2"/>
+                                        </p:tgtEl>
+                                      </p:cBhvr>
+                                    </p:animEffect>
+                                  </p:childTnLst>
+                                </p:cTn>
+                              </p:par>
+                            </p:childTnLst>
+                          </p:cTn>
+                        </p:par>
+                      </p:childTnLst>
+                    </p:cTn>
+                  </p:par>
+                </p:childTnLst>
+              </p:cTn>
+              <p:prevCondLst>
+                <p:cond evt="onPrev" delay="0">
+                  <p:tgtEl>
+                    <p:sldTgt/>
+                  </p:tgtEl>
+                </p:cond>
+              </p:prevCondLst>
+              <p:nextCondLst>
+                <p:cond evt="onNext" delay="0">
+                  <p:tgtEl>
+                    <p:sldTgt/>
+                  </p:tgtEl>
+                </p:cond>
+              </p:nextCondLst>
+            </p:seq>
+          </p:childTnLst>
+        </p:cTn>
+      </p:par>
+    </p:tnLst>
+    <p:bldLst>
+      <p:bldP spid="2" grpId="0"/>
+    </p:bldLst>
+  </p:timing>
+</p:sld>
+</file>
+
+<file path=ppt/slides/slide9.xml><?xml version="1.0" encoding="utf-8"?>
 <p:sld xmlns:a="http://schemas.openxmlformats.org/drawingml/2006/main" xmlns:r="http://schemas.openxmlformats.org/officeDocument/2006/relationships" xmlns:p="http://schemas.openxmlformats.org/presentationml/2006/main">
   <p:cSld>
     <p:spTree>
@@ -6562,64 +11256,6 @@
       <p:bldP spid="3" grpId="0" build="p"/>
     </p:bldLst>
   </p:timing>
-</p:sld>
-</file>
-
-<file path=ppt/slides/slide7.xml><?xml version="1.0" encoding="utf-8"?>
-<p:sld xmlns:a="http://schemas.openxmlformats.org/drawingml/2006/main" xmlns:r="http://schemas.openxmlformats.org/officeDocument/2006/relationships" xmlns:p="http://schemas.openxmlformats.org/presentationml/2006/main">
-  <p:cSld>
-    <p:spTree>
-      <p:nvGrpSpPr>
-        <p:cNvPr id="1" name=""/>
-        <p:cNvGrpSpPr/>
-        <p:nvPr/>
-      </p:nvGrpSpPr>
-      <p:grpSpPr>
-        <a:xfrm>
-          <a:off x="0" y="0"/>
-          <a:ext cx="0" cy="0"/>
-          <a:chOff x="0" y="0"/>
-          <a:chExt cx="0" cy="0"/>
-        </a:xfrm>
-      </p:grpSpPr>
-      <p:sp>
-        <p:nvSpPr>
-          <p:cNvPr id="2" name="Title 1">
-            <a:extLst>
-              <a:ext uri="{FF2B5EF4-FFF2-40B4-BE49-F238E27FC236}">
-                <a16:creationId xmlns:a16="http://schemas.microsoft.com/office/drawing/2014/main" id="{78CFF9D1-43F4-4308-96D6-384693EB7C52}"/>
-              </a:ext>
-            </a:extLst>
-          </p:cNvPr>
-          <p:cNvSpPr>
-            <a:spLocks noGrp="1"/>
-          </p:cNvSpPr>
-          <p:nvPr>
-            <p:ph type="title"/>
-          </p:nvPr>
-        </p:nvSpPr>
-        <p:spPr/>
-        <p:txBody>
-          <a:bodyPr/>
-          <a:lstStyle/>
-          <a:p>
-            <a:r>
-              <a:rPr lang="en-US" dirty="0"/>
-              <a:t>Consider the Following: What is a Textbox?</a:t>
-            </a:r>
-          </a:p>
-        </p:txBody>
-      </p:sp>
-    </p:spTree>
-    <p:extLst>
-      <p:ext uri="{BB962C8B-B14F-4D97-AF65-F5344CB8AC3E}">
-        <p14:creationId xmlns:p14="http://schemas.microsoft.com/office/powerpoint/2010/main" val="2347540649"/>
-      </p:ext>
-    </p:extLst>
-  </p:cSld>
-  <p:clrMapOvr>
-    <a:masterClrMapping/>
-  </p:clrMapOvr>
 </p:sld>
 </file>
 
